--- a/Диплом/ДИПЛОМ.pptx
+++ b/Диплом/ДИПЛОМ.pptx
@@ -2,10 +2,10 @@
 <file path=ppt/presentation.xml><?xml version="1.0" encoding="utf-8"?>
 <p:presentation xmlns:a="http://schemas.openxmlformats.org/drawingml/2006/main" xmlns:r="http://schemas.openxmlformats.org/officeDocument/2006/relationships" xmlns:p="http://schemas.openxmlformats.org/presentationml/2006/main" saveSubsetFonts="1">
   <p:sldMasterIdLst>
-    <p:sldMasterId id="2147483648" r:id="rId1"/>
+    <p:sldMasterId id="2147483757" r:id="rId1"/>
   </p:sldMasterIdLst>
   <p:notesMasterIdLst>
-    <p:notesMasterId r:id="rId13"/>
+    <p:notesMasterId r:id="rId15"/>
   </p:notesMasterIdLst>
   <p:sldIdLst>
     <p:sldId id="256" r:id="rId2"/>
@@ -13,12 +13,14 @@
     <p:sldId id="257" r:id="rId4"/>
     <p:sldId id="260" r:id="rId5"/>
     <p:sldId id="259" r:id="rId6"/>
-    <p:sldId id="261" r:id="rId7"/>
-    <p:sldId id="262" r:id="rId8"/>
-    <p:sldId id="263" r:id="rId9"/>
-    <p:sldId id="264" r:id="rId10"/>
-    <p:sldId id="265" r:id="rId11"/>
-    <p:sldId id="266" r:id="rId12"/>
+    <p:sldId id="268" r:id="rId7"/>
+    <p:sldId id="272" r:id="rId8"/>
+    <p:sldId id="262" r:id="rId9"/>
+    <p:sldId id="270" r:id="rId10"/>
+    <p:sldId id="263" r:id="rId11"/>
+    <p:sldId id="264" r:id="rId12"/>
+    <p:sldId id="273" r:id="rId13"/>
+    <p:sldId id="274" r:id="rId14"/>
   </p:sldIdLst>
   <p:sldSz cx="12192000" cy="6858000"/>
   <p:notesSz cx="6858000" cy="9144000"/>
@@ -117,6 +119,11 @@
       </a:defRPr>
     </a:lvl9pPr>
   </p:defaultTextStyle>
+  <p:extLst>
+    <p:ext uri="{EFAFB233-063F-42B5-8137-9DF3F51BA10A}">
+      <p15:sldGuideLst xmlns:p15="http://schemas.microsoft.com/office/powerpoint/2012/main"/>
+    </p:ext>
+  </p:extLst>
 </p:presentation>
 </file>
 
@@ -202,7 +209,7 @@
           <a:p>
             <a:fld id="{B404D439-6979-4C47-8933-653EA3DBF387}" type="datetimeFigureOut">
               <a:rPr lang="ru-RU" smtClean="0"/>
-              <a:t>12.04.2017</a:t>
+              <a:t>11.06.2017</a:t>
             </a:fld>
             <a:endParaRPr lang="ru-RU"/>
           </a:p>
@@ -583,90 +590,6 @@
 </p:notes>
 </file>
 
-<file path=ppt/notesSlides/notesSlide2.xml><?xml version="1.0" encoding="utf-8"?>
-<p:notes xmlns:a="http://schemas.openxmlformats.org/drawingml/2006/main" xmlns:r="http://schemas.openxmlformats.org/officeDocument/2006/relationships" xmlns:p="http://schemas.openxmlformats.org/presentationml/2006/main">
-  <p:cSld>
-    <p:spTree>
-      <p:nvGrpSpPr>
-        <p:cNvPr id="1" name=""/>
-        <p:cNvGrpSpPr/>
-        <p:nvPr/>
-      </p:nvGrpSpPr>
-      <p:grpSpPr>
-        <a:xfrm>
-          <a:off x="0" y="0"/>
-          <a:ext cx="0" cy="0"/>
-          <a:chOff x="0" y="0"/>
-          <a:chExt cx="0" cy="0"/>
-        </a:xfrm>
-      </p:grpSpPr>
-      <p:sp>
-        <p:nvSpPr>
-          <p:cNvPr id="2" name="Образ слайда 1"/>
-          <p:cNvSpPr>
-            <a:spLocks noGrp="1" noRot="1" noChangeAspect="1"/>
-          </p:cNvSpPr>
-          <p:nvPr>
-            <p:ph type="sldImg"/>
-          </p:nvPr>
-        </p:nvSpPr>
-        <p:spPr/>
-      </p:sp>
-      <p:sp>
-        <p:nvSpPr>
-          <p:cNvPr id="3" name="Заметки 2"/>
-          <p:cNvSpPr>
-            <a:spLocks noGrp="1"/>
-          </p:cNvSpPr>
-          <p:nvPr>
-            <p:ph type="body" idx="1"/>
-          </p:nvPr>
-        </p:nvSpPr>
-        <p:spPr/>
-        <p:txBody>
-          <a:bodyPr/>
-          <a:lstStyle/>
-          <a:p>
-            <a:endParaRPr lang="ru-RU" dirty="0"/>
-          </a:p>
-        </p:txBody>
-      </p:sp>
-      <p:sp>
-        <p:nvSpPr>
-          <p:cNvPr id="4" name="Номер слайда 3"/>
-          <p:cNvSpPr>
-            <a:spLocks noGrp="1"/>
-          </p:cNvSpPr>
-          <p:nvPr>
-            <p:ph type="sldNum" sz="quarter" idx="10"/>
-          </p:nvPr>
-        </p:nvSpPr>
-        <p:spPr/>
-        <p:txBody>
-          <a:bodyPr/>
-          <a:lstStyle/>
-          <a:p>
-            <a:fld id="{64FC84E0-29A6-465E-8FC3-5D56C5127BB0}" type="slidenum">
-              <a:rPr lang="ru-RU" smtClean="0"/>
-              <a:t>11</a:t>
-            </a:fld>
-            <a:endParaRPr lang="ru-RU"/>
-          </a:p>
-        </p:txBody>
-      </p:sp>
-    </p:spTree>
-    <p:extLst>
-      <p:ext uri="{BB962C8B-B14F-4D97-AF65-F5344CB8AC3E}">
-        <p14:creationId xmlns:p14="http://schemas.microsoft.com/office/powerpoint/2010/main" val="3687913338"/>
-      </p:ext>
-    </p:extLst>
-  </p:cSld>
-  <p:clrMapOvr>
-    <a:masterClrMapping/>
-  </p:clrMapOvr>
-</p:notes>
-</file>
-
 <file path=ppt/slideLayouts/slideLayout1.xml><?xml version="1.0" encoding="utf-8"?>
 <p:sldLayout xmlns:a="http://schemas.openxmlformats.org/drawingml/2006/main" xmlns:r="http://schemas.openxmlformats.org/officeDocument/2006/relationships" xmlns:p="http://schemas.openxmlformats.org/presentationml/2006/main" type="title" preserve="1">
   <p:cSld name="Титульный слайд">
@@ -712,7 +635,7 @@
               <a:rPr lang="ru-RU" smtClean="0"/>
               <a:t>Образец заголовка</a:t>
             </a:r>
-            <a:endParaRPr lang="ru-RU"/>
+            <a:endParaRPr lang="en-GB"/>
           </a:p>
         </p:txBody>
       </p:sp>
@@ -777,7 +700,7 @@
               <a:rPr lang="ru-RU" smtClean="0"/>
               <a:t>Образец подзаголовка</a:t>
             </a:r>
-            <a:endParaRPr lang="ru-RU"/>
+            <a:endParaRPr lang="en-GB"/>
           </a:p>
         </p:txBody>
       </p:sp>
@@ -798,7 +721,7 @@
           <a:p>
             <a:fld id="{446B8952-0178-45A7-83AF-F001A43CB726}" type="datetimeFigureOut">
               <a:rPr lang="ru-RU" smtClean="0"/>
-              <a:t>12.04.2017</a:t>
+              <a:t>11.06.2017</a:t>
             </a:fld>
             <a:endParaRPr lang="ru-RU"/>
           </a:p>
@@ -849,7 +772,7 @@
     </p:spTree>
     <p:extLst>
       <p:ext uri="{BB962C8B-B14F-4D97-AF65-F5344CB8AC3E}">
-        <p14:creationId xmlns:p14="http://schemas.microsoft.com/office/powerpoint/2010/main" val="2066591010"/>
+        <p14:creationId xmlns:p14="http://schemas.microsoft.com/office/powerpoint/2010/main" val="3041419525"/>
       </p:ext>
     </p:extLst>
   </p:cSld>
@@ -895,7 +818,7 @@
               <a:rPr lang="ru-RU" smtClean="0"/>
               <a:t>Образец заголовка</a:t>
             </a:r>
-            <a:endParaRPr lang="ru-RU"/>
+            <a:endParaRPr lang="en-GB"/>
           </a:p>
         </p:txBody>
       </p:sp>
@@ -947,7 +870,7 @@
               <a:rPr lang="ru-RU" smtClean="0"/>
               <a:t>Пятый уровень</a:t>
             </a:r>
-            <a:endParaRPr lang="ru-RU"/>
+            <a:endParaRPr lang="en-GB"/>
           </a:p>
         </p:txBody>
       </p:sp>
@@ -968,7 +891,7 @@
           <a:p>
             <a:fld id="{446B8952-0178-45A7-83AF-F001A43CB726}" type="datetimeFigureOut">
               <a:rPr lang="ru-RU" smtClean="0"/>
-              <a:t>12.04.2017</a:t>
+              <a:t>11.06.2017</a:t>
             </a:fld>
             <a:endParaRPr lang="ru-RU"/>
           </a:p>
@@ -1019,7 +942,7 @@
     </p:spTree>
     <p:extLst>
       <p:ext uri="{BB962C8B-B14F-4D97-AF65-F5344CB8AC3E}">
-        <p14:creationId xmlns:p14="http://schemas.microsoft.com/office/powerpoint/2010/main" val="1436175927"/>
+        <p14:creationId xmlns:p14="http://schemas.microsoft.com/office/powerpoint/2010/main" val="450721327"/>
       </p:ext>
     </p:extLst>
   </p:cSld>
@@ -1070,7 +993,7 @@
               <a:rPr lang="ru-RU" smtClean="0"/>
               <a:t>Образец заголовка</a:t>
             </a:r>
-            <a:endParaRPr lang="ru-RU"/>
+            <a:endParaRPr lang="en-GB"/>
           </a:p>
         </p:txBody>
       </p:sp>
@@ -1127,7 +1050,7 @@
               <a:rPr lang="ru-RU" smtClean="0"/>
               <a:t>Пятый уровень</a:t>
             </a:r>
-            <a:endParaRPr lang="ru-RU"/>
+            <a:endParaRPr lang="en-GB"/>
           </a:p>
         </p:txBody>
       </p:sp>
@@ -1148,7 +1071,7 @@
           <a:p>
             <a:fld id="{446B8952-0178-45A7-83AF-F001A43CB726}" type="datetimeFigureOut">
               <a:rPr lang="ru-RU" smtClean="0"/>
-              <a:t>12.04.2017</a:t>
+              <a:t>11.06.2017</a:t>
             </a:fld>
             <a:endParaRPr lang="ru-RU"/>
           </a:p>
@@ -1199,7 +1122,7 @@
     </p:spTree>
     <p:extLst>
       <p:ext uri="{BB962C8B-B14F-4D97-AF65-F5344CB8AC3E}">
-        <p14:creationId xmlns:p14="http://schemas.microsoft.com/office/powerpoint/2010/main" val="1424386686"/>
+        <p14:creationId xmlns:p14="http://schemas.microsoft.com/office/powerpoint/2010/main" val="1994721995"/>
       </p:ext>
     </p:extLst>
   </p:cSld>
@@ -1662,7 +1585,7 @@
     </p:spTree>
     <p:extLst>
       <p:ext uri="{BB962C8B-B14F-4D97-AF65-F5344CB8AC3E}">
-        <p14:creationId xmlns:p14="http://schemas.microsoft.com/office/powerpoint/2010/main" val="2488342577"/>
+        <p14:creationId xmlns:p14="http://schemas.microsoft.com/office/powerpoint/2010/main" val="909365758"/>
       </p:ext>
     </p:extLst>
   </p:cSld>
@@ -1708,7 +1631,7 @@
               <a:rPr lang="ru-RU" smtClean="0"/>
               <a:t>Образец заголовка</a:t>
             </a:r>
-            <a:endParaRPr lang="ru-RU"/>
+            <a:endParaRPr lang="en-GB"/>
           </a:p>
         </p:txBody>
       </p:sp>
@@ -1760,7 +1683,7 @@
               <a:rPr lang="ru-RU" smtClean="0"/>
               <a:t>Пятый уровень</a:t>
             </a:r>
-            <a:endParaRPr lang="ru-RU"/>
+            <a:endParaRPr lang="en-GB"/>
           </a:p>
         </p:txBody>
       </p:sp>
@@ -1781,7 +1704,7 @@
           <a:p>
             <a:fld id="{446B8952-0178-45A7-83AF-F001A43CB726}" type="datetimeFigureOut">
               <a:rPr lang="ru-RU" smtClean="0"/>
-              <a:t>12.04.2017</a:t>
+              <a:t>11.06.2017</a:t>
             </a:fld>
             <a:endParaRPr lang="ru-RU"/>
           </a:p>
@@ -1832,7 +1755,7 @@
     </p:spTree>
     <p:extLst>
       <p:ext uri="{BB962C8B-B14F-4D97-AF65-F5344CB8AC3E}">
-        <p14:creationId xmlns:p14="http://schemas.microsoft.com/office/powerpoint/2010/main" val="3488830463"/>
+        <p14:creationId xmlns:p14="http://schemas.microsoft.com/office/powerpoint/2010/main" val="811317140"/>
       </p:ext>
     </p:extLst>
   </p:cSld>
@@ -1887,7 +1810,7 @@
               <a:rPr lang="ru-RU" smtClean="0"/>
               <a:t>Образец заголовка</a:t>
             </a:r>
-            <a:endParaRPr lang="ru-RU"/>
+            <a:endParaRPr lang="en-GB"/>
           </a:p>
         </p:txBody>
       </p:sp>
@@ -2027,7 +1950,7 @@
           <a:p>
             <a:fld id="{446B8952-0178-45A7-83AF-F001A43CB726}" type="datetimeFigureOut">
               <a:rPr lang="ru-RU" smtClean="0"/>
-              <a:t>12.04.2017</a:t>
+              <a:t>11.06.2017</a:t>
             </a:fld>
             <a:endParaRPr lang="ru-RU"/>
           </a:p>
@@ -2078,7 +2001,7 @@
     </p:spTree>
     <p:extLst>
       <p:ext uri="{BB962C8B-B14F-4D97-AF65-F5344CB8AC3E}">
-        <p14:creationId xmlns:p14="http://schemas.microsoft.com/office/powerpoint/2010/main" val="2311625843"/>
+        <p14:creationId xmlns:p14="http://schemas.microsoft.com/office/powerpoint/2010/main" val="1528310968"/>
       </p:ext>
     </p:extLst>
   </p:cSld>
@@ -2124,7 +2047,7 @@
               <a:rPr lang="ru-RU" smtClean="0"/>
               <a:t>Образец заголовка</a:t>
             </a:r>
-            <a:endParaRPr lang="ru-RU"/>
+            <a:endParaRPr lang="en-GB"/>
           </a:p>
         </p:txBody>
       </p:sp>
@@ -2181,7 +2104,7 @@
               <a:rPr lang="ru-RU" smtClean="0"/>
               <a:t>Пятый уровень</a:t>
             </a:r>
-            <a:endParaRPr lang="ru-RU"/>
+            <a:endParaRPr lang="en-GB"/>
           </a:p>
         </p:txBody>
       </p:sp>
@@ -2238,7 +2161,7 @@
               <a:rPr lang="ru-RU" smtClean="0"/>
               <a:t>Пятый уровень</a:t>
             </a:r>
-            <a:endParaRPr lang="ru-RU"/>
+            <a:endParaRPr lang="en-GB"/>
           </a:p>
         </p:txBody>
       </p:sp>
@@ -2259,7 +2182,7 @@
           <a:p>
             <a:fld id="{446B8952-0178-45A7-83AF-F001A43CB726}" type="datetimeFigureOut">
               <a:rPr lang="ru-RU" smtClean="0"/>
-              <a:t>12.04.2017</a:t>
+              <a:t>11.06.2017</a:t>
             </a:fld>
             <a:endParaRPr lang="ru-RU"/>
           </a:p>
@@ -2310,7 +2233,7 @@
     </p:spTree>
     <p:extLst>
       <p:ext uri="{BB962C8B-B14F-4D97-AF65-F5344CB8AC3E}">
-        <p14:creationId xmlns:p14="http://schemas.microsoft.com/office/powerpoint/2010/main" val="1931558149"/>
+        <p14:creationId xmlns:p14="http://schemas.microsoft.com/office/powerpoint/2010/main" val="3672716820"/>
       </p:ext>
     </p:extLst>
   </p:cSld>
@@ -2361,7 +2284,7 @@
               <a:rPr lang="ru-RU" smtClean="0"/>
               <a:t>Образец заголовка</a:t>
             </a:r>
-            <a:endParaRPr lang="ru-RU"/>
+            <a:endParaRPr lang="en-GB"/>
           </a:p>
         </p:txBody>
       </p:sp>
@@ -2483,7 +2406,7 @@
               <a:rPr lang="ru-RU" smtClean="0"/>
               <a:t>Пятый уровень</a:t>
             </a:r>
-            <a:endParaRPr lang="ru-RU"/>
+            <a:endParaRPr lang="en-GB"/>
           </a:p>
         </p:txBody>
       </p:sp>
@@ -2605,7 +2528,7 @@
               <a:rPr lang="ru-RU" smtClean="0"/>
               <a:t>Пятый уровень</a:t>
             </a:r>
-            <a:endParaRPr lang="ru-RU"/>
+            <a:endParaRPr lang="en-GB"/>
           </a:p>
         </p:txBody>
       </p:sp>
@@ -2626,7 +2549,7 @@
           <a:p>
             <a:fld id="{446B8952-0178-45A7-83AF-F001A43CB726}" type="datetimeFigureOut">
               <a:rPr lang="ru-RU" smtClean="0"/>
-              <a:t>12.04.2017</a:t>
+              <a:t>11.06.2017</a:t>
             </a:fld>
             <a:endParaRPr lang="ru-RU"/>
           </a:p>
@@ -2677,7 +2600,7 @@
     </p:spTree>
     <p:extLst>
       <p:ext uri="{BB962C8B-B14F-4D97-AF65-F5344CB8AC3E}">
-        <p14:creationId xmlns:p14="http://schemas.microsoft.com/office/powerpoint/2010/main" val="309572671"/>
+        <p14:creationId xmlns:p14="http://schemas.microsoft.com/office/powerpoint/2010/main" val="2892488611"/>
       </p:ext>
     </p:extLst>
   </p:cSld>
@@ -2723,7 +2646,7 @@
               <a:rPr lang="ru-RU" smtClean="0"/>
               <a:t>Образец заголовка</a:t>
             </a:r>
-            <a:endParaRPr lang="ru-RU"/>
+            <a:endParaRPr lang="en-GB"/>
           </a:p>
         </p:txBody>
       </p:sp>
@@ -2744,7 +2667,7 @@
           <a:p>
             <a:fld id="{446B8952-0178-45A7-83AF-F001A43CB726}" type="datetimeFigureOut">
               <a:rPr lang="ru-RU" smtClean="0"/>
-              <a:t>12.04.2017</a:t>
+              <a:t>11.06.2017</a:t>
             </a:fld>
             <a:endParaRPr lang="ru-RU"/>
           </a:p>
@@ -2795,7 +2718,7 @@
     </p:spTree>
     <p:extLst>
       <p:ext uri="{BB962C8B-B14F-4D97-AF65-F5344CB8AC3E}">
-        <p14:creationId xmlns:p14="http://schemas.microsoft.com/office/powerpoint/2010/main" val="1964554425"/>
+        <p14:creationId xmlns:p14="http://schemas.microsoft.com/office/powerpoint/2010/main" val="4261778885"/>
       </p:ext>
     </p:extLst>
   </p:cSld>
@@ -2839,7 +2762,7 @@
           <a:p>
             <a:fld id="{446B8952-0178-45A7-83AF-F001A43CB726}" type="datetimeFigureOut">
               <a:rPr lang="ru-RU" smtClean="0"/>
-              <a:t>12.04.2017</a:t>
+              <a:t>11.06.2017</a:t>
             </a:fld>
             <a:endParaRPr lang="ru-RU"/>
           </a:p>
@@ -2890,7 +2813,7 @@
     </p:spTree>
     <p:extLst>
       <p:ext uri="{BB962C8B-B14F-4D97-AF65-F5344CB8AC3E}">
-        <p14:creationId xmlns:p14="http://schemas.microsoft.com/office/powerpoint/2010/main" val="3180022701"/>
+        <p14:creationId xmlns:p14="http://schemas.microsoft.com/office/powerpoint/2010/main" val="2902481765"/>
       </p:ext>
     </p:extLst>
   </p:cSld>
@@ -2945,7 +2868,7 @@
               <a:rPr lang="ru-RU" smtClean="0"/>
               <a:t>Образец заголовка</a:t>
             </a:r>
-            <a:endParaRPr lang="ru-RU"/>
+            <a:endParaRPr lang="en-GB"/>
           </a:p>
         </p:txBody>
       </p:sp>
@@ -3030,7 +2953,7 @@
               <a:rPr lang="ru-RU" smtClean="0"/>
               <a:t>Пятый уровень</a:t>
             </a:r>
-            <a:endParaRPr lang="ru-RU"/>
+            <a:endParaRPr lang="en-GB"/>
           </a:p>
         </p:txBody>
       </p:sp>
@@ -3116,7 +3039,7 @@
           <a:p>
             <a:fld id="{446B8952-0178-45A7-83AF-F001A43CB726}" type="datetimeFigureOut">
               <a:rPr lang="ru-RU" smtClean="0"/>
-              <a:t>12.04.2017</a:t>
+              <a:t>11.06.2017</a:t>
             </a:fld>
             <a:endParaRPr lang="ru-RU"/>
           </a:p>
@@ -3167,7 +3090,7 @@
     </p:spTree>
     <p:extLst>
       <p:ext uri="{BB962C8B-B14F-4D97-AF65-F5344CB8AC3E}">
-        <p14:creationId xmlns:p14="http://schemas.microsoft.com/office/powerpoint/2010/main" val="4210662531"/>
+        <p14:creationId xmlns:p14="http://schemas.microsoft.com/office/powerpoint/2010/main" val="2530174768"/>
       </p:ext>
     </p:extLst>
   </p:cSld>
@@ -3222,7 +3145,7 @@
               <a:rPr lang="ru-RU" smtClean="0"/>
               <a:t>Образец заголовка</a:t>
             </a:r>
-            <a:endParaRPr lang="ru-RU"/>
+            <a:endParaRPr lang="en-GB"/>
           </a:p>
         </p:txBody>
       </p:sp>
@@ -3283,7 +3206,7 @@
             </a:lvl9pPr>
           </a:lstStyle>
           <a:p>
-            <a:endParaRPr lang="ru-RU"/>
+            <a:endParaRPr lang="en-GB"/>
           </a:p>
         </p:txBody>
       </p:sp>
@@ -3369,7 +3292,7 @@
           <a:p>
             <a:fld id="{446B8952-0178-45A7-83AF-F001A43CB726}" type="datetimeFigureOut">
               <a:rPr lang="ru-RU" smtClean="0"/>
-              <a:t>12.04.2017</a:t>
+              <a:t>11.06.2017</a:t>
             </a:fld>
             <a:endParaRPr lang="ru-RU"/>
           </a:p>
@@ -3420,7 +3343,7 @@
     </p:spTree>
     <p:extLst>
       <p:ext uri="{BB962C8B-B14F-4D97-AF65-F5344CB8AC3E}">
-        <p14:creationId xmlns:p14="http://schemas.microsoft.com/office/powerpoint/2010/main" val="1055430897"/>
+        <p14:creationId xmlns:p14="http://schemas.microsoft.com/office/powerpoint/2010/main" val="3525312116"/>
       </p:ext>
     </p:extLst>
   </p:cSld>
@@ -3481,7 +3404,7 @@
               <a:rPr lang="ru-RU" smtClean="0"/>
               <a:t>Образец заголовка</a:t>
             </a:r>
-            <a:endParaRPr lang="ru-RU"/>
+            <a:endParaRPr lang="en-GB"/>
           </a:p>
         </p:txBody>
       </p:sp>
@@ -3543,7 +3466,7 @@
               <a:rPr lang="ru-RU" smtClean="0"/>
               <a:t>Пятый уровень</a:t>
             </a:r>
-            <a:endParaRPr lang="ru-RU"/>
+            <a:endParaRPr lang="en-GB"/>
           </a:p>
         </p:txBody>
       </p:sp>
@@ -3582,7 +3505,7 @@
           <a:p>
             <a:fld id="{446B8952-0178-45A7-83AF-F001A43CB726}" type="datetimeFigureOut">
               <a:rPr lang="ru-RU" smtClean="0"/>
-              <a:t>12.04.2017</a:t>
+              <a:t>11.06.2017</a:t>
             </a:fld>
             <a:endParaRPr lang="ru-RU"/>
           </a:p>
@@ -3669,24 +3592,24 @@
     </p:spTree>
     <p:extLst>
       <p:ext uri="{BB962C8B-B14F-4D97-AF65-F5344CB8AC3E}">
-        <p14:creationId xmlns:p14="http://schemas.microsoft.com/office/powerpoint/2010/main" val="1300675951"/>
+        <p14:creationId xmlns:p14="http://schemas.microsoft.com/office/powerpoint/2010/main" val="1554784468"/>
       </p:ext>
     </p:extLst>
   </p:cSld>
   <p:clrMap bg1="lt1" tx1="dk1" bg2="lt2" tx2="dk2" accent1="accent1" accent2="accent2" accent3="accent3" accent4="accent4" accent5="accent5" accent6="accent6" hlink="hlink" folHlink="folHlink"/>
   <p:sldLayoutIdLst>
-    <p:sldLayoutId id="2147483649" r:id="rId1"/>
-    <p:sldLayoutId id="2147483650" r:id="rId2"/>
-    <p:sldLayoutId id="2147483651" r:id="rId3"/>
-    <p:sldLayoutId id="2147483652" r:id="rId4"/>
-    <p:sldLayoutId id="2147483653" r:id="rId5"/>
-    <p:sldLayoutId id="2147483654" r:id="rId6"/>
-    <p:sldLayoutId id="2147483655" r:id="rId7"/>
-    <p:sldLayoutId id="2147483656" r:id="rId8"/>
-    <p:sldLayoutId id="2147483657" r:id="rId9"/>
-    <p:sldLayoutId id="2147483658" r:id="rId10"/>
-    <p:sldLayoutId id="2147483659" r:id="rId11"/>
-    <p:sldLayoutId id="2147483660" r:id="rId12"/>
+    <p:sldLayoutId id="2147483758" r:id="rId1"/>
+    <p:sldLayoutId id="2147483759" r:id="rId2"/>
+    <p:sldLayoutId id="2147483760" r:id="rId3"/>
+    <p:sldLayoutId id="2147483761" r:id="rId4"/>
+    <p:sldLayoutId id="2147483762" r:id="rId5"/>
+    <p:sldLayoutId id="2147483763" r:id="rId6"/>
+    <p:sldLayoutId id="2147483764" r:id="rId7"/>
+    <p:sldLayoutId id="2147483765" r:id="rId8"/>
+    <p:sldLayoutId id="2147483766" r:id="rId9"/>
+    <p:sldLayoutId id="2147483767" r:id="rId10"/>
+    <p:sldLayoutId id="2147483768" r:id="rId11"/>
+    <p:sldLayoutId id="2147483769" r:id="rId12"/>
   </p:sldLayoutIdLst>
   <p:txStyles>
     <p:titleStyle>
@@ -3874,7 +3797,7 @@
     </p:bodyStyle>
     <p:otherStyle>
       <a:defPPr>
-        <a:defRPr lang="ru-RU"/>
+        <a:defRPr lang="en-US"/>
       </a:defPPr>
       <a:lvl1pPr marL="0" algn="l" defTabSz="914400" rtl="0" eaLnBrk="1" latinLnBrk="0" hangingPunct="1">
         <a:defRPr sz="1800" kern="1200">
@@ -3990,7 +3913,7 @@
       </p:grpSpPr>
       <p:sp>
         <p:nvSpPr>
-          <p:cNvPr id="2" name="Заголовок 1"/>
+          <p:cNvPr id="4" name="Заголовок 3"/>
           <p:cNvSpPr>
             <a:spLocks noGrp="1"/>
           </p:cNvSpPr>
@@ -3998,22 +3921,41 @@
             <p:ph type="ctrTitle"/>
           </p:nvPr>
         </p:nvSpPr>
-        <p:spPr/>
-        <p:txBody>
-          <a:bodyPr/>
-          <a:lstStyle/>
-          <a:p>
-            <a:r>
-              <a:rPr lang="ru-RU" dirty="0" smtClean="0"/>
-              <a:t>ВКР</a:t>
-            </a:r>
-            <a:endParaRPr lang="ru-RU" dirty="0"/>
-          </a:p>
-        </p:txBody>
-      </p:sp>
-      <p:sp>
-        <p:nvSpPr>
-          <p:cNvPr id="3" name="Подзаголовок 2"/>
+        <p:spPr>
+          <a:xfrm>
+            <a:off x="978569" y="0"/>
+            <a:ext cx="10234862" cy="1283953"/>
+          </a:xfrm>
+        </p:spPr>
+        <p:txBody>
+          <a:bodyPr>
+            <a:normAutofit/>
+          </a:bodyPr>
+          <a:lstStyle/>
+          <a:p>
+            <a:pPr algn="ctr"/>
+            <a:r>
+              <a:rPr lang="ru-RU" sz="3600" dirty="0" smtClean="0"/>
+              <a:t>ВЫПУСКНАЯ КВАЛИФИКАЦИОННАЯ РАБОТА</a:t>
+            </a:r>
+            <a:r>
+              <a:rPr lang="ru-RU" sz="2800" dirty="0" smtClean="0"/>
+              <a:t/>
+            </a:r>
+            <a:br>
+              <a:rPr lang="ru-RU" sz="2800" dirty="0" smtClean="0"/>
+            </a:br>
+            <a:r>
+              <a:rPr lang="ru-RU" sz="3200" dirty="0" smtClean="0"/>
+              <a:t>БАКАЛАВРСКАЯ РАБОТА</a:t>
+            </a:r>
+            <a:endParaRPr lang="en-GB" sz="3200" dirty="0"/>
+          </a:p>
+        </p:txBody>
+      </p:sp>
+      <p:sp>
+        <p:nvSpPr>
+          <p:cNvPr id="5" name="Подзаголовок 4"/>
           <p:cNvSpPr>
             <a:spLocks noGrp="1"/>
           </p:cNvSpPr>
@@ -4021,16 +3963,172 @@
             <p:ph type="subTitle" idx="1"/>
           </p:nvPr>
         </p:nvSpPr>
-        <p:spPr/>
-        <p:txBody>
-          <a:bodyPr/>
-          <a:lstStyle/>
-          <a:p>
-            <a:r>
-              <a:rPr lang="ru-RU" dirty="0" smtClean="0"/>
-              <a:t>Опрос студентов</a:t>
-            </a:r>
-            <a:endParaRPr lang="ru-RU" dirty="0"/>
+        <p:spPr>
+          <a:xfrm>
+            <a:off x="1066800" y="1760547"/>
+            <a:ext cx="10058400" cy="1143000"/>
+          </a:xfrm>
+        </p:spPr>
+        <p:txBody>
+          <a:bodyPr>
+            <a:normAutofit fontScale="92500"/>
+          </a:bodyPr>
+          <a:lstStyle/>
+          <a:p>
+            <a:r>
+              <a:rPr lang="ru-RU" sz="3600" b="1" dirty="0" smtClean="0"/>
+              <a:t>тема: </a:t>
+            </a:r>
+          </a:p>
+          <a:p>
+            <a:r>
+              <a:rPr lang="ru-RU" sz="3600" b="1" dirty="0" smtClean="0"/>
+              <a:t>«ПРОГРАММНЫЙ КОМПЛЕКС «ОПРОС СТУДЕНТОВ»</a:t>
+            </a:r>
+            <a:endParaRPr lang="en-GB" sz="3600" b="1" dirty="0"/>
+          </a:p>
+        </p:txBody>
+      </p:sp>
+      <p:sp>
+        <p:nvSpPr>
+          <p:cNvPr id="6" name="TextBox 5"/>
+          <p:cNvSpPr txBox="1"/>
+          <p:nvPr/>
+        </p:nvSpPr>
+        <p:spPr>
+          <a:xfrm>
+            <a:off x="1066800" y="3609474"/>
+            <a:ext cx="10058400" cy="830997"/>
+          </a:xfrm>
+          <a:prstGeom prst="rect">
+            <a:avLst/>
+          </a:prstGeom>
+          <a:noFill/>
+        </p:spPr>
+        <p:txBody>
+          <a:bodyPr wrap="square" rtlCol="0">
+            <a:spAutoFit/>
+          </a:bodyPr>
+          <a:lstStyle/>
+          <a:p>
+            <a:pPr algn="ctr"/>
+            <a:r>
+              <a:rPr lang="ru-RU" sz="2400" dirty="0" smtClean="0"/>
+              <a:t>Направление 09.03.04 «Программная инженерия»</a:t>
+            </a:r>
+          </a:p>
+          <a:p>
+            <a:pPr algn="ctr"/>
+            <a:r>
+              <a:rPr lang="ru-RU" sz="2400" dirty="0" smtClean="0"/>
+              <a:t>Профиль «Разработка программно-информационных систем»</a:t>
+            </a:r>
+            <a:endParaRPr lang="en-GB" sz="2400" dirty="0"/>
+          </a:p>
+        </p:txBody>
+      </p:sp>
+      <p:sp>
+        <p:nvSpPr>
+          <p:cNvPr id="7" name="TextBox 6"/>
+          <p:cNvSpPr txBox="1"/>
+          <p:nvPr/>
+        </p:nvSpPr>
+        <p:spPr>
+          <a:xfrm>
+            <a:off x="2061411" y="4961732"/>
+            <a:ext cx="4034589" cy="1631216"/>
+          </a:xfrm>
+          <a:prstGeom prst="rect">
+            <a:avLst/>
+          </a:prstGeom>
+          <a:noFill/>
+        </p:spPr>
+        <p:txBody>
+          <a:bodyPr wrap="square" rtlCol="0">
+            <a:spAutoFit/>
+          </a:bodyPr>
+          <a:lstStyle/>
+          <a:p>
+            <a:r>
+              <a:rPr lang="ru-RU" sz="2000" dirty="0" smtClean="0"/>
+              <a:t>Работу выполнил</a:t>
+            </a:r>
+          </a:p>
+          <a:p>
+            <a:r>
+              <a:rPr lang="ru-RU" sz="2000" dirty="0" smtClean="0"/>
+              <a:t>студент группы ИТ13ДР62ПИ1</a:t>
+            </a:r>
+          </a:p>
+          <a:p>
+            <a:endParaRPr lang="ru-RU" sz="2000" dirty="0"/>
+          </a:p>
+          <a:p>
+            <a:r>
+              <a:rPr lang="ru-RU" sz="2000" dirty="0" smtClean="0"/>
+              <a:t>Научный руководитель,</a:t>
+            </a:r>
+          </a:p>
+          <a:p>
+            <a:r>
+              <a:rPr lang="ru-RU" sz="2000" dirty="0"/>
+              <a:t>с</a:t>
+            </a:r>
+            <a:r>
+              <a:rPr lang="ru-RU" sz="2000" dirty="0" smtClean="0"/>
+              <a:t>тарший преподаватель </a:t>
+            </a:r>
+          </a:p>
+        </p:txBody>
+      </p:sp>
+      <p:sp>
+        <p:nvSpPr>
+          <p:cNvPr id="8" name="TextBox 7"/>
+          <p:cNvSpPr txBox="1"/>
+          <p:nvPr/>
+        </p:nvSpPr>
+        <p:spPr>
+          <a:xfrm>
+            <a:off x="7700210" y="4961732"/>
+            <a:ext cx="3424989" cy="1631216"/>
+          </a:xfrm>
+          <a:prstGeom prst="rect">
+            <a:avLst/>
+          </a:prstGeom>
+          <a:noFill/>
+        </p:spPr>
+        <p:txBody>
+          <a:bodyPr wrap="square" rtlCol="0">
+            <a:spAutoFit/>
+          </a:bodyPr>
+          <a:lstStyle/>
+          <a:p>
+            <a:r>
+              <a:rPr lang="ru-RU" sz="2000" dirty="0" smtClean="0"/>
+              <a:t>Федоров</a:t>
+            </a:r>
+          </a:p>
+          <a:p>
+            <a:r>
+              <a:rPr lang="ru-RU" sz="2000" dirty="0" smtClean="0"/>
+              <a:t>Артем Андреевич</a:t>
+            </a:r>
+          </a:p>
+          <a:p>
+            <a:endParaRPr lang="ru-RU" sz="2000" dirty="0"/>
+          </a:p>
+          <a:p>
+            <a:r>
+              <a:rPr lang="ru-RU" sz="2000" dirty="0" smtClean="0"/>
+              <a:t>Левицкий</a:t>
+            </a:r>
+          </a:p>
+          <a:p>
+            <a:r>
+              <a:rPr lang="ru-RU" sz="2000" dirty="0" smtClean="0"/>
+              <a:t>Егор Андреевич</a:t>
+            </a:r>
+            <a:endParaRPr lang="en-GB" sz="2000" dirty="0"/>
           </a:p>
         </p:txBody>
       </p:sp>
@@ -4073,7 +4171,7 @@
       </p:grpSpPr>
       <p:sp>
         <p:nvSpPr>
-          <p:cNvPr id="6" name="Title 1"/>
+          <p:cNvPr id="9" name="Title 1"/>
           <p:cNvSpPr>
             <a:spLocks noGrp="1"/>
           </p:cNvSpPr>
@@ -4083,13 +4181,13 @@
         </p:nvSpPr>
         <p:spPr>
           <a:xfrm>
-            <a:off x="838200" y="244372"/>
-            <a:ext cx="10515600" cy="673100"/>
+            <a:off x="838200" y="244371"/>
+            <a:ext cx="10515600" cy="874233"/>
           </a:xfrm>
         </p:spPr>
         <p:txBody>
           <a:bodyPr>
-            <a:normAutofit fontScale="90000"/>
+            <a:normAutofit/>
           </a:bodyPr>
           <a:lstStyle/>
           <a:p>
@@ -4099,7 +4197,7 @@
                   <a:schemeClr val="tx1"/>
                 </a:solidFill>
               </a:rPr>
-              <a:t>Заключение</a:t>
+              <a:t>Действия редактора тестов</a:t>
             </a:r>
             <a:endParaRPr lang="en-US" dirty="0">
               <a:solidFill>
@@ -4109,46 +4207,34 @@
           </a:p>
         </p:txBody>
       </p:sp>
-      <p:sp>
-        <p:nvSpPr>
-          <p:cNvPr id="7" name="Объект 2"/>
-          <p:cNvSpPr>
-            <a:spLocks noGrp="1"/>
-          </p:cNvSpPr>
-          <p:nvPr>
-            <p:ph idx="1"/>
-          </p:nvPr>
-        </p:nvSpPr>
-        <p:spPr>
-          <a:xfrm>
-            <a:off x="838200" y="1690688"/>
-            <a:ext cx="10933590" cy="4351338"/>
-          </a:xfrm>
-        </p:spPr>
-        <p:txBody>
-          <a:bodyPr/>
-          <a:lstStyle/>
-          <a:p>
-            <a:pPr marL="0" indent="0">
-              <a:buNone/>
-            </a:pPr>
-            <a:r>
-              <a:rPr lang="ru-RU" dirty="0" smtClean="0"/>
-              <a:t>Разработано приложение для опроса студентов</a:t>
-            </a:r>
-          </a:p>
-          <a:p>
-            <a:pPr marL="0" indent="0">
-              <a:buNone/>
-            </a:pPr>
-            <a:endParaRPr lang="ru-RU" dirty="0"/>
-          </a:p>
-        </p:txBody>
-      </p:sp>
+      <p:pic>
+        <p:nvPicPr>
+          <p:cNvPr id="11" name="Рисунок 10"/>
+          <p:cNvPicPr>
+            <a:picLocks noChangeAspect="1"/>
+          </p:cNvPicPr>
+          <p:nvPr/>
+        </p:nvPicPr>
+        <p:blipFill>
+          <a:blip r:embed="rId2"/>
+          <a:stretch>
+            <a:fillRect/>
+          </a:stretch>
+        </p:blipFill>
+        <p:spPr>
+          <a:xfrm>
+            <a:off x="1321122" y="1118604"/>
+            <a:ext cx="9549755" cy="5458658"/>
+          </a:xfrm>
+          <a:prstGeom prst="rect">
+            <a:avLst/>
+          </a:prstGeom>
+        </p:spPr>
+      </p:pic>
     </p:spTree>
     <p:extLst>
       <p:ext uri="{BB962C8B-B14F-4D97-AF65-F5344CB8AC3E}">
-        <p14:creationId xmlns:p14="http://schemas.microsoft.com/office/powerpoint/2010/main" val="2265866372"/>
+        <p14:creationId xmlns:p14="http://schemas.microsoft.com/office/powerpoint/2010/main" val="206478856"/>
       </p:ext>
     </p:extLst>
   </p:cSld>
@@ -4182,53 +4268,72 @@
           <a:chExt cx="0" cy="0"/>
         </a:xfrm>
       </p:grpSpPr>
-      <p:sp>
-        <p:nvSpPr>
-          <p:cNvPr id="2" name="Заголовок 1"/>
-          <p:cNvSpPr>
-            <a:spLocks noGrp="1"/>
-          </p:cNvSpPr>
-          <p:nvPr>
-            <p:ph type="title"/>
-          </p:nvPr>
-        </p:nvSpPr>
-        <p:spPr/>
-        <p:txBody>
-          <a:bodyPr/>
-          <a:lstStyle/>
-          <a:p>
-            <a:endParaRPr lang="ru-RU"/>
-          </a:p>
-        </p:txBody>
-      </p:sp>
       <p:pic>
         <p:nvPicPr>
-          <p:cNvPr id="4" name="Рисунок 3"/>
+          <p:cNvPr id="2" name="Рисунок 1"/>
           <p:cNvPicPr>
             <a:picLocks noChangeAspect="1"/>
           </p:cNvPicPr>
           <p:nvPr/>
         </p:nvPicPr>
         <p:blipFill>
-          <a:blip r:embed="rId3"/>
+          <a:blip r:embed="rId2"/>
           <a:stretch>
             <a:fillRect/>
           </a:stretch>
         </p:blipFill>
         <p:spPr>
           <a:xfrm>
-            <a:off x="452437" y="0"/>
-            <a:ext cx="11287125" cy="6838950"/>
+            <a:off x="840973" y="1556084"/>
+            <a:ext cx="10517676" cy="4716379"/>
           </a:xfrm>
           <a:prstGeom prst="rect">
             <a:avLst/>
           </a:prstGeom>
         </p:spPr>
       </p:pic>
+      <p:sp>
+        <p:nvSpPr>
+          <p:cNvPr id="7" name="Title 1"/>
+          <p:cNvSpPr>
+            <a:spLocks noGrp="1"/>
+          </p:cNvSpPr>
+          <p:nvPr>
+            <p:ph type="title"/>
+          </p:nvPr>
+        </p:nvSpPr>
+        <p:spPr>
+          <a:xfrm>
+            <a:off x="838200" y="244371"/>
+            <a:ext cx="10515600" cy="874233"/>
+          </a:xfrm>
+        </p:spPr>
+        <p:txBody>
+          <a:bodyPr>
+            <a:normAutofit/>
+          </a:bodyPr>
+          <a:lstStyle/>
+          <a:p>
+            <a:r>
+              <a:rPr lang="ru-RU" dirty="0" smtClean="0">
+                <a:solidFill>
+                  <a:schemeClr val="tx1"/>
+                </a:solidFill>
+              </a:rPr>
+              <a:t>Действия студента</a:t>
+            </a:r>
+            <a:endParaRPr lang="en-US" dirty="0">
+              <a:solidFill>
+                <a:schemeClr val="tx1"/>
+              </a:solidFill>
+            </a:endParaRPr>
+          </a:p>
+        </p:txBody>
+      </p:sp>
     </p:spTree>
     <p:extLst>
       <p:ext uri="{BB962C8B-B14F-4D97-AF65-F5344CB8AC3E}">
-        <p14:creationId xmlns:p14="http://schemas.microsoft.com/office/powerpoint/2010/main" val="90452574"/>
+        <p14:creationId xmlns:p14="http://schemas.microsoft.com/office/powerpoint/2010/main" val="2812220580"/>
       </p:ext>
     </p:extLst>
   </p:cSld>
@@ -4242,6 +4347,149 @@
       </p:par>
     </p:tnLst>
   </p:timing>
+</p:sld>
+</file>
+
+<file path=ppt/slides/slide12.xml><?xml version="1.0" encoding="utf-8"?>
+<p:sld xmlns:a="http://schemas.openxmlformats.org/drawingml/2006/main" xmlns:r="http://schemas.openxmlformats.org/officeDocument/2006/relationships" xmlns:p="http://schemas.openxmlformats.org/presentationml/2006/main">
+  <p:cSld>
+    <p:spTree>
+      <p:nvGrpSpPr>
+        <p:cNvPr id="1" name=""/>
+        <p:cNvGrpSpPr/>
+        <p:nvPr/>
+      </p:nvGrpSpPr>
+      <p:grpSpPr>
+        <a:xfrm>
+          <a:off x="0" y="0"/>
+          <a:ext cx="0" cy="0"/>
+          <a:chOff x="0" y="0"/>
+          <a:chExt cx="0" cy="0"/>
+        </a:xfrm>
+      </p:grpSpPr>
+      <p:sp>
+        <p:nvSpPr>
+          <p:cNvPr id="7" name="Title 1"/>
+          <p:cNvSpPr>
+            <a:spLocks noGrp="1"/>
+          </p:cNvSpPr>
+          <p:nvPr>
+            <p:ph type="title"/>
+          </p:nvPr>
+        </p:nvSpPr>
+        <p:spPr>
+          <a:xfrm>
+            <a:off x="838200" y="244371"/>
+            <a:ext cx="10515600" cy="874233"/>
+          </a:xfrm>
+        </p:spPr>
+        <p:txBody>
+          <a:bodyPr>
+            <a:normAutofit/>
+          </a:bodyPr>
+          <a:lstStyle/>
+          <a:p>
+            <a:r>
+              <a:rPr lang="ru-RU" dirty="0" smtClean="0">
+                <a:solidFill>
+                  <a:schemeClr val="tx1"/>
+                </a:solidFill>
+              </a:rPr>
+              <a:t>Тестирование</a:t>
+            </a:r>
+            <a:endParaRPr lang="en-US" dirty="0">
+              <a:solidFill>
+                <a:schemeClr val="tx1"/>
+              </a:solidFill>
+            </a:endParaRPr>
+          </a:p>
+        </p:txBody>
+      </p:sp>
+    </p:spTree>
+    <p:extLst>
+      <p:ext uri="{BB962C8B-B14F-4D97-AF65-F5344CB8AC3E}">
+        <p14:creationId xmlns:p14="http://schemas.microsoft.com/office/powerpoint/2010/main" val="3000845947"/>
+      </p:ext>
+    </p:extLst>
+  </p:cSld>
+  <p:clrMapOvr>
+    <a:masterClrMapping/>
+  </p:clrMapOvr>
+  <p:timing>
+    <p:tnLst>
+      <p:par>
+        <p:cTn id="1" dur="indefinite" restart="never" nodeType="tmRoot"/>
+      </p:par>
+    </p:tnLst>
+  </p:timing>
+</p:sld>
+</file>
+
+<file path=ppt/slides/slide13.xml><?xml version="1.0" encoding="utf-8"?>
+<p:sld xmlns:a="http://schemas.openxmlformats.org/drawingml/2006/main" xmlns:r="http://schemas.openxmlformats.org/officeDocument/2006/relationships" xmlns:p="http://schemas.openxmlformats.org/presentationml/2006/main">
+  <p:cSld>
+    <p:spTree>
+      <p:nvGrpSpPr>
+        <p:cNvPr id="1" name=""/>
+        <p:cNvGrpSpPr/>
+        <p:nvPr/>
+      </p:nvGrpSpPr>
+      <p:grpSpPr>
+        <a:xfrm>
+          <a:off x="0" y="0"/>
+          <a:ext cx="0" cy="0"/>
+          <a:chOff x="0" y="0"/>
+          <a:chExt cx="0" cy="0"/>
+        </a:xfrm>
+      </p:grpSpPr>
+      <p:sp>
+        <p:nvSpPr>
+          <p:cNvPr id="2" name="Заголовок 1"/>
+          <p:cNvSpPr>
+            <a:spLocks noGrp="1"/>
+          </p:cNvSpPr>
+          <p:nvPr>
+            <p:ph type="title"/>
+          </p:nvPr>
+        </p:nvSpPr>
+        <p:spPr/>
+        <p:txBody>
+          <a:bodyPr/>
+          <a:lstStyle/>
+          <a:p>
+            <a:endParaRPr lang="en-GB"/>
+          </a:p>
+        </p:txBody>
+      </p:sp>
+      <p:sp>
+        <p:nvSpPr>
+          <p:cNvPr id="3" name="Объект 2"/>
+          <p:cNvSpPr>
+            <a:spLocks noGrp="1"/>
+          </p:cNvSpPr>
+          <p:nvPr>
+            <p:ph idx="1"/>
+          </p:nvPr>
+        </p:nvSpPr>
+        <p:spPr/>
+        <p:txBody>
+          <a:bodyPr/>
+          <a:lstStyle/>
+          <a:p>
+            <a:endParaRPr lang="en-GB"/>
+          </a:p>
+        </p:txBody>
+      </p:sp>
+    </p:spTree>
+    <p:extLst>
+      <p:ext uri="{BB962C8B-B14F-4D97-AF65-F5344CB8AC3E}">
+        <p14:creationId xmlns:p14="http://schemas.microsoft.com/office/powerpoint/2010/main" val="3850005002"/>
+      </p:ext>
+    </p:extLst>
+  </p:cSld>
+  <p:clrMapOvr>
+    <a:masterClrMapping/>
+  </p:clrMapOvr>
 </p:sld>
 </file>
 
@@ -4272,10 +4520,15 @@
             <p:ph type="title"/>
           </p:nvPr>
         </p:nvSpPr>
-        <p:spPr/>
+        <p:spPr>
+          <a:xfrm>
+            <a:off x="838200" y="244371"/>
+            <a:ext cx="10515600" cy="874233"/>
+          </a:xfrm>
+        </p:spPr>
         <p:txBody>
           <a:bodyPr>
-            <a:normAutofit fontScale="90000"/>
+            <a:normAutofit/>
           </a:bodyPr>
           <a:lstStyle/>
           <a:p>
@@ -4348,7 +4601,7 @@
         </p:nvSpPr>
         <p:spPr>
           <a:xfrm>
-            <a:off x="5188912" y="1816035"/>
+            <a:off x="4977386" y="1818592"/>
             <a:ext cx="809837" cy="830997"/>
           </a:xfrm>
           <a:prstGeom prst="rect">
@@ -4462,7 +4715,7 @@
         </p:nvCxnSpPr>
         <p:spPr>
           <a:xfrm>
-            <a:off x="4975048" y="2408665"/>
+            <a:off x="4763522" y="2411222"/>
             <a:ext cx="1696233" cy="1766751"/>
           </a:xfrm>
           <a:prstGeom prst="line">
@@ -4614,7 +4867,7 @@
         </p:nvSpPr>
         <p:spPr>
           <a:xfrm>
-            <a:off x="6561012" y="4083190"/>
+            <a:off x="6349486" y="4085747"/>
             <a:ext cx="217548" cy="217548"/>
           </a:xfrm>
           <a:prstGeom prst="ellipse">
@@ -4809,7 +5062,7 @@
         </p:nvGrpSpPr>
         <p:grpSpPr>
           <a:xfrm>
-            <a:off x="4989122" y="2620922"/>
+            <a:off x="4777596" y="2623479"/>
             <a:ext cx="3009554" cy="374904"/>
             <a:chOff x="6707372" y="3427939"/>
             <a:chExt cx="2445707" cy="374904"/>
@@ -5007,231 +5260,99 @@
           </p:txBody>
         </p:sp>
       </p:grpSp>
-      <p:grpSp>
-        <p:nvGrpSpPr>
-          <p:cNvPr id="56" name="Group 55"/>
-          <p:cNvGrpSpPr/>
+      <p:sp>
+        <p:nvSpPr>
+          <p:cNvPr id="54" name="Rectangle 53"/>
+          <p:cNvSpPr/>
           <p:nvPr/>
-        </p:nvGrpSpPr>
-        <p:grpSpPr>
+        </p:nvSpPr>
+        <p:spPr>
           <a:xfrm>
             <a:off x="434448" y="4300738"/>
-            <a:ext cx="3576172" cy="857357"/>
-            <a:chOff x="1205594" y="4728921"/>
-            <a:chExt cx="3576172" cy="857357"/>
-          </a:xfrm>
-        </p:grpSpPr>
-        <p:sp>
-          <p:nvSpPr>
-            <p:cNvPr id="54" name="Rectangle 53"/>
-            <p:cNvSpPr/>
-            <p:nvPr/>
-          </p:nvSpPr>
-          <p:spPr>
-            <a:xfrm>
-              <a:off x="1205594" y="4728921"/>
-              <a:ext cx="1823191" cy="369332"/>
-            </a:xfrm>
-            <a:prstGeom prst="rect">
-              <a:avLst/>
-            </a:prstGeom>
-            <a:noFill/>
-            <a:extLst/>
-          </p:spPr>
-          <p:txBody>
-            <a:bodyPr wrap="none" rtlCol="0">
-              <a:spAutoFit/>
-            </a:bodyPr>
-            <a:lstStyle/>
-            <a:p>
-              <a:r>
-                <a:rPr lang="ru-RU" b="1" dirty="0" smtClean="0"/>
-                <a:t>Создание тестов</a:t>
-              </a:r>
-              <a:endParaRPr lang="en-US" b="1" dirty="0"/>
-            </a:p>
-          </p:txBody>
-        </p:sp>
-        <p:sp>
-          <p:nvSpPr>
-            <p:cNvPr id="55" name="Rectangle 54"/>
-            <p:cNvSpPr/>
-            <p:nvPr/>
-          </p:nvSpPr>
-          <p:spPr>
-            <a:xfrm>
-              <a:off x="1205595" y="5063058"/>
-              <a:ext cx="3576171" cy="523220"/>
-            </a:xfrm>
-            <a:prstGeom prst="rect">
-              <a:avLst/>
-            </a:prstGeom>
-          </p:spPr>
-          <p:txBody>
-            <a:bodyPr wrap="square">
-              <a:spAutoFit/>
-            </a:bodyPr>
-            <a:lstStyle/>
-            <a:p>
-              <a:r>
-                <a:rPr lang="ru-RU" sz="1400" dirty="0" smtClean="0"/>
-                <a:t>Редакторы тестов создают и публикуют тесты для разных групп студентов</a:t>
-              </a:r>
-              <a:endParaRPr lang="en-US" sz="1400" dirty="0"/>
-            </a:p>
-          </p:txBody>
-        </p:sp>
-      </p:grpSp>
-      <p:grpSp>
-        <p:nvGrpSpPr>
-          <p:cNvPr id="57" name="Group 56"/>
-          <p:cNvGrpSpPr/>
+            <a:ext cx="1823191" cy="369332"/>
+          </a:xfrm>
+          <a:prstGeom prst="rect">
+            <a:avLst/>
+          </a:prstGeom>
+          <a:noFill/>
+          <a:extLst/>
+        </p:spPr>
+        <p:txBody>
+          <a:bodyPr wrap="none" rtlCol="0">
+            <a:spAutoFit/>
+          </a:bodyPr>
+          <a:lstStyle/>
+          <a:p>
+            <a:r>
+              <a:rPr lang="ru-RU" b="1" dirty="0" smtClean="0"/>
+              <a:t>Создание тестов</a:t>
+            </a:r>
+            <a:endParaRPr lang="en-US" b="1" dirty="0"/>
+          </a:p>
+        </p:txBody>
+      </p:sp>
+      <p:sp>
+        <p:nvSpPr>
+          <p:cNvPr id="58" name="Rectangle 57"/>
+          <p:cNvSpPr/>
           <p:nvPr/>
-        </p:nvGrpSpPr>
-        <p:grpSpPr>
-          <a:xfrm>
-            <a:off x="4807533" y="4300738"/>
-            <a:ext cx="3298422" cy="855975"/>
-            <a:chOff x="1205594" y="4728921"/>
-            <a:chExt cx="2657804" cy="855975"/>
-          </a:xfrm>
-        </p:grpSpPr>
-        <p:sp>
-          <p:nvSpPr>
-            <p:cNvPr id="58" name="Rectangle 57"/>
-            <p:cNvSpPr/>
-            <p:nvPr/>
-          </p:nvSpPr>
-          <p:spPr>
-            <a:xfrm>
-              <a:off x="1205594" y="4728921"/>
-              <a:ext cx="1822699" cy="369332"/>
-            </a:xfrm>
-            <a:prstGeom prst="rect">
-              <a:avLst/>
-            </a:prstGeom>
-            <a:noFill/>
-            <a:extLst/>
-          </p:spPr>
-          <p:txBody>
-            <a:bodyPr wrap="none" rtlCol="0">
-              <a:spAutoFit/>
-            </a:bodyPr>
-            <a:lstStyle/>
-            <a:p>
-              <a:r>
-                <a:rPr lang="ru-RU" b="1" dirty="0" smtClean="0"/>
-                <a:t>Прохождение тестов</a:t>
-              </a:r>
-              <a:endParaRPr lang="en-US" b="1" dirty="0"/>
-            </a:p>
-          </p:txBody>
-        </p:sp>
-        <p:sp>
-          <p:nvSpPr>
-            <p:cNvPr id="59" name="Rectangle 58"/>
-            <p:cNvSpPr/>
-            <p:nvPr/>
-          </p:nvSpPr>
-          <p:spPr>
-            <a:xfrm>
-              <a:off x="1205595" y="5061676"/>
-              <a:ext cx="2657803" cy="523220"/>
-            </a:xfrm>
-            <a:prstGeom prst="rect">
-              <a:avLst/>
-            </a:prstGeom>
-          </p:spPr>
-          <p:txBody>
-            <a:bodyPr wrap="square">
-              <a:spAutoFit/>
-            </a:bodyPr>
-            <a:lstStyle/>
-            <a:p>
-              <a:r>
-                <a:rPr lang="ru-RU" sz="1400" dirty="0" smtClean="0"/>
-                <a:t>Студенты проходят тесты, опубликованные для их группы</a:t>
-              </a:r>
-              <a:endParaRPr lang="en-US" sz="1400" dirty="0"/>
-            </a:p>
-          </p:txBody>
-        </p:sp>
-      </p:grpSp>
-      <p:grpSp>
-        <p:nvGrpSpPr>
-          <p:cNvPr id="60" name="Group 59"/>
-          <p:cNvGrpSpPr/>
+        </p:nvSpPr>
+        <p:spPr>
+          <a:xfrm>
+            <a:off x="4596007" y="4303295"/>
+            <a:ext cx="2262029" cy="369332"/>
+          </a:xfrm>
+          <a:prstGeom prst="rect">
+            <a:avLst/>
+          </a:prstGeom>
+          <a:noFill/>
+          <a:extLst/>
+        </p:spPr>
+        <p:txBody>
+          <a:bodyPr wrap="none" rtlCol="0">
+            <a:spAutoFit/>
+          </a:bodyPr>
+          <a:lstStyle/>
+          <a:p>
+            <a:r>
+              <a:rPr lang="ru-RU" b="1" dirty="0" smtClean="0"/>
+              <a:t>Прохождение тестов</a:t>
+            </a:r>
+            <a:endParaRPr lang="en-US" b="1" dirty="0"/>
+          </a:p>
+        </p:txBody>
+      </p:sp>
+      <p:sp>
+        <p:nvSpPr>
+          <p:cNvPr id="61" name="Rectangle 60"/>
+          <p:cNvSpPr/>
           <p:nvPr/>
-        </p:nvGrpSpPr>
-        <p:grpSpPr>
+        </p:nvSpPr>
+        <p:spPr>
           <a:xfrm>
             <a:off x="8775942" y="4300738"/>
-            <a:ext cx="2942983" cy="1072801"/>
-            <a:chOff x="1205594" y="4728921"/>
-            <a:chExt cx="2587382" cy="1072801"/>
-          </a:xfrm>
-        </p:grpSpPr>
-        <p:sp>
-          <p:nvSpPr>
-            <p:cNvPr id="61" name="Rectangle 60"/>
-            <p:cNvSpPr/>
-            <p:nvPr/>
-          </p:nvSpPr>
-          <p:spPr>
-            <a:xfrm>
-              <a:off x="1205594" y="4728921"/>
-              <a:ext cx="1933688" cy="369332"/>
-            </a:xfrm>
-            <a:prstGeom prst="rect">
-              <a:avLst/>
-            </a:prstGeom>
-            <a:noFill/>
-            <a:extLst/>
-          </p:spPr>
-          <p:txBody>
-            <a:bodyPr wrap="none" rtlCol="0">
-              <a:spAutoFit/>
-            </a:bodyPr>
-            <a:lstStyle/>
-            <a:p>
-              <a:r>
-                <a:rPr lang="ru-RU" b="1" dirty="0" smtClean="0"/>
-                <a:t>Выдача результатов</a:t>
-              </a:r>
-              <a:endParaRPr lang="en-US" b="1" dirty="0"/>
-            </a:p>
-          </p:txBody>
-        </p:sp>
-        <p:sp>
-          <p:nvSpPr>
-            <p:cNvPr id="62" name="Rectangle 61"/>
-            <p:cNvSpPr/>
-            <p:nvPr/>
-          </p:nvSpPr>
-          <p:spPr>
-            <a:xfrm>
-              <a:off x="1205595" y="5063058"/>
-              <a:ext cx="2587381" cy="738664"/>
-            </a:xfrm>
-            <a:prstGeom prst="rect">
-              <a:avLst/>
-            </a:prstGeom>
-          </p:spPr>
-          <p:txBody>
-            <a:bodyPr wrap="square">
-              <a:spAutoFit/>
-            </a:bodyPr>
-            <a:lstStyle/>
-            <a:p>
-              <a:r>
-                <a:rPr lang="ru-RU" sz="1400" dirty="0" smtClean="0"/>
-                <a:t>После прохождения результаты доступны и студентам и редактору теста</a:t>
-              </a:r>
-              <a:endParaRPr lang="en-US" sz="1400" dirty="0"/>
-            </a:p>
-          </p:txBody>
-        </p:sp>
-      </p:grpSp>
+            <a:ext cx="2199448" cy="369332"/>
+          </a:xfrm>
+          <a:prstGeom prst="rect">
+            <a:avLst/>
+          </a:prstGeom>
+          <a:noFill/>
+          <a:extLst/>
+        </p:spPr>
+        <p:txBody>
+          <a:bodyPr wrap="none" rtlCol="0">
+            <a:spAutoFit/>
+          </a:bodyPr>
+          <a:lstStyle/>
+          <a:p>
+            <a:r>
+              <a:rPr lang="ru-RU" b="1" dirty="0" smtClean="0"/>
+              <a:t>Выдача результатов</a:t>
+            </a:r>
+            <a:endParaRPr lang="en-US" b="1" dirty="0"/>
+          </a:p>
+        </p:txBody>
+      </p:sp>
     </p:spTree>
     <p:extLst>
       <p:ext uri="{BB962C8B-B14F-4D97-AF65-F5344CB8AC3E}">
@@ -5632,50 +5753,35 @@
       </p:pic>
       <p:sp>
         <p:nvSpPr>
-          <p:cNvPr id="11" name="Title 1"/>
-          <p:cNvSpPr txBox="1">
-            <a:spLocks/>
-          </p:cNvSpPr>
-          <p:nvPr/>
-        </p:nvSpPr>
-        <p:spPr>
-          <a:xfrm>
-            <a:off x="838200" y="244372"/>
-            <a:ext cx="10515600" cy="673100"/>
-          </a:xfrm>
-          <a:prstGeom prst="rect">
-            <a:avLst/>
-          </a:prstGeom>
-        </p:spPr>
-        <p:txBody>
-          <a:bodyPr vert="horz" lIns="91440" tIns="45720" rIns="91440" bIns="45720" rtlCol="0" anchor="ctr">
-            <a:normAutofit fontScale="97500" lnSpcReduction="10000"/>
+          <p:cNvPr id="12" name="Title 1"/>
+          <p:cNvSpPr>
+            <a:spLocks noGrp="1"/>
+          </p:cNvSpPr>
+          <p:nvPr>
+            <p:ph type="title"/>
+          </p:nvPr>
+        </p:nvSpPr>
+        <p:spPr>
+          <a:xfrm>
+            <a:off x="838200" y="244371"/>
+            <a:ext cx="10515600" cy="874233"/>
+          </a:xfrm>
+        </p:spPr>
+        <p:txBody>
+          <a:bodyPr>
+            <a:normAutofit/>
           </a:bodyPr>
-          <a:lstStyle>
-            <a:lvl1pPr algn="l" defTabSz="914400" rtl="0" eaLnBrk="1" latinLnBrk="0" hangingPunct="1">
-              <a:lnSpc>
-                <a:spcPct val="90000"/>
-              </a:lnSpc>
-              <a:spcBef>
-                <a:spcPct val="0"/>
-              </a:spcBef>
-              <a:buNone/>
-              <a:defRPr sz="4400" kern="1200">
-                <a:solidFill>
-                  <a:schemeClr val="tx1"/>
-                </a:solidFill>
-                <a:latin typeface="+mj-lt"/>
-                <a:ea typeface="+mj-ea"/>
-                <a:cs typeface="+mj-cs"/>
-              </a:defRPr>
-            </a:lvl1pPr>
-          </a:lstStyle>
+          <a:lstStyle/>
           <a:p>
             <a:r>
               <a:rPr lang="ru-RU" dirty="0" smtClean="0"/>
               <a:t>Виды тестов</a:t>
             </a:r>
-            <a:endParaRPr lang="en-US" dirty="0"/>
+            <a:endParaRPr lang="en-US" dirty="0">
+              <a:solidFill>
+                <a:schemeClr val="tx1"/>
+              </a:solidFill>
+            </a:endParaRPr>
           </a:p>
         </p:txBody>
       </p:sp>
@@ -5882,44 +5988,6 @@
       </p:grpSpPr>
       <p:sp>
         <p:nvSpPr>
-          <p:cNvPr id="4" name="Title 1"/>
-          <p:cNvSpPr>
-            <a:spLocks noGrp="1"/>
-          </p:cNvSpPr>
-          <p:nvPr>
-            <p:ph type="title"/>
-          </p:nvPr>
-        </p:nvSpPr>
-        <p:spPr>
-          <a:xfrm>
-            <a:off x="838200" y="244372"/>
-            <a:ext cx="10515600" cy="673100"/>
-          </a:xfrm>
-        </p:spPr>
-        <p:txBody>
-          <a:bodyPr>
-            <a:normAutofit fontScale="90000"/>
-          </a:bodyPr>
-          <a:lstStyle/>
-          <a:p>
-            <a:r>
-              <a:rPr lang="ru-RU" dirty="0" smtClean="0">
-                <a:solidFill>
-                  <a:schemeClr val="tx1"/>
-                </a:solidFill>
-              </a:rPr>
-              <a:t>Подсчет результатов</a:t>
-            </a:r>
-            <a:endParaRPr lang="en-US" dirty="0">
-              <a:solidFill>
-                <a:schemeClr val="tx1"/>
-              </a:solidFill>
-            </a:endParaRPr>
-          </a:p>
-        </p:txBody>
-      </p:sp>
-      <p:sp>
-        <p:nvSpPr>
           <p:cNvPr id="7" name="Объект 2"/>
           <p:cNvSpPr>
             <a:spLocks noGrp="1"/>
@@ -5982,7 +6050,7 @@
         </p:blipFill>
         <p:spPr>
           <a:xfrm>
-            <a:off x="838201" y="2586499"/>
+            <a:off x="838200" y="2586499"/>
             <a:ext cx="3369816" cy="1038047"/>
           </a:xfrm>
           <a:prstGeom prst="rect">
@@ -5998,7 +6066,7 @@
         </p:nvSpPr>
         <p:spPr>
           <a:xfrm>
-            <a:off x="6666565" y="1690688"/>
+            <a:off x="6666565" y="2586499"/>
             <a:ext cx="4687235" cy="1477328"/>
           </a:xfrm>
           <a:prstGeom prst="rect">
@@ -6073,6 +6141,55 @@
               <a:t>прохождение</a:t>
             </a:r>
             <a:endParaRPr lang="ru-RU" dirty="0"/>
+          </a:p>
+        </p:txBody>
+      </p:sp>
+      <p:sp>
+        <p:nvSpPr>
+          <p:cNvPr id="8" name="Title 1"/>
+          <p:cNvSpPr txBox="1">
+            <a:spLocks/>
+          </p:cNvSpPr>
+          <p:nvPr/>
+        </p:nvSpPr>
+        <p:spPr>
+          <a:xfrm>
+            <a:off x="838200" y="244371"/>
+            <a:ext cx="10515600" cy="874233"/>
+          </a:xfrm>
+          <a:prstGeom prst="rect">
+            <a:avLst/>
+          </a:prstGeom>
+        </p:spPr>
+        <p:txBody>
+          <a:bodyPr vert="horz" lIns="91440" tIns="45720" rIns="91440" bIns="45720" rtlCol="0" anchor="ctr">
+            <a:normAutofit/>
+          </a:bodyPr>
+          <a:lstStyle>
+            <a:lvl1pPr algn="l" defTabSz="914400" rtl="0" eaLnBrk="1" latinLnBrk="0" hangingPunct="1">
+              <a:lnSpc>
+                <a:spcPct val="90000"/>
+              </a:lnSpc>
+              <a:spcBef>
+                <a:spcPct val="0"/>
+              </a:spcBef>
+              <a:buNone/>
+              <a:defRPr sz="4400" kern="1200">
+                <a:solidFill>
+                  <a:schemeClr val="tx1"/>
+                </a:solidFill>
+                <a:latin typeface="+mj-lt"/>
+                <a:ea typeface="+mj-ea"/>
+                <a:cs typeface="+mj-cs"/>
+              </a:defRPr>
+            </a:lvl1pPr>
+          </a:lstStyle>
+          <a:p>
+            <a:r>
+              <a:rPr lang="ru-RU" dirty="0" smtClean="0"/>
+              <a:t>Подсчет результатов</a:t>
+            </a:r>
+            <a:endParaRPr lang="en-US" dirty="0"/>
           </a:p>
         </p:txBody>
       </p:sp>
@@ -6115,44 +6232,6 @@
       </p:grpSpPr>
       <p:sp>
         <p:nvSpPr>
-          <p:cNvPr id="6" name="Title 1"/>
-          <p:cNvSpPr>
-            <a:spLocks noGrp="1"/>
-          </p:cNvSpPr>
-          <p:nvPr>
-            <p:ph type="title"/>
-          </p:nvPr>
-        </p:nvSpPr>
-        <p:spPr>
-          <a:xfrm>
-            <a:off x="838200" y="244372"/>
-            <a:ext cx="10515600" cy="673100"/>
-          </a:xfrm>
-        </p:spPr>
-        <p:txBody>
-          <a:bodyPr>
-            <a:normAutofit fontScale="90000"/>
-          </a:bodyPr>
-          <a:lstStyle/>
-          <a:p>
-            <a:r>
-              <a:rPr lang="ru-RU" dirty="0" smtClean="0">
-                <a:solidFill>
-                  <a:schemeClr val="tx1"/>
-                </a:solidFill>
-              </a:rPr>
-              <a:t>Подсчет результатов</a:t>
-            </a:r>
-            <a:endParaRPr lang="en-US" dirty="0">
-              <a:solidFill>
-                <a:schemeClr val="tx1"/>
-              </a:solidFill>
-            </a:endParaRPr>
-          </a:p>
-        </p:txBody>
-      </p:sp>
-      <p:sp>
-        <p:nvSpPr>
           <p:cNvPr id="7" name="Объект 2"/>
           <p:cNvSpPr>
             <a:spLocks noGrp="1"/>
@@ -6215,7 +6294,7 @@
         </p:blipFill>
         <p:spPr>
           <a:xfrm>
-            <a:off x="838200" y="2334088"/>
+            <a:off x="838198" y="2334088"/>
             <a:ext cx="4276725" cy="609600"/>
           </a:xfrm>
           <a:prstGeom prst="rect">
@@ -6239,7 +6318,7 @@
         </p:blipFill>
         <p:spPr>
           <a:xfrm>
-            <a:off x="838200" y="3035403"/>
+            <a:off x="838198" y="3035403"/>
             <a:ext cx="2024749" cy="681501"/>
           </a:xfrm>
           <a:prstGeom prst="rect">
@@ -6279,7 +6358,7 @@
         </p:nvSpPr>
         <p:spPr>
           <a:xfrm>
-            <a:off x="6666565" y="1690688"/>
+            <a:off x="6596283" y="2334088"/>
             <a:ext cx="4687235" cy="2862322"/>
           </a:xfrm>
           <a:prstGeom prst="rect">
@@ -6383,7 +6462,6 @@
               <a:rPr lang="ru-RU" dirty="0" smtClean="0"/>
               <a:t>– максимальный балл за прохождение</a:t>
             </a:r>
-            <a:endParaRPr lang="ru-RU" dirty="0" smtClean="0"/>
           </a:p>
           <a:p>
             <a:r>
@@ -6394,6 +6472,55 @@
               <a:rPr lang="ru-RU" dirty="0"/>
               <a:t> – количество баллов за единицу веса вопроса</a:t>
             </a:r>
+          </a:p>
+        </p:txBody>
+      </p:sp>
+      <p:sp>
+        <p:nvSpPr>
+          <p:cNvPr id="14" name="Title 1"/>
+          <p:cNvSpPr txBox="1">
+            <a:spLocks/>
+          </p:cNvSpPr>
+          <p:nvPr/>
+        </p:nvSpPr>
+        <p:spPr>
+          <a:xfrm>
+            <a:off x="838200" y="244371"/>
+            <a:ext cx="10515600" cy="874233"/>
+          </a:xfrm>
+          <a:prstGeom prst="rect">
+            <a:avLst/>
+          </a:prstGeom>
+        </p:spPr>
+        <p:txBody>
+          <a:bodyPr vert="horz" lIns="91440" tIns="45720" rIns="91440" bIns="45720" rtlCol="0" anchor="ctr">
+            <a:normAutofit/>
+          </a:bodyPr>
+          <a:lstStyle>
+            <a:lvl1pPr algn="l" defTabSz="914400" rtl="0" eaLnBrk="1" latinLnBrk="0" hangingPunct="1">
+              <a:lnSpc>
+                <a:spcPct val="90000"/>
+              </a:lnSpc>
+              <a:spcBef>
+                <a:spcPct val="0"/>
+              </a:spcBef>
+              <a:buNone/>
+              <a:defRPr sz="4400" kern="1200">
+                <a:solidFill>
+                  <a:schemeClr val="tx1"/>
+                </a:solidFill>
+                <a:latin typeface="+mj-lt"/>
+                <a:ea typeface="+mj-ea"/>
+                <a:cs typeface="+mj-cs"/>
+              </a:defRPr>
+            </a:lvl1pPr>
+          </a:lstStyle>
+          <a:p>
+            <a:r>
+              <a:rPr lang="ru-RU" dirty="0" smtClean="0"/>
+              <a:t>Подсчет результатов</a:t>
+            </a:r>
+            <a:endParaRPr lang="en-US" dirty="0"/>
           </a:p>
         </p:txBody>
       </p:sp>
@@ -6434,144 +6561,233 @@
           <a:chExt cx="0" cy="0"/>
         </a:xfrm>
       </p:grpSpPr>
-      <p:sp>
-        <p:nvSpPr>
-          <p:cNvPr id="6" name="Title 1"/>
-          <p:cNvSpPr>
-            <a:spLocks noGrp="1"/>
-          </p:cNvSpPr>
-          <p:nvPr>
-            <p:ph type="title"/>
-          </p:nvPr>
-        </p:nvSpPr>
-        <p:spPr>
-          <a:xfrm>
-            <a:off x="838200" y="244372"/>
-            <a:ext cx="10515600" cy="673100"/>
-          </a:xfrm>
-        </p:spPr>
-        <p:txBody>
-          <a:bodyPr>
-            <a:normAutofit fontScale="90000"/>
+      <p:pic>
+        <p:nvPicPr>
+          <p:cNvPr id="15" name="Picture 8" descr="Картинки по запросу WEB"/>
+          <p:cNvPicPr>
+            <a:picLocks noChangeAspect="1" noChangeArrowheads="1"/>
+          </p:cNvPicPr>
+          <p:nvPr/>
+        </p:nvPicPr>
+        <p:blipFill>
+          <a:blip r:embed="rId2">
+            <a:extLst>
+              <a:ext uri="{28A0092B-C50C-407E-A947-70E740481C1C}">
+                <a14:useLocalDpi xmlns:a14="http://schemas.microsoft.com/office/drawing/2010/main" val="0"/>
+              </a:ext>
+            </a:extLst>
+          </a:blip>
+          <a:srcRect/>
+          <a:stretch>
+            <a:fillRect/>
+          </a:stretch>
+        </p:blipFill>
+        <p:spPr bwMode="auto">
+          <a:xfrm>
+            <a:off x="838200" y="2798659"/>
+            <a:ext cx="3790783" cy="2511395"/>
+          </a:xfrm>
+          <a:prstGeom prst="rect">
+            <a:avLst/>
+          </a:prstGeom>
+          <a:noFill/>
+          <a:extLst>
+            <a:ext uri="{909E8E84-426E-40DD-AFC4-6F175D3DCCD1}">
+              <a14:hiddenFill xmlns:a14="http://schemas.microsoft.com/office/drawing/2010/main">
+                <a:solidFill>
+                  <a:srgbClr val="FFFFFF"/>
+                </a:solidFill>
+              </a14:hiddenFill>
+            </a:ext>
+          </a:extLst>
+        </p:spPr>
+      </p:pic>
+      <p:pic>
+        <p:nvPicPr>
+          <p:cNvPr id="17" name="Picture 14" descr="Картинки по запросу vs"/>
+          <p:cNvPicPr>
+            <a:picLocks noChangeAspect="1" noChangeArrowheads="1"/>
+          </p:cNvPicPr>
+          <p:nvPr/>
+        </p:nvPicPr>
+        <p:blipFill>
+          <a:blip r:embed="rId3">
+            <a:extLst>
+              <a:ext uri="{28A0092B-C50C-407E-A947-70E740481C1C}">
+                <a14:useLocalDpi xmlns:a14="http://schemas.microsoft.com/office/drawing/2010/main" val="0"/>
+              </a:ext>
+            </a:extLst>
+          </a:blip>
+          <a:srcRect/>
+          <a:stretch>
+            <a:fillRect/>
+          </a:stretch>
+        </p:blipFill>
+        <p:spPr bwMode="auto">
+          <a:xfrm>
+            <a:off x="4628983" y="2798659"/>
+            <a:ext cx="2497182" cy="1323558"/>
+          </a:xfrm>
+          <a:prstGeom prst="rect">
+            <a:avLst/>
+          </a:prstGeom>
+          <a:noFill/>
+          <a:extLst>
+            <a:ext uri="{909E8E84-426E-40DD-AFC4-6F175D3DCCD1}">
+              <a14:hiddenFill xmlns:a14="http://schemas.microsoft.com/office/drawing/2010/main">
+                <a:solidFill>
+                  <a:srgbClr val="FFFFFF"/>
+                </a:solidFill>
+              </a14:hiddenFill>
+            </a:ext>
+          </a:extLst>
+        </p:spPr>
+      </p:pic>
+      <p:sp>
+        <p:nvSpPr>
+          <p:cNvPr id="18" name="Title 1"/>
+          <p:cNvSpPr txBox="1">
+            <a:spLocks/>
+          </p:cNvSpPr>
+          <p:nvPr/>
+        </p:nvSpPr>
+        <p:spPr>
+          <a:xfrm>
+            <a:off x="838200" y="244371"/>
+            <a:ext cx="10515600" cy="874233"/>
+          </a:xfrm>
+          <a:prstGeom prst="rect">
+            <a:avLst/>
+          </a:prstGeom>
+        </p:spPr>
+        <p:txBody>
+          <a:bodyPr vert="horz" lIns="91440" tIns="45720" rIns="91440" bIns="45720" rtlCol="0" anchor="ctr">
+            <a:normAutofit/>
           </a:bodyPr>
-          <a:lstStyle/>
-          <a:p>
-            <a:r>
-              <a:rPr lang="ru-RU" dirty="0" smtClean="0">
+          <a:lstStyle>
+            <a:lvl1pPr algn="l" defTabSz="914400" rtl="0" eaLnBrk="1" latinLnBrk="0" hangingPunct="1">
+              <a:lnSpc>
+                <a:spcPct val="90000"/>
+              </a:lnSpc>
+              <a:spcBef>
+                <a:spcPct val="0"/>
+              </a:spcBef>
+              <a:buNone/>
+              <a:defRPr sz="4400" kern="1200">
                 <a:solidFill>
                   <a:schemeClr val="tx1"/>
                 </a:solidFill>
+                <a:latin typeface="+mj-lt"/>
+                <a:ea typeface="+mj-ea"/>
+                <a:cs typeface="+mj-cs"/>
+              </a:defRPr>
+            </a:lvl1pPr>
+          </a:lstStyle>
+          <a:p>
+            <a:r>
+              <a:rPr lang="ru-RU" dirty="0" smtClean="0"/>
+              <a:t>Выбор ???</a:t>
+            </a:r>
+            <a:endParaRPr lang="en-US" dirty="0"/>
+          </a:p>
+        </p:txBody>
+      </p:sp>
+      <p:sp>
+        <p:nvSpPr>
+          <p:cNvPr id="4" name="TextBox 3"/>
+          <p:cNvSpPr txBox="1"/>
+          <p:nvPr/>
+        </p:nvSpPr>
+        <p:spPr>
+          <a:xfrm>
+            <a:off x="1851779" y="1616069"/>
+            <a:ext cx="1763624" cy="923330"/>
+          </a:xfrm>
+          <a:prstGeom prst="rect">
+            <a:avLst/>
+          </a:prstGeom>
+          <a:noFill/>
+        </p:spPr>
+        <p:txBody>
+          <a:bodyPr wrap="none" rtlCol="0">
+            <a:spAutoFit/>
+          </a:bodyPr>
+          <a:lstStyle/>
+          <a:p>
+            <a:r>
+              <a:rPr lang="en-US" sz="5400" dirty="0">
+                <a:latin typeface="Bitter" panose="00000500000000000000" pitchFamily="2" charset="-52"/>
               </a:rPr>
-              <a:t>Разработка</a:t>
-            </a:r>
-            <a:endParaRPr lang="en-US" dirty="0">
-              <a:solidFill>
-                <a:schemeClr val="tx1"/>
-              </a:solidFill>
+              <a:t>WEB</a:t>
+            </a:r>
+            <a:endParaRPr lang="en-GB" sz="5400" dirty="0">
+              <a:latin typeface="Bitter" panose="00000500000000000000" pitchFamily="2" charset="-52"/>
             </a:endParaRPr>
           </a:p>
         </p:txBody>
       </p:sp>
       <p:sp>
         <p:nvSpPr>
-          <p:cNvPr id="7" name="Объект 2"/>
-          <p:cNvSpPr>
-            <a:spLocks noGrp="1"/>
-          </p:cNvSpPr>
-          <p:nvPr>
-            <p:ph idx="1"/>
-          </p:nvPr>
-        </p:nvSpPr>
-        <p:spPr>
-          <a:xfrm>
-            <a:off x="838200" y="1690688"/>
-            <a:ext cx="10933590" cy="4351338"/>
-          </a:xfrm>
-        </p:spPr>
-        <p:txBody>
-          <a:bodyPr/>
-          <a:lstStyle/>
-          <a:p>
-            <a:pPr marL="0" indent="0">
-              <a:buNone/>
-            </a:pPr>
-            <a:r>
-              <a:rPr lang="ru-RU" dirty="0" smtClean="0"/>
-              <a:t>В разработке использовались:</a:t>
-            </a:r>
-          </a:p>
-          <a:p>
-            <a:pPr marL="0" indent="0">
-              <a:buNone/>
-            </a:pPr>
-            <a:endParaRPr lang="ru-RU" dirty="0" smtClean="0"/>
-          </a:p>
-          <a:p>
-            <a:r>
-              <a:rPr lang="ru-RU" dirty="0" smtClean="0"/>
-              <a:t>База данных: </a:t>
-            </a:r>
-            <a:r>
-              <a:rPr lang="en-US" dirty="0" smtClean="0"/>
-              <a:t>MySQL</a:t>
-            </a:r>
-            <a:endParaRPr lang="ru-RU" dirty="0" smtClean="0"/>
-          </a:p>
-          <a:p>
-            <a:r>
-              <a:rPr lang="ru-RU" dirty="0" smtClean="0"/>
-              <a:t>Серверная часть: </a:t>
-            </a:r>
-            <a:r>
-              <a:rPr lang="en-US" dirty="0" smtClean="0"/>
-              <a:t>PHP Laravel Framework</a:t>
-            </a:r>
-          </a:p>
-          <a:p>
-            <a:r>
-              <a:rPr lang="ru-RU" dirty="0" smtClean="0"/>
-              <a:t>Клиентская часть: </a:t>
-            </a:r>
-            <a:r>
-              <a:rPr lang="en-US" dirty="0" smtClean="0"/>
-              <a:t>HTML, SCSS, JavaScript Framework – </a:t>
-            </a:r>
-            <a:r>
-              <a:rPr lang="en-US" dirty="0" err="1" smtClean="0"/>
-              <a:t>VueJS</a:t>
-            </a:r>
-            <a:r>
-              <a:rPr lang="en-US" dirty="0" smtClean="0"/>
-              <a:t>+ jQuery</a:t>
-            </a:r>
-          </a:p>
-          <a:p>
-            <a:endParaRPr lang="en-US" dirty="0" smtClean="0"/>
-          </a:p>
-          <a:p>
-            <a:pPr marL="0" indent="0">
-              <a:buNone/>
-            </a:pPr>
-            <a:endParaRPr lang="en-US" dirty="0"/>
-          </a:p>
-          <a:p>
-            <a:pPr marL="0" indent="0">
-              <a:buNone/>
-            </a:pPr>
-            <a:endParaRPr lang="en-US" dirty="0" smtClean="0"/>
-          </a:p>
-          <a:p>
-            <a:pPr marL="0" indent="0">
-              <a:buNone/>
-            </a:pPr>
-            <a:endParaRPr lang="ru-RU" dirty="0"/>
-          </a:p>
-        </p:txBody>
-      </p:sp>
+          <p:cNvPr id="19" name="TextBox 18"/>
+          <p:cNvSpPr txBox="1"/>
+          <p:nvPr/>
+        </p:nvSpPr>
+        <p:spPr>
+          <a:xfrm>
+            <a:off x="7126165" y="1616069"/>
+            <a:ext cx="3829895" cy="923330"/>
+          </a:xfrm>
+          <a:prstGeom prst="rect">
+            <a:avLst/>
+          </a:prstGeom>
+          <a:noFill/>
+        </p:spPr>
+        <p:txBody>
+          <a:bodyPr wrap="none" rtlCol="0">
+            <a:spAutoFit/>
+          </a:bodyPr>
+          <a:lstStyle/>
+          <a:p>
+            <a:r>
+              <a:rPr lang="en-US" sz="5400" dirty="0" smtClean="0">
+                <a:latin typeface="Bitter" panose="00000500000000000000" pitchFamily="2" charset="-52"/>
+              </a:rPr>
+              <a:t>WINDOWS</a:t>
+            </a:r>
+            <a:endParaRPr lang="en-GB" sz="5400" dirty="0">
+              <a:latin typeface="Bitter" panose="00000500000000000000" pitchFamily="2" charset="-52"/>
+            </a:endParaRPr>
+          </a:p>
+        </p:txBody>
+      </p:sp>
+      <p:pic>
+        <p:nvPicPr>
+          <p:cNvPr id="5" name="Рисунок 4"/>
+          <p:cNvPicPr>
+            <a:picLocks noChangeAspect="1"/>
+          </p:cNvPicPr>
+          <p:nvPr/>
+        </p:nvPicPr>
+        <p:blipFill>
+          <a:blip r:embed="rId4"/>
+          <a:stretch>
+            <a:fillRect/>
+          </a:stretch>
+        </p:blipFill>
+        <p:spPr>
+          <a:xfrm>
+            <a:off x="7641504" y="2539399"/>
+            <a:ext cx="2799215" cy="2735355"/>
+          </a:xfrm>
+          <a:prstGeom prst="rect">
+            <a:avLst/>
+          </a:prstGeom>
+        </p:spPr>
+      </p:pic>
     </p:spTree>
     <p:extLst>
       <p:ext uri="{BB962C8B-B14F-4D97-AF65-F5344CB8AC3E}">
-        <p14:creationId xmlns:p14="http://schemas.microsoft.com/office/powerpoint/2010/main" val="752335898"/>
+        <p14:creationId xmlns:p14="http://schemas.microsoft.com/office/powerpoint/2010/main" val="2452121757"/>
       </p:ext>
     </p:extLst>
   </p:cSld>
@@ -6605,9 +6821,50 @@
           <a:chExt cx="0" cy="0"/>
         </a:xfrm>
       </p:grpSpPr>
-      <p:sp>
-        <p:nvSpPr>
-          <p:cNvPr id="4" name="Title 1"/>
+      <p:pic>
+        <p:nvPicPr>
+          <p:cNvPr id="2074" name="Picture 26" descr="Картинки по запросу vuejs"/>
+          <p:cNvPicPr>
+            <a:picLocks noChangeAspect="1" noChangeArrowheads="1"/>
+          </p:cNvPicPr>
+          <p:nvPr/>
+        </p:nvPicPr>
+        <p:blipFill>
+          <a:blip r:embed="rId2" cstate="print">
+            <a:extLst>
+              <a:ext uri="{28A0092B-C50C-407E-A947-70E740481C1C}">
+                <a14:useLocalDpi xmlns:a14="http://schemas.microsoft.com/office/drawing/2010/main" val="0"/>
+              </a:ext>
+            </a:extLst>
+          </a:blip>
+          <a:srcRect/>
+          <a:stretch>
+            <a:fillRect/>
+          </a:stretch>
+        </p:blipFill>
+        <p:spPr bwMode="auto">
+          <a:xfrm>
+            <a:off x="8637456" y="4687369"/>
+            <a:ext cx="2380916" cy="1455004"/>
+          </a:xfrm>
+          <a:prstGeom prst="rect">
+            <a:avLst/>
+          </a:prstGeom>
+          <a:noFill/>
+          <a:extLst>
+            <a:ext uri="{909E8E84-426E-40DD-AFC4-6F175D3DCCD1}">
+              <a14:hiddenFill xmlns:a14="http://schemas.microsoft.com/office/drawing/2010/main">
+                <a:solidFill>
+                  <a:srgbClr val="FFFFFF"/>
+                </a:solidFill>
+              </a14:hiddenFill>
+            </a:ext>
+          </a:extLst>
+        </p:spPr>
+      </p:pic>
+      <p:sp>
+        <p:nvSpPr>
+          <p:cNvPr id="5" name="Title 1"/>
           <p:cNvSpPr>
             <a:spLocks noGrp="1"/>
           </p:cNvSpPr>
@@ -6617,13 +6874,13 @@
         </p:nvSpPr>
         <p:spPr>
           <a:xfrm>
-            <a:off x="838200" y="244372"/>
-            <a:ext cx="10515600" cy="673100"/>
+            <a:off x="838200" y="244371"/>
+            <a:ext cx="10515600" cy="874233"/>
           </a:xfrm>
         </p:spPr>
         <p:txBody>
           <a:bodyPr>
-            <a:normAutofit fontScale="90000"/>
+            <a:normAutofit/>
           </a:bodyPr>
           <a:lstStyle/>
           <a:p>
@@ -6633,7 +6890,7 @@
                   <a:schemeClr val="tx1"/>
                 </a:solidFill>
               </a:rPr>
-              <a:t>Схема БД</a:t>
+              <a:t>Выбор инструментов и технологий</a:t>
             </a:r>
             <a:endParaRPr lang="en-US" dirty="0">
               <a:solidFill>
@@ -6645,32 +6902,382 @@
       </p:sp>
       <p:pic>
         <p:nvPicPr>
-          <p:cNvPr id="7" name="Рисунок 6"/>
+          <p:cNvPr id="2052" name="Picture 4" descr="Картинки по запросу MySQL"/>
           <p:cNvPicPr>
-            <a:picLocks noChangeAspect="1"/>
+            <a:picLocks noChangeAspect="1" noChangeArrowheads="1"/>
           </p:cNvPicPr>
           <p:nvPr/>
         </p:nvPicPr>
         <p:blipFill>
-          <a:blip r:embed="rId2"/>
+          <a:blip r:embed="rId3" cstate="print">
+            <a:extLst>
+              <a:ext uri="{28A0092B-C50C-407E-A947-70E740481C1C}">
+                <a14:useLocalDpi xmlns:a14="http://schemas.microsoft.com/office/drawing/2010/main" val="0"/>
+              </a:ext>
+            </a:extLst>
+          </a:blip>
+          <a:srcRect/>
           <a:stretch>
             <a:fillRect/>
           </a:stretch>
         </p:blipFill>
-        <p:spPr>
-          <a:xfrm>
-            <a:off x="838200" y="1543048"/>
-            <a:ext cx="6432289" cy="4088582"/>
+        <p:spPr bwMode="auto">
+          <a:xfrm>
+            <a:off x="6057479" y="1057584"/>
+            <a:ext cx="2601248" cy="1346146"/>
           </a:xfrm>
           <a:prstGeom prst="rect">
             <a:avLst/>
           </a:prstGeom>
+          <a:noFill/>
+          <a:extLst>
+            <a:ext uri="{909E8E84-426E-40DD-AFC4-6F175D3DCCD1}">
+              <a14:hiddenFill xmlns:a14="http://schemas.microsoft.com/office/drawing/2010/main">
+                <a:solidFill>
+                  <a:srgbClr val="FFFFFF"/>
+                </a:solidFill>
+              </a14:hiddenFill>
+            </a:ext>
+          </a:extLst>
+        </p:spPr>
+      </p:pic>
+      <p:sp>
+        <p:nvSpPr>
+          <p:cNvPr id="3" name="TextBox 2"/>
+          <p:cNvSpPr txBox="1"/>
+          <p:nvPr/>
+        </p:nvSpPr>
+        <p:spPr>
+          <a:xfrm>
+            <a:off x="4087924" y="1541420"/>
+            <a:ext cx="1575405" cy="923330"/>
+          </a:xfrm>
+          <a:prstGeom prst="rect">
+            <a:avLst/>
+          </a:prstGeom>
+          <a:noFill/>
+        </p:spPr>
+        <p:txBody>
+          <a:bodyPr wrap="square" rtlCol="0">
+            <a:spAutoFit/>
+          </a:bodyPr>
+          <a:lstStyle/>
+          <a:p>
+            <a:pPr algn="r"/>
+            <a:r>
+              <a:rPr lang="ru-RU" sz="5400" dirty="0" smtClean="0"/>
+              <a:t>БД:</a:t>
+            </a:r>
+            <a:endParaRPr lang="en-GB" sz="4400" dirty="0"/>
+          </a:p>
+        </p:txBody>
+      </p:sp>
+      <p:sp>
+        <p:nvSpPr>
+          <p:cNvPr id="8" name="TextBox 7"/>
+          <p:cNvSpPr txBox="1"/>
+          <p:nvPr/>
+        </p:nvSpPr>
+        <p:spPr>
+          <a:xfrm>
+            <a:off x="765175" y="3126983"/>
+            <a:ext cx="4825130" cy="830997"/>
+          </a:xfrm>
+          <a:prstGeom prst="rect">
+            <a:avLst/>
+          </a:prstGeom>
+          <a:noFill/>
+        </p:spPr>
+        <p:txBody>
+          <a:bodyPr wrap="square" rtlCol="0">
+            <a:spAutoFit/>
+          </a:bodyPr>
+          <a:lstStyle/>
+          <a:p>
+            <a:pPr algn="r"/>
+            <a:r>
+              <a:rPr lang="ru-RU" sz="4800" dirty="0" smtClean="0"/>
+              <a:t>Серверная часть:</a:t>
+            </a:r>
+            <a:endParaRPr lang="en-GB" sz="4000" dirty="0"/>
+          </a:p>
+        </p:txBody>
+      </p:sp>
+      <p:pic>
+        <p:nvPicPr>
+          <p:cNvPr id="2054" name="Picture 6" descr="Картинки по запросу PHP"/>
+          <p:cNvPicPr>
+            <a:picLocks noChangeAspect="1" noChangeArrowheads="1"/>
+          </p:cNvPicPr>
+          <p:nvPr/>
+        </p:nvPicPr>
+        <p:blipFill>
+          <a:blip r:embed="rId4" cstate="print">
+            <a:extLst>
+              <a:ext uri="{28A0092B-C50C-407E-A947-70E740481C1C}">
+                <a14:useLocalDpi xmlns:a14="http://schemas.microsoft.com/office/drawing/2010/main" val="0"/>
+              </a:ext>
+            </a:extLst>
+          </a:blip>
+          <a:srcRect/>
+          <a:stretch>
+            <a:fillRect/>
+          </a:stretch>
+        </p:blipFill>
+        <p:spPr bwMode="auto">
+          <a:xfrm>
+            <a:off x="5942581" y="2834582"/>
+            <a:ext cx="2443607" cy="1319548"/>
+          </a:xfrm>
+          <a:prstGeom prst="rect">
+            <a:avLst/>
+          </a:prstGeom>
+          <a:noFill/>
+          <a:extLst>
+            <a:ext uri="{909E8E84-426E-40DD-AFC4-6F175D3DCCD1}">
+              <a14:hiddenFill xmlns:a14="http://schemas.microsoft.com/office/drawing/2010/main">
+                <a:solidFill>
+                  <a:srgbClr val="FFFFFF"/>
+                </a:solidFill>
+              </a14:hiddenFill>
+            </a:ext>
+          </a:extLst>
+        </p:spPr>
+      </p:pic>
+      <p:pic>
+        <p:nvPicPr>
+          <p:cNvPr id="2056" name="Picture 8" descr="Картинки по запросу laravel"/>
+          <p:cNvPicPr>
+            <a:picLocks noChangeAspect="1" noChangeArrowheads="1"/>
+          </p:cNvPicPr>
+          <p:nvPr/>
+        </p:nvPicPr>
+        <p:blipFill>
+          <a:blip r:embed="rId5">
+            <a:extLst>
+              <a:ext uri="{28A0092B-C50C-407E-A947-70E740481C1C}">
+                <a14:useLocalDpi xmlns:a14="http://schemas.microsoft.com/office/drawing/2010/main" val="0"/>
+              </a:ext>
+            </a:extLst>
+          </a:blip>
+          <a:srcRect/>
+          <a:stretch>
+            <a:fillRect/>
+          </a:stretch>
+        </p:blipFill>
+        <p:spPr bwMode="auto">
+          <a:xfrm>
+            <a:off x="8759067" y="2304329"/>
+            <a:ext cx="2107250" cy="2107250"/>
+          </a:xfrm>
+          <a:prstGeom prst="rect">
+            <a:avLst/>
+          </a:prstGeom>
+          <a:noFill/>
+          <a:extLst>
+            <a:ext uri="{909E8E84-426E-40DD-AFC4-6F175D3DCCD1}">
+              <a14:hiddenFill xmlns:a14="http://schemas.microsoft.com/office/drawing/2010/main">
+                <a:solidFill>
+                  <a:srgbClr val="FFFFFF"/>
+                </a:solidFill>
+              </a14:hiddenFill>
+            </a:ext>
+          </a:extLst>
+        </p:spPr>
+      </p:pic>
+      <p:sp>
+        <p:nvSpPr>
+          <p:cNvPr id="11" name="TextBox 10"/>
+          <p:cNvSpPr txBox="1"/>
+          <p:nvPr/>
+        </p:nvSpPr>
+        <p:spPr>
+          <a:xfrm>
+            <a:off x="765175" y="4892886"/>
+            <a:ext cx="4825130" cy="830997"/>
+          </a:xfrm>
+          <a:prstGeom prst="rect">
+            <a:avLst/>
+          </a:prstGeom>
+          <a:noFill/>
+        </p:spPr>
+        <p:txBody>
+          <a:bodyPr wrap="square" rtlCol="0">
+            <a:spAutoFit/>
+          </a:bodyPr>
+          <a:lstStyle/>
+          <a:p>
+            <a:pPr algn="r"/>
+            <a:r>
+              <a:rPr lang="ru-RU" sz="4800" dirty="0" smtClean="0"/>
+              <a:t>Клиентская часть:</a:t>
+            </a:r>
+            <a:endParaRPr lang="en-GB" sz="4000" dirty="0"/>
+          </a:p>
+        </p:txBody>
+      </p:sp>
+      <p:sp>
+        <p:nvSpPr>
+          <p:cNvPr id="4" name="AutoShape 10" descr="Картинки по запросу html css js"/>
+          <p:cNvSpPr>
+            <a:spLocks noChangeAspect="1" noChangeArrowheads="1"/>
+          </p:cNvSpPr>
+          <p:nvPr/>
+        </p:nvSpPr>
+        <p:spPr bwMode="auto">
+          <a:xfrm>
+            <a:off x="155575" y="-144463"/>
+            <a:ext cx="304800" cy="304801"/>
+          </a:xfrm>
+          <a:prstGeom prst="rect">
+            <a:avLst/>
+          </a:prstGeom>
+          <a:noFill/>
+          <a:extLst>
+            <a:ext uri="{909E8E84-426E-40DD-AFC4-6F175D3DCCD1}">
+              <a14:hiddenFill xmlns:a14="http://schemas.microsoft.com/office/drawing/2010/main">
+                <a:solidFill>
+                  <a:srgbClr val="FFFFFF"/>
+                </a:solidFill>
+              </a14:hiddenFill>
+            </a:ext>
+          </a:extLst>
+        </p:spPr>
+        <p:txBody>
+          <a:bodyPr vert="horz" wrap="square" lIns="91440" tIns="45720" rIns="91440" bIns="45720" numCol="1" anchor="t" anchorCtr="0" compatLnSpc="1">
+            <a:prstTxWarp prst="textNoShape">
+              <a:avLst/>
+            </a:prstTxWarp>
+          </a:bodyPr>
+          <a:lstStyle/>
+          <a:p>
+            <a:endParaRPr lang="en-GB"/>
+          </a:p>
+        </p:txBody>
+      </p:sp>
+      <p:sp>
+        <p:nvSpPr>
+          <p:cNvPr id="9" name="AutoShape 16" descr="Картинки по запросу html css js"/>
+          <p:cNvSpPr>
+            <a:spLocks noChangeAspect="1" noChangeArrowheads="1"/>
+          </p:cNvSpPr>
+          <p:nvPr/>
+        </p:nvSpPr>
+        <p:spPr bwMode="auto">
+          <a:xfrm>
+            <a:off x="307975" y="7937"/>
+            <a:ext cx="304800" cy="304801"/>
+          </a:xfrm>
+          <a:prstGeom prst="rect">
+            <a:avLst/>
+          </a:prstGeom>
+          <a:noFill/>
+          <a:extLst>
+            <a:ext uri="{909E8E84-426E-40DD-AFC4-6F175D3DCCD1}">
+              <a14:hiddenFill xmlns:a14="http://schemas.microsoft.com/office/drawing/2010/main">
+                <a:solidFill>
+                  <a:srgbClr val="FFFFFF"/>
+                </a:solidFill>
+              </a14:hiddenFill>
+            </a:ext>
+          </a:extLst>
+        </p:spPr>
+        <p:txBody>
+          <a:bodyPr vert="horz" wrap="square" lIns="91440" tIns="45720" rIns="91440" bIns="45720" numCol="1" anchor="t" anchorCtr="0" compatLnSpc="1">
+            <a:prstTxWarp prst="textNoShape">
+              <a:avLst/>
+            </a:prstTxWarp>
+          </a:bodyPr>
+          <a:lstStyle/>
+          <a:p>
+            <a:endParaRPr lang="en-GB"/>
+          </a:p>
+        </p:txBody>
+      </p:sp>
+      <p:sp>
+        <p:nvSpPr>
+          <p:cNvPr id="10" name="AutoShape 18" descr="Картинки по запросу html css js"/>
+          <p:cNvSpPr>
+            <a:spLocks noChangeAspect="1" noChangeArrowheads="1"/>
+          </p:cNvSpPr>
+          <p:nvPr/>
+        </p:nvSpPr>
+        <p:spPr bwMode="auto">
+          <a:xfrm>
+            <a:off x="460375" y="160337"/>
+            <a:ext cx="304800" cy="304801"/>
+          </a:xfrm>
+          <a:prstGeom prst="rect">
+            <a:avLst/>
+          </a:prstGeom>
+          <a:noFill/>
+          <a:extLst>
+            <a:ext uri="{909E8E84-426E-40DD-AFC4-6F175D3DCCD1}">
+              <a14:hiddenFill xmlns:a14="http://schemas.microsoft.com/office/drawing/2010/main">
+                <a:solidFill>
+                  <a:srgbClr val="FFFFFF"/>
+                </a:solidFill>
+              </a14:hiddenFill>
+            </a:ext>
+          </a:extLst>
+        </p:spPr>
+        <p:txBody>
+          <a:bodyPr vert="horz" wrap="square" lIns="91440" tIns="45720" rIns="91440" bIns="45720" numCol="1" anchor="t" anchorCtr="0" compatLnSpc="1">
+            <a:prstTxWarp prst="textNoShape">
+              <a:avLst/>
+            </a:prstTxWarp>
+          </a:bodyPr>
+          <a:lstStyle/>
+          <a:p>
+            <a:endParaRPr lang="en-GB"/>
+          </a:p>
+        </p:txBody>
+      </p:sp>
+      <p:pic>
+        <p:nvPicPr>
+          <p:cNvPr id="2072" name="Picture 24" descr="Картинки по запросу html css js"/>
+          <p:cNvPicPr>
+            <a:picLocks noChangeAspect="1" noChangeArrowheads="1"/>
+          </p:cNvPicPr>
+          <p:nvPr/>
+        </p:nvPicPr>
+        <p:blipFill>
+          <a:blip r:embed="rId6" cstate="print">
+            <a:extLst>
+              <a:ext uri="{28A0092B-C50C-407E-A947-70E740481C1C}">
+                <a14:useLocalDpi xmlns:a14="http://schemas.microsoft.com/office/drawing/2010/main" val="0"/>
+              </a:ext>
+            </a:extLst>
+          </a:blip>
+          <a:srcRect/>
+          <a:stretch>
+            <a:fillRect/>
+          </a:stretch>
+        </p:blipFill>
+        <p:spPr bwMode="auto">
+          <a:xfrm>
+            <a:off x="5942581" y="4584982"/>
+            <a:ext cx="2657947" cy="1557391"/>
+          </a:xfrm>
+          <a:prstGeom prst="rect">
+            <a:avLst/>
+          </a:prstGeom>
+          <a:noFill/>
+          <a:extLst>
+            <a:ext uri="{909E8E84-426E-40DD-AFC4-6F175D3DCCD1}">
+              <a14:hiddenFill xmlns:a14="http://schemas.microsoft.com/office/drawing/2010/main">
+                <a:solidFill>
+                  <a:srgbClr val="FFFFFF"/>
+                </a:solidFill>
+              </a14:hiddenFill>
+            </a:ext>
+          </a:extLst>
         </p:spPr>
       </p:pic>
     </p:spTree>
     <p:extLst>
       <p:ext uri="{BB962C8B-B14F-4D97-AF65-F5344CB8AC3E}">
-        <p14:creationId xmlns:p14="http://schemas.microsoft.com/office/powerpoint/2010/main" val="876964668"/>
+        <p14:creationId xmlns:p14="http://schemas.microsoft.com/office/powerpoint/2010/main" val="2461264661"/>
       </p:ext>
     </p:extLst>
   </p:cSld>
@@ -6704,53 +7311,13 @@
           <a:chExt cx="0" cy="0"/>
         </a:xfrm>
       </p:grpSpPr>
-      <p:sp>
-        <p:nvSpPr>
-          <p:cNvPr id="6" name="Title 1"/>
-          <p:cNvSpPr>
-            <a:spLocks noGrp="1"/>
-          </p:cNvSpPr>
-          <p:nvPr>
-            <p:ph type="title"/>
-          </p:nvPr>
-        </p:nvSpPr>
-        <p:spPr>
-          <a:xfrm>
-            <a:off x="838200" y="244372"/>
-            <a:ext cx="10515600" cy="673100"/>
-          </a:xfrm>
-        </p:spPr>
-        <p:txBody>
-          <a:bodyPr>
-            <a:normAutofit fontScale="90000"/>
-          </a:bodyPr>
-          <a:lstStyle/>
-          <a:p>
-            <a:r>
-              <a:rPr lang="ru-RU" dirty="0" smtClean="0">
-                <a:solidFill>
-                  <a:schemeClr val="tx1"/>
-                </a:solidFill>
-              </a:rPr>
-              <a:t>Использование приложения редактором тестов</a:t>
-            </a:r>
-            <a:endParaRPr lang="en-US" dirty="0">
-              <a:solidFill>
-                <a:schemeClr val="tx1"/>
-              </a:solidFill>
-            </a:endParaRPr>
-          </a:p>
-        </p:txBody>
-      </p:sp>
       <p:pic>
         <p:nvPicPr>
-          <p:cNvPr id="8" name="Объект 7"/>
+          <p:cNvPr id="7" name="Рисунок 6"/>
           <p:cNvPicPr>
-            <a:picLocks noGrp="1"/>
+            <a:picLocks noChangeAspect="1"/>
           </p:cNvPicPr>
-          <p:nvPr>
-            <p:ph idx="1"/>
-          </p:nvPr>
+          <p:nvPr/>
         </p:nvPicPr>
         <p:blipFill>
           <a:blip r:embed="rId2"/>
@@ -6760,18 +7327,52 @@
         </p:blipFill>
         <p:spPr>
           <a:xfrm>
-            <a:off x="2679945" y="917472"/>
-            <a:ext cx="7183145" cy="5779870"/>
+            <a:off x="2274117" y="1527005"/>
+            <a:ext cx="7643765" cy="4858637"/>
           </a:xfrm>
           <a:prstGeom prst="rect">
             <a:avLst/>
           </a:prstGeom>
         </p:spPr>
       </p:pic>
+      <p:sp>
+        <p:nvSpPr>
+          <p:cNvPr id="5" name="Title 1"/>
+          <p:cNvSpPr>
+            <a:spLocks noGrp="1"/>
+          </p:cNvSpPr>
+          <p:nvPr>
+            <p:ph type="title"/>
+          </p:nvPr>
+        </p:nvSpPr>
+        <p:spPr>
+          <a:xfrm>
+            <a:off x="838200" y="244371"/>
+            <a:ext cx="10515600" cy="874233"/>
+          </a:xfrm>
+        </p:spPr>
+        <p:txBody>
+          <a:bodyPr>
+            <a:normAutofit/>
+          </a:bodyPr>
+          <a:lstStyle/>
+          <a:p>
+            <a:r>
+              <a:rPr lang="ru-RU" dirty="0" smtClean="0"/>
+              <a:t>Логическая структура программы</a:t>
+            </a:r>
+            <a:endParaRPr lang="en-US" dirty="0">
+              <a:solidFill>
+                <a:schemeClr val="tx1"/>
+              </a:solidFill>
+            </a:endParaRPr>
+          </a:p>
+        </p:txBody>
+      </p:sp>
     </p:spTree>
     <p:extLst>
       <p:ext uri="{BB962C8B-B14F-4D97-AF65-F5344CB8AC3E}">
-        <p14:creationId xmlns:p14="http://schemas.microsoft.com/office/powerpoint/2010/main" val="206478856"/>
+        <p14:creationId xmlns:p14="http://schemas.microsoft.com/office/powerpoint/2010/main" val="876964668"/>
       </p:ext>
     </p:extLst>
   </p:cSld>
@@ -6807,7 +7408,7 @@
       </p:grpSpPr>
       <p:sp>
         <p:nvSpPr>
-          <p:cNvPr id="6" name="Title 1"/>
+          <p:cNvPr id="7" name="Title 1"/>
           <p:cNvSpPr>
             <a:spLocks noGrp="1"/>
           </p:cNvSpPr>
@@ -6817,13 +7418,13 @@
         </p:nvSpPr>
         <p:spPr>
           <a:xfrm>
-            <a:off x="838200" y="244372"/>
-            <a:ext cx="10515600" cy="673100"/>
+            <a:off x="838200" y="244371"/>
+            <a:ext cx="10515600" cy="874233"/>
           </a:xfrm>
         </p:spPr>
         <p:txBody>
           <a:bodyPr>
-            <a:normAutofit fontScale="90000"/>
+            <a:normAutofit/>
           </a:bodyPr>
           <a:lstStyle/>
           <a:p>
@@ -6833,7 +7434,7 @@
                   <a:schemeClr val="tx1"/>
                 </a:solidFill>
               </a:rPr>
-              <a:t>Использование приложения студентом</a:t>
+              <a:t>Действия администратора</a:t>
             </a:r>
             <a:endParaRPr lang="en-US" dirty="0">
               <a:solidFill>
@@ -6845,8 +7446,10 @@
       </p:sp>
       <p:pic>
         <p:nvPicPr>
-          <p:cNvPr id="9" name="Рисунок 8"/>
-          <p:cNvPicPr/>
+          <p:cNvPr id="4" name="Рисунок 3"/>
+          <p:cNvPicPr>
+            <a:picLocks noChangeAspect="1"/>
+          </p:cNvPicPr>
           <p:nvPr/>
         </p:nvPicPr>
         <p:blipFill>
@@ -6857,8 +7460,8 @@
         </p:blipFill>
         <p:spPr>
           <a:xfrm>
-            <a:off x="1579115" y="1687710"/>
-            <a:ext cx="9033769" cy="4366861"/>
+            <a:off x="2656973" y="1648327"/>
+            <a:ext cx="6878053" cy="4232648"/>
           </a:xfrm>
           <a:prstGeom prst="rect">
             <a:avLst/>
@@ -6868,7 +7471,7 @@
     </p:spTree>
     <p:extLst>
       <p:ext uri="{BB962C8B-B14F-4D97-AF65-F5344CB8AC3E}">
-        <p14:creationId xmlns:p14="http://schemas.microsoft.com/office/powerpoint/2010/main" val="2812220580"/>
+        <p14:creationId xmlns:p14="http://schemas.microsoft.com/office/powerpoint/2010/main" val="1539838779"/>
       </p:ext>
     </p:extLst>
   </p:cSld>

--- a/Диплом/ДИПЛОМ.pptx
+++ b/Диплом/ДИПЛОМ.pptx
@@ -209,7 +209,7 @@
           <a:p>
             <a:fld id="{B404D439-6979-4C47-8933-653EA3DBF387}" type="datetimeFigureOut">
               <a:rPr lang="ru-RU" smtClean="0"/>
-              <a:t>11.06.2017</a:t>
+              <a:t>12.06.2017</a:t>
             </a:fld>
             <a:endParaRPr lang="ru-RU"/>
           </a:p>
@@ -721,7 +721,7 @@
           <a:p>
             <a:fld id="{446B8952-0178-45A7-83AF-F001A43CB726}" type="datetimeFigureOut">
               <a:rPr lang="ru-RU" smtClean="0"/>
-              <a:t>11.06.2017</a:t>
+              <a:t>12.06.2017</a:t>
             </a:fld>
             <a:endParaRPr lang="ru-RU"/>
           </a:p>
@@ -891,7 +891,7 @@
           <a:p>
             <a:fld id="{446B8952-0178-45A7-83AF-F001A43CB726}" type="datetimeFigureOut">
               <a:rPr lang="ru-RU" smtClean="0"/>
-              <a:t>11.06.2017</a:t>
+              <a:t>12.06.2017</a:t>
             </a:fld>
             <a:endParaRPr lang="ru-RU"/>
           </a:p>
@@ -1071,7 +1071,7 @@
           <a:p>
             <a:fld id="{446B8952-0178-45A7-83AF-F001A43CB726}" type="datetimeFigureOut">
               <a:rPr lang="ru-RU" smtClean="0"/>
-              <a:t>11.06.2017</a:t>
+              <a:t>12.06.2017</a:t>
             </a:fld>
             <a:endParaRPr lang="ru-RU"/>
           </a:p>
@@ -1704,7 +1704,7 @@
           <a:p>
             <a:fld id="{446B8952-0178-45A7-83AF-F001A43CB726}" type="datetimeFigureOut">
               <a:rPr lang="ru-RU" smtClean="0"/>
-              <a:t>11.06.2017</a:t>
+              <a:t>12.06.2017</a:t>
             </a:fld>
             <a:endParaRPr lang="ru-RU"/>
           </a:p>
@@ -1950,7 +1950,7 @@
           <a:p>
             <a:fld id="{446B8952-0178-45A7-83AF-F001A43CB726}" type="datetimeFigureOut">
               <a:rPr lang="ru-RU" smtClean="0"/>
-              <a:t>11.06.2017</a:t>
+              <a:t>12.06.2017</a:t>
             </a:fld>
             <a:endParaRPr lang="ru-RU"/>
           </a:p>
@@ -2182,7 +2182,7 @@
           <a:p>
             <a:fld id="{446B8952-0178-45A7-83AF-F001A43CB726}" type="datetimeFigureOut">
               <a:rPr lang="ru-RU" smtClean="0"/>
-              <a:t>11.06.2017</a:t>
+              <a:t>12.06.2017</a:t>
             </a:fld>
             <a:endParaRPr lang="ru-RU"/>
           </a:p>
@@ -2549,7 +2549,7 @@
           <a:p>
             <a:fld id="{446B8952-0178-45A7-83AF-F001A43CB726}" type="datetimeFigureOut">
               <a:rPr lang="ru-RU" smtClean="0"/>
-              <a:t>11.06.2017</a:t>
+              <a:t>12.06.2017</a:t>
             </a:fld>
             <a:endParaRPr lang="ru-RU"/>
           </a:p>
@@ -2667,7 +2667,7 @@
           <a:p>
             <a:fld id="{446B8952-0178-45A7-83AF-F001A43CB726}" type="datetimeFigureOut">
               <a:rPr lang="ru-RU" smtClean="0"/>
-              <a:t>11.06.2017</a:t>
+              <a:t>12.06.2017</a:t>
             </a:fld>
             <a:endParaRPr lang="ru-RU"/>
           </a:p>
@@ -2762,7 +2762,7 @@
           <a:p>
             <a:fld id="{446B8952-0178-45A7-83AF-F001A43CB726}" type="datetimeFigureOut">
               <a:rPr lang="ru-RU" smtClean="0"/>
-              <a:t>11.06.2017</a:t>
+              <a:t>12.06.2017</a:t>
             </a:fld>
             <a:endParaRPr lang="ru-RU"/>
           </a:p>
@@ -3039,7 +3039,7 @@
           <a:p>
             <a:fld id="{446B8952-0178-45A7-83AF-F001A43CB726}" type="datetimeFigureOut">
               <a:rPr lang="ru-RU" smtClean="0"/>
-              <a:t>11.06.2017</a:t>
+              <a:t>12.06.2017</a:t>
             </a:fld>
             <a:endParaRPr lang="ru-RU"/>
           </a:p>
@@ -3292,7 +3292,7 @@
           <a:p>
             <a:fld id="{446B8952-0178-45A7-83AF-F001A43CB726}" type="datetimeFigureOut">
               <a:rPr lang="ru-RU" smtClean="0"/>
-              <a:t>11.06.2017</a:t>
+              <a:t>12.06.2017</a:t>
             </a:fld>
             <a:endParaRPr lang="ru-RU"/>
           </a:p>
@@ -3505,7 +3505,7 @@
           <a:p>
             <a:fld id="{446B8952-0178-45A7-83AF-F001A43CB726}" type="datetimeFigureOut">
               <a:rPr lang="ru-RU" smtClean="0"/>
-              <a:t>11.06.2017</a:t>
+              <a:t>12.06.2017</a:t>
             </a:fld>
             <a:endParaRPr lang="ru-RU"/>
           </a:p>
@@ -4405,6 +4405,36 @@
           </a:p>
         </p:txBody>
       </p:sp>
+      <p:sp>
+        <p:nvSpPr>
+          <p:cNvPr id="2" name="TextBox 1"/>
+          <p:cNvSpPr txBox="1"/>
+          <p:nvPr/>
+        </p:nvSpPr>
+        <p:spPr>
+          <a:xfrm>
+            <a:off x="980661" y="2372139"/>
+            <a:ext cx="2107821" cy="369332"/>
+          </a:xfrm>
+          <a:prstGeom prst="rect">
+            <a:avLst/>
+          </a:prstGeom>
+          <a:noFill/>
+        </p:spPr>
+        <p:txBody>
+          <a:bodyPr wrap="none" rtlCol="0">
+            <a:spAutoFit/>
+          </a:bodyPr>
+          <a:lstStyle/>
+          <a:p>
+            <a:r>
+              <a:rPr lang="ru-RU" dirty="0" smtClean="0"/>
+              <a:t>Виды тестирования</a:t>
+            </a:r>
+            <a:endParaRPr lang="ru-RU" dirty="0"/>
+          </a:p>
+        </p:txBody>
+      </p:sp>
     </p:spTree>
     <p:extLst>
       <p:ext uri="{BB962C8B-B14F-4D97-AF65-F5344CB8AC3E}">
@@ -4457,7 +4487,11 @@
           <a:bodyPr/>
           <a:lstStyle/>
           <a:p>
-            <a:endParaRPr lang="en-GB"/>
+            <a:r>
+              <a:rPr lang="ru-RU" dirty="0" smtClean="0"/>
+              <a:t>Скриншот</a:t>
+            </a:r>
+            <a:endParaRPr lang="en-GB" dirty="0"/>
           </a:p>
         </p:txBody>
       </p:sp>
@@ -4476,6 +4510,9 @@
           <a:bodyPr/>
           <a:lstStyle/>
           <a:p>
+            <a:pPr marL="0" indent="0">
+              <a:buNone/>
+            </a:pPr>
             <a:endParaRPr lang="en-GB"/>
           </a:p>
         </p:txBody>
@@ -4538,7 +4575,31 @@
                   <a:schemeClr val="tx1"/>
                 </a:solidFill>
               </a:rPr>
-              <a:t>Постановка задачи</a:t>
+              <a:t>Постановка </a:t>
+            </a:r>
+            <a:r>
+              <a:rPr lang="ru-RU" dirty="0" smtClean="0">
+                <a:solidFill>
+                  <a:schemeClr val="tx1"/>
+                </a:solidFill>
+              </a:rPr>
+              <a:t>задачи</a:t>
+            </a:r>
+            <a:r>
+              <a:rPr lang="en-US" dirty="0" smtClean="0">
+                <a:solidFill>
+                  <a:schemeClr val="tx1"/>
+                </a:solidFill>
+              </a:rPr>
+              <a:t> (</a:t>
+            </a:r>
+            <a:r>
+              <a:rPr lang="ru-RU" dirty="0" smtClean="0">
+                <a:solidFill>
+                  <a:schemeClr val="tx1"/>
+                </a:solidFill>
+              </a:rPr>
+              <a:t>из 1.1)</a:t>
             </a:r>
             <a:endParaRPr lang="en-US" dirty="0">
               <a:solidFill>

--- a/Диплом/ДИПЛОМ.pptx
+++ b/Диплом/ДИПЛОМ.pptx
@@ -5,22 +5,23 @@
     <p:sldMasterId id="2147483757" r:id="rId1"/>
   </p:sldMasterIdLst>
   <p:notesMasterIdLst>
-    <p:notesMasterId r:id="rId15"/>
+    <p:notesMasterId r:id="rId16"/>
   </p:notesMasterIdLst>
   <p:sldIdLst>
     <p:sldId id="256" r:id="rId2"/>
     <p:sldId id="258" r:id="rId3"/>
-    <p:sldId id="257" r:id="rId4"/>
-    <p:sldId id="260" r:id="rId5"/>
-    <p:sldId id="259" r:id="rId6"/>
-    <p:sldId id="268" r:id="rId7"/>
-    <p:sldId id="272" r:id="rId8"/>
-    <p:sldId id="262" r:id="rId9"/>
-    <p:sldId id="270" r:id="rId10"/>
-    <p:sldId id="263" r:id="rId11"/>
-    <p:sldId id="264" r:id="rId12"/>
-    <p:sldId id="273" r:id="rId13"/>
-    <p:sldId id="274" r:id="rId14"/>
+    <p:sldId id="277" r:id="rId4"/>
+    <p:sldId id="257" r:id="rId5"/>
+    <p:sldId id="260" r:id="rId6"/>
+    <p:sldId id="259" r:id="rId7"/>
+    <p:sldId id="262" r:id="rId8"/>
+    <p:sldId id="270" r:id="rId9"/>
+    <p:sldId id="263" r:id="rId10"/>
+    <p:sldId id="264" r:id="rId11"/>
+    <p:sldId id="268" r:id="rId12"/>
+    <p:sldId id="272" r:id="rId13"/>
+    <p:sldId id="273" r:id="rId14"/>
+    <p:sldId id="275" r:id="rId15"/>
   </p:sldIdLst>
   <p:sldSz cx="12192000" cy="6858000"/>
   <p:notesSz cx="6858000" cy="9144000"/>
@@ -209,7 +210,7 @@
           <a:p>
             <a:fld id="{B404D439-6979-4C47-8933-653EA3DBF387}" type="datetimeFigureOut">
               <a:rPr lang="ru-RU" smtClean="0"/>
-              <a:t>12.06.2017</a:t>
+              <a:t>14.06.2017</a:t>
             </a:fld>
             <a:endParaRPr lang="ru-RU"/>
           </a:p>
@@ -590,6 +591,119 @@
 </p:notes>
 </file>
 
+<file path=ppt/notesSlides/notesSlide2.xml><?xml version="1.0" encoding="utf-8"?>
+<p:notes xmlns:a="http://schemas.openxmlformats.org/drawingml/2006/main" xmlns:r="http://schemas.openxmlformats.org/officeDocument/2006/relationships" xmlns:p="http://schemas.openxmlformats.org/presentationml/2006/main">
+  <p:cSld>
+    <p:spTree>
+      <p:nvGrpSpPr>
+        <p:cNvPr id="1" name=""/>
+        <p:cNvGrpSpPr/>
+        <p:nvPr/>
+      </p:nvGrpSpPr>
+      <p:grpSpPr>
+        <a:xfrm>
+          <a:off x="0" y="0"/>
+          <a:ext cx="0" cy="0"/>
+          <a:chOff x="0" y="0"/>
+          <a:chExt cx="0" cy="0"/>
+        </a:xfrm>
+      </p:grpSpPr>
+      <p:sp>
+        <p:nvSpPr>
+          <p:cNvPr id="2" name="Slide Image Placeholder 1"/>
+          <p:cNvSpPr>
+            <a:spLocks noGrp="1" noRot="1" noChangeAspect="1"/>
+          </p:cNvSpPr>
+          <p:nvPr>
+            <p:ph type="sldImg"/>
+          </p:nvPr>
+        </p:nvSpPr>
+        <p:spPr/>
+      </p:sp>
+      <p:sp>
+        <p:nvSpPr>
+          <p:cNvPr id="3" name="Notes Placeholder 2"/>
+          <p:cNvSpPr>
+            <a:spLocks noGrp="1"/>
+          </p:cNvSpPr>
+          <p:nvPr>
+            <p:ph type="body" idx="1"/>
+          </p:nvPr>
+        </p:nvSpPr>
+        <p:spPr/>
+        <p:txBody>
+          <a:bodyPr/>
+          <a:lstStyle/>
+          <a:p>
+            <a:pPr marL="0" marR="0" indent="0" algn="l" defTabSz="914400" rtl="0" eaLnBrk="1" fontAlgn="auto" latinLnBrk="0" hangingPunct="1">
+              <a:lnSpc>
+                <a:spcPct val="100000"/>
+              </a:lnSpc>
+              <a:spcBef>
+                <a:spcPts val="0"/>
+              </a:spcBef>
+              <a:spcAft>
+                <a:spcPts val="0"/>
+              </a:spcAft>
+              <a:buClrTx/>
+              <a:buSzTx/>
+              <a:buFontTx/>
+              <a:buNone/>
+              <a:tabLst/>
+              <a:defRPr/>
+            </a:pPr>
+            <a:r>
+              <a:rPr lang="en-US" sz="1200">
+                <a:solidFill>
+                  <a:prstClr val="black"/>
+                </a:solidFill>
+              </a:rPr>
+              <a:t>© Copyright Showeet.com – Free PowerPoint Templates</a:t>
+            </a:r>
+            <a:endParaRPr lang="en-US" sz="1200" dirty="0">
+              <a:solidFill>
+                <a:prstClr val="black"/>
+              </a:solidFill>
+            </a:endParaRPr>
+          </a:p>
+        </p:txBody>
+      </p:sp>
+      <p:sp>
+        <p:nvSpPr>
+          <p:cNvPr id="4" name="Slide Number Placeholder 3"/>
+          <p:cNvSpPr>
+            <a:spLocks noGrp="1"/>
+          </p:cNvSpPr>
+          <p:nvPr>
+            <p:ph type="sldNum" sz="quarter" idx="10"/>
+          </p:nvPr>
+        </p:nvSpPr>
+        <p:spPr/>
+        <p:txBody>
+          <a:bodyPr/>
+          <a:lstStyle/>
+          <a:p>
+            <a:fld id="{1492863F-2181-40AA-9D10-26C0A01C7A52}" type="slidenum">
+              <a:rPr lang="en-US" smtClean="0"/>
+              <a:t>3</a:t>
+            </a:fld>
+            <a:endParaRPr lang="en-US"/>
+          </a:p>
+        </p:txBody>
+      </p:sp>
+    </p:spTree>
+    <p:extLst>
+      <p:ext uri="{BB962C8B-B14F-4D97-AF65-F5344CB8AC3E}">
+        <p14:creationId xmlns:p14="http://schemas.microsoft.com/office/powerpoint/2010/main" val="1500671134"/>
+      </p:ext>
+    </p:extLst>
+  </p:cSld>
+  <p:clrMapOvr>
+    <a:masterClrMapping/>
+  </p:clrMapOvr>
+</p:notes>
+</file>
+
 <file path=ppt/slideLayouts/slideLayout1.xml><?xml version="1.0" encoding="utf-8"?>
 <p:sldLayout xmlns:a="http://schemas.openxmlformats.org/drawingml/2006/main" xmlns:r="http://schemas.openxmlformats.org/officeDocument/2006/relationships" xmlns:p="http://schemas.openxmlformats.org/presentationml/2006/main" type="title" preserve="1">
   <p:cSld name="Титульный слайд">
@@ -721,7 +835,7 @@
           <a:p>
             <a:fld id="{446B8952-0178-45A7-83AF-F001A43CB726}" type="datetimeFigureOut">
               <a:rPr lang="ru-RU" smtClean="0"/>
-              <a:t>12.06.2017</a:t>
+              <a:t>14.06.2017</a:t>
             </a:fld>
             <a:endParaRPr lang="ru-RU"/>
           </a:p>
@@ -891,7 +1005,7 @@
           <a:p>
             <a:fld id="{446B8952-0178-45A7-83AF-F001A43CB726}" type="datetimeFigureOut">
               <a:rPr lang="ru-RU" smtClean="0"/>
-              <a:t>12.06.2017</a:t>
+              <a:t>14.06.2017</a:t>
             </a:fld>
             <a:endParaRPr lang="ru-RU"/>
           </a:p>
@@ -1071,7 +1185,7 @@
           <a:p>
             <a:fld id="{446B8952-0178-45A7-83AF-F001A43CB726}" type="datetimeFigureOut">
               <a:rPr lang="ru-RU" smtClean="0"/>
-              <a:t>12.06.2017</a:t>
+              <a:t>14.06.2017</a:t>
             </a:fld>
             <a:endParaRPr lang="ru-RU"/>
           </a:p>
@@ -1704,7 +1818,7 @@
           <a:p>
             <a:fld id="{446B8952-0178-45A7-83AF-F001A43CB726}" type="datetimeFigureOut">
               <a:rPr lang="ru-RU" smtClean="0"/>
-              <a:t>12.06.2017</a:t>
+              <a:t>14.06.2017</a:t>
             </a:fld>
             <a:endParaRPr lang="ru-RU"/>
           </a:p>
@@ -1950,7 +2064,7 @@
           <a:p>
             <a:fld id="{446B8952-0178-45A7-83AF-F001A43CB726}" type="datetimeFigureOut">
               <a:rPr lang="ru-RU" smtClean="0"/>
-              <a:t>12.06.2017</a:t>
+              <a:t>14.06.2017</a:t>
             </a:fld>
             <a:endParaRPr lang="ru-RU"/>
           </a:p>
@@ -2182,7 +2296,7 @@
           <a:p>
             <a:fld id="{446B8952-0178-45A7-83AF-F001A43CB726}" type="datetimeFigureOut">
               <a:rPr lang="ru-RU" smtClean="0"/>
-              <a:t>12.06.2017</a:t>
+              <a:t>14.06.2017</a:t>
             </a:fld>
             <a:endParaRPr lang="ru-RU"/>
           </a:p>
@@ -2549,7 +2663,7 @@
           <a:p>
             <a:fld id="{446B8952-0178-45A7-83AF-F001A43CB726}" type="datetimeFigureOut">
               <a:rPr lang="ru-RU" smtClean="0"/>
-              <a:t>12.06.2017</a:t>
+              <a:t>14.06.2017</a:t>
             </a:fld>
             <a:endParaRPr lang="ru-RU"/>
           </a:p>
@@ -2667,7 +2781,7 @@
           <a:p>
             <a:fld id="{446B8952-0178-45A7-83AF-F001A43CB726}" type="datetimeFigureOut">
               <a:rPr lang="ru-RU" smtClean="0"/>
-              <a:t>12.06.2017</a:t>
+              <a:t>14.06.2017</a:t>
             </a:fld>
             <a:endParaRPr lang="ru-RU"/>
           </a:p>
@@ -2762,7 +2876,7 @@
           <a:p>
             <a:fld id="{446B8952-0178-45A7-83AF-F001A43CB726}" type="datetimeFigureOut">
               <a:rPr lang="ru-RU" smtClean="0"/>
-              <a:t>12.06.2017</a:t>
+              <a:t>14.06.2017</a:t>
             </a:fld>
             <a:endParaRPr lang="ru-RU"/>
           </a:p>
@@ -3039,7 +3153,7 @@
           <a:p>
             <a:fld id="{446B8952-0178-45A7-83AF-F001A43CB726}" type="datetimeFigureOut">
               <a:rPr lang="ru-RU" smtClean="0"/>
-              <a:t>12.06.2017</a:t>
+              <a:t>14.06.2017</a:t>
             </a:fld>
             <a:endParaRPr lang="ru-RU"/>
           </a:p>
@@ -3292,7 +3406,7 @@
           <a:p>
             <a:fld id="{446B8952-0178-45A7-83AF-F001A43CB726}" type="datetimeFigureOut">
               <a:rPr lang="ru-RU" smtClean="0"/>
-              <a:t>12.06.2017</a:t>
+              <a:t>14.06.2017</a:t>
             </a:fld>
             <a:endParaRPr lang="ru-RU"/>
           </a:p>
@@ -3505,7 +3619,7 @@
           <a:p>
             <a:fld id="{446B8952-0178-45A7-83AF-F001A43CB726}" type="datetimeFigureOut">
               <a:rPr lang="ru-RU" smtClean="0"/>
-              <a:t>12.06.2017</a:t>
+              <a:t>14.06.2017</a:t>
             </a:fld>
             <a:endParaRPr lang="ru-RU"/>
           </a:p>
@@ -3965,7 +4079,7 @@
         </p:nvSpPr>
         <p:spPr>
           <a:xfrm>
-            <a:off x="1066800" y="1760547"/>
+            <a:off x="1066800" y="1534916"/>
             <a:ext cx="10058400" cy="1143000"/>
           </a:xfrm>
         </p:spPr>
@@ -3997,7 +4111,7 @@
         </p:nvSpPr>
         <p:spPr>
           <a:xfrm>
-            <a:off x="1066800" y="3609474"/>
+            <a:off x="1066800" y="3152270"/>
             <a:ext cx="10058400" cy="830997"/>
           </a:xfrm>
           <a:prstGeom prst="rect">
@@ -4035,7 +4149,7 @@
         </p:nvSpPr>
         <p:spPr>
           <a:xfrm>
-            <a:off x="2061411" y="4961732"/>
+            <a:off x="2061411" y="4546096"/>
             <a:ext cx="4034589" cy="1631216"/>
           </a:xfrm>
           <a:prstGeom prst="rect">
@@ -4089,7 +4203,7 @@
         </p:nvSpPr>
         <p:spPr>
           <a:xfrm>
-            <a:off x="7700210" y="4961732"/>
+            <a:off x="7700211" y="4546096"/>
             <a:ext cx="3424989" cy="1631216"/>
           </a:xfrm>
           <a:prstGeom prst="rect">
@@ -4169,47 +4283,9 @@
           <a:chExt cx="0" cy="0"/>
         </a:xfrm>
       </p:grpSpPr>
-      <p:sp>
-        <p:nvSpPr>
-          <p:cNvPr id="9" name="Title 1"/>
-          <p:cNvSpPr>
-            <a:spLocks noGrp="1"/>
-          </p:cNvSpPr>
-          <p:nvPr>
-            <p:ph type="title"/>
-          </p:nvPr>
-        </p:nvSpPr>
-        <p:spPr>
-          <a:xfrm>
-            <a:off x="838200" y="244371"/>
-            <a:ext cx="10515600" cy="874233"/>
-          </a:xfrm>
-        </p:spPr>
-        <p:txBody>
-          <a:bodyPr>
-            <a:normAutofit/>
-          </a:bodyPr>
-          <a:lstStyle/>
-          <a:p>
-            <a:r>
-              <a:rPr lang="ru-RU" dirty="0" smtClean="0">
-                <a:solidFill>
-                  <a:schemeClr val="tx1"/>
-                </a:solidFill>
-              </a:rPr>
-              <a:t>Действия редактора тестов</a:t>
-            </a:r>
-            <a:endParaRPr lang="en-US" dirty="0">
-              <a:solidFill>
-                <a:schemeClr val="tx1"/>
-              </a:solidFill>
-            </a:endParaRPr>
-          </a:p>
-        </p:txBody>
-      </p:sp>
       <p:pic>
         <p:nvPicPr>
-          <p:cNvPr id="11" name="Рисунок 10"/>
+          <p:cNvPr id="2" name="Рисунок 1"/>
           <p:cNvPicPr>
             <a:picLocks noChangeAspect="1"/>
           </p:cNvPicPr>
@@ -4223,18 +4299,56 @@
         </p:blipFill>
         <p:spPr>
           <a:xfrm>
-            <a:off x="1321122" y="1118604"/>
-            <a:ext cx="9549755" cy="5458658"/>
+            <a:off x="840973" y="1556084"/>
+            <a:ext cx="10517676" cy="4716379"/>
           </a:xfrm>
           <a:prstGeom prst="rect">
             <a:avLst/>
           </a:prstGeom>
         </p:spPr>
       </p:pic>
+      <p:sp>
+        <p:nvSpPr>
+          <p:cNvPr id="7" name="Title 1"/>
+          <p:cNvSpPr>
+            <a:spLocks noGrp="1"/>
+          </p:cNvSpPr>
+          <p:nvPr>
+            <p:ph type="title"/>
+          </p:nvPr>
+        </p:nvSpPr>
+        <p:spPr>
+          <a:xfrm>
+            <a:off x="838200" y="244371"/>
+            <a:ext cx="10515600" cy="874233"/>
+          </a:xfrm>
+        </p:spPr>
+        <p:txBody>
+          <a:bodyPr>
+            <a:normAutofit/>
+          </a:bodyPr>
+          <a:lstStyle/>
+          <a:p>
+            <a:r>
+              <a:rPr lang="ru-RU" dirty="0" smtClean="0">
+                <a:solidFill>
+                  <a:schemeClr val="tx1"/>
+                </a:solidFill>
+              </a:rPr>
+              <a:t>Действия студента</a:t>
+            </a:r>
+            <a:endParaRPr lang="en-US" dirty="0">
+              <a:solidFill>
+                <a:schemeClr val="tx1"/>
+              </a:solidFill>
+            </a:endParaRPr>
+          </a:p>
+        </p:txBody>
+      </p:sp>
     </p:spTree>
     <p:extLst>
       <p:ext uri="{BB962C8B-B14F-4D97-AF65-F5344CB8AC3E}">
-        <p14:creationId xmlns:p14="http://schemas.microsoft.com/office/powerpoint/2010/main" val="206478856"/>
+        <p14:creationId xmlns:p14="http://schemas.microsoft.com/office/powerpoint/2010/main" val="2812220580"/>
       </p:ext>
     </p:extLst>
   </p:cSld>
@@ -4270,70 +4384,231 @@
       </p:grpSpPr>
       <p:pic>
         <p:nvPicPr>
-          <p:cNvPr id="2" name="Рисунок 1"/>
+          <p:cNvPr id="15" name="Picture 8" descr="Картинки по запросу WEB"/>
+          <p:cNvPicPr>
+            <a:picLocks noChangeAspect="1" noChangeArrowheads="1"/>
+          </p:cNvPicPr>
+          <p:nvPr/>
+        </p:nvPicPr>
+        <p:blipFill>
+          <a:blip r:embed="rId2">
+            <a:extLst>
+              <a:ext uri="{28A0092B-C50C-407E-A947-70E740481C1C}">
+                <a14:useLocalDpi xmlns:a14="http://schemas.microsoft.com/office/drawing/2010/main" val="0"/>
+              </a:ext>
+            </a:extLst>
+          </a:blip>
+          <a:srcRect/>
+          <a:stretch>
+            <a:fillRect/>
+          </a:stretch>
+        </p:blipFill>
+        <p:spPr bwMode="auto">
+          <a:xfrm>
+            <a:off x="838200" y="2798659"/>
+            <a:ext cx="3790783" cy="2511395"/>
+          </a:xfrm>
+          <a:prstGeom prst="rect">
+            <a:avLst/>
+          </a:prstGeom>
+          <a:noFill/>
+          <a:extLst>
+            <a:ext uri="{909E8E84-426E-40DD-AFC4-6F175D3DCCD1}">
+              <a14:hiddenFill xmlns:a14="http://schemas.microsoft.com/office/drawing/2010/main">
+                <a:solidFill>
+                  <a:srgbClr val="FFFFFF"/>
+                </a:solidFill>
+              </a14:hiddenFill>
+            </a:ext>
+          </a:extLst>
+        </p:spPr>
+      </p:pic>
+      <p:pic>
+        <p:nvPicPr>
+          <p:cNvPr id="17" name="Picture 14" descr="Картинки по запросу vs"/>
+          <p:cNvPicPr>
+            <a:picLocks noChangeAspect="1" noChangeArrowheads="1"/>
+          </p:cNvPicPr>
+          <p:nvPr/>
+        </p:nvPicPr>
+        <p:blipFill>
+          <a:blip r:embed="rId3" cstate="print">
+            <a:extLst>
+              <a:ext uri="{28A0092B-C50C-407E-A947-70E740481C1C}">
+                <a14:useLocalDpi xmlns:a14="http://schemas.microsoft.com/office/drawing/2010/main" val="0"/>
+              </a:ext>
+            </a:extLst>
+          </a:blip>
+          <a:srcRect/>
+          <a:stretch>
+            <a:fillRect/>
+          </a:stretch>
+        </p:blipFill>
+        <p:spPr bwMode="auto">
+          <a:xfrm>
+            <a:off x="5104830" y="3453959"/>
+            <a:ext cx="1697023" cy="899457"/>
+          </a:xfrm>
+          <a:prstGeom prst="rect">
+            <a:avLst/>
+          </a:prstGeom>
+          <a:noFill/>
+          <a:extLst>
+            <a:ext uri="{909E8E84-426E-40DD-AFC4-6F175D3DCCD1}">
+              <a14:hiddenFill xmlns:a14="http://schemas.microsoft.com/office/drawing/2010/main">
+                <a:solidFill>
+                  <a:srgbClr val="FFFFFF"/>
+                </a:solidFill>
+              </a14:hiddenFill>
+            </a:ext>
+          </a:extLst>
+        </p:spPr>
+      </p:pic>
+      <p:sp>
+        <p:nvSpPr>
+          <p:cNvPr id="18" name="Title 1"/>
+          <p:cNvSpPr txBox="1">
+            <a:spLocks/>
+          </p:cNvSpPr>
+          <p:nvPr/>
+        </p:nvSpPr>
+        <p:spPr>
+          <a:xfrm>
+            <a:off x="838200" y="244371"/>
+            <a:ext cx="10515600" cy="874233"/>
+          </a:xfrm>
+          <a:prstGeom prst="rect">
+            <a:avLst/>
+          </a:prstGeom>
+        </p:spPr>
+        <p:txBody>
+          <a:bodyPr vert="horz" lIns="91440" tIns="45720" rIns="91440" bIns="45720" rtlCol="0" anchor="ctr">
+            <a:normAutofit/>
+          </a:bodyPr>
+          <a:lstStyle>
+            <a:lvl1pPr algn="l" defTabSz="914400" rtl="0" eaLnBrk="1" latinLnBrk="0" hangingPunct="1">
+              <a:lnSpc>
+                <a:spcPct val="90000"/>
+              </a:lnSpc>
+              <a:spcBef>
+                <a:spcPct val="0"/>
+              </a:spcBef>
+              <a:buNone/>
+              <a:defRPr sz="4400" kern="1200">
+                <a:solidFill>
+                  <a:schemeClr val="tx1"/>
+                </a:solidFill>
+                <a:latin typeface="+mj-lt"/>
+                <a:ea typeface="+mj-ea"/>
+                <a:cs typeface="+mj-cs"/>
+              </a:defRPr>
+            </a:lvl1pPr>
+          </a:lstStyle>
+          <a:p>
+            <a:r>
+              <a:rPr lang="ru-RU" dirty="0" smtClean="0"/>
+              <a:t>Выбор целевой среды</a:t>
+            </a:r>
+            <a:endParaRPr lang="en-US" dirty="0"/>
+          </a:p>
+        </p:txBody>
+      </p:sp>
+      <p:sp>
+        <p:nvSpPr>
+          <p:cNvPr id="4" name="TextBox 3"/>
+          <p:cNvSpPr txBox="1"/>
+          <p:nvPr/>
+        </p:nvSpPr>
+        <p:spPr>
+          <a:xfrm>
+            <a:off x="1851779" y="1616069"/>
+            <a:ext cx="1763624" cy="923330"/>
+          </a:xfrm>
+          <a:prstGeom prst="rect">
+            <a:avLst/>
+          </a:prstGeom>
+          <a:noFill/>
+        </p:spPr>
+        <p:txBody>
+          <a:bodyPr wrap="none" rtlCol="0">
+            <a:spAutoFit/>
+          </a:bodyPr>
+          <a:lstStyle/>
+          <a:p>
+            <a:r>
+              <a:rPr lang="en-US" sz="5400" dirty="0">
+                <a:latin typeface="Bitter" panose="00000500000000000000" pitchFamily="2" charset="-52"/>
+              </a:rPr>
+              <a:t>WEB</a:t>
+            </a:r>
+            <a:endParaRPr lang="en-GB" sz="5400" dirty="0">
+              <a:latin typeface="Bitter" panose="00000500000000000000" pitchFamily="2" charset="-52"/>
+            </a:endParaRPr>
+          </a:p>
+        </p:txBody>
+      </p:sp>
+      <p:sp>
+        <p:nvSpPr>
+          <p:cNvPr id="19" name="TextBox 18"/>
+          <p:cNvSpPr txBox="1"/>
+          <p:nvPr/>
+        </p:nvSpPr>
+        <p:spPr>
+          <a:xfrm>
+            <a:off x="7233043" y="1616069"/>
+            <a:ext cx="3829895" cy="923330"/>
+          </a:xfrm>
+          <a:prstGeom prst="rect">
+            <a:avLst/>
+          </a:prstGeom>
+          <a:noFill/>
+        </p:spPr>
+        <p:txBody>
+          <a:bodyPr wrap="none" rtlCol="0">
+            <a:spAutoFit/>
+          </a:bodyPr>
+          <a:lstStyle/>
+          <a:p>
+            <a:r>
+              <a:rPr lang="en-US" sz="5400" dirty="0" smtClean="0">
+                <a:latin typeface="Bitter" panose="00000500000000000000" pitchFamily="2" charset="-52"/>
+              </a:rPr>
+              <a:t>WINDOWS</a:t>
+            </a:r>
+            <a:endParaRPr lang="en-GB" sz="5400" dirty="0">
+              <a:latin typeface="Bitter" panose="00000500000000000000" pitchFamily="2" charset="-52"/>
+            </a:endParaRPr>
+          </a:p>
+        </p:txBody>
+      </p:sp>
+      <p:pic>
+        <p:nvPicPr>
+          <p:cNvPr id="5" name="Рисунок 4"/>
           <p:cNvPicPr>
             <a:picLocks noChangeAspect="1"/>
           </p:cNvPicPr>
           <p:nvPr/>
         </p:nvPicPr>
         <p:blipFill>
-          <a:blip r:embed="rId2"/>
+          <a:blip r:embed="rId4"/>
           <a:stretch>
             <a:fillRect/>
           </a:stretch>
         </p:blipFill>
         <p:spPr>
           <a:xfrm>
-            <a:off x="840973" y="1556084"/>
-            <a:ext cx="10517676" cy="4716379"/>
+            <a:off x="7862977" y="2798658"/>
+            <a:ext cx="2570026" cy="2511395"/>
           </a:xfrm>
           <a:prstGeom prst="rect">
             <a:avLst/>
           </a:prstGeom>
         </p:spPr>
       </p:pic>
-      <p:sp>
-        <p:nvSpPr>
-          <p:cNvPr id="7" name="Title 1"/>
-          <p:cNvSpPr>
-            <a:spLocks noGrp="1"/>
-          </p:cNvSpPr>
-          <p:nvPr>
-            <p:ph type="title"/>
-          </p:nvPr>
-        </p:nvSpPr>
-        <p:spPr>
-          <a:xfrm>
-            <a:off x="838200" y="244371"/>
-            <a:ext cx="10515600" cy="874233"/>
-          </a:xfrm>
-        </p:spPr>
-        <p:txBody>
-          <a:bodyPr>
-            <a:normAutofit/>
-          </a:bodyPr>
-          <a:lstStyle/>
-          <a:p>
-            <a:r>
-              <a:rPr lang="ru-RU" dirty="0" smtClean="0">
-                <a:solidFill>
-                  <a:schemeClr val="tx1"/>
-                </a:solidFill>
-              </a:rPr>
-              <a:t>Действия студента</a:t>
-            </a:r>
-            <a:endParaRPr lang="en-US" dirty="0">
-              <a:solidFill>
-                <a:schemeClr val="tx1"/>
-              </a:solidFill>
-            </a:endParaRPr>
-          </a:p>
-        </p:txBody>
-      </p:sp>
     </p:spTree>
     <p:extLst>
       <p:ext uri="{BB962C8B-B14F-4D97-AF65-F5344CB8AC3E}">
-        <p14:creationId xmlns:p14="http://schemas.microsoft.com/office/powerpoint/2010/main" val="2812220580"/>
+        <p14:creationId xmlns:p14="http://schemas.microsoft.com/office/powerpoint/2010/main" val="2452121757"/>
       </p:ext>
     </p:extLst>
   </p:cSld>
@@ -4367,9 +4642,50 @@
           <a:chExt cx="0" cy="0"/>
         </a:xfrm>
       </p:grpSpPr>
-      <p:sp>
-        <p:nvSpPr>
-          <p:cNvPr id="7" name="Title 1"/>
+      <p:pic>
+        <p:nvPicPr>
+          <p:cNvPr id="2074" name="Picture 26" descr="Картинки по запросу vuejs"/>
+          <p:cNvPicPr>
+            <a:picLocks noChangeAspect="1" noChangeArrowheads="1"/>
+          </p:cNvPicPr>
+          <p:nvPr/>
+        </p:nvPicPr>
+        <p:blipFill>
+          <a:blip r:embed="rId2" cstate="print">
+            <a:extLst>
+              <a:ext uri="{28A0092B-C50C-407E-A947-70E740481C1C}">
+                <a14:useLocalDpi xmlns:a14="http://schemas.microsoft.com/office/drawing/2010/main" val="0"/>
+              </a:ext>
+            </a:extLst>
+          </a:blip>
+          <a:srcRect/>
+          <a:stretch>
+            <a:fillRect/>
+          </a:stretch>
+        </p:blipFill>
+        <p:spPr bwMode="auto">
+          <a:xfrm>
+            <a:off x="8637456" y="4687369"/>
+            <a:ext cx="2380916" cy="1455004"/>
+          </a:xfrm>
+          <a:prstGeom prst="rect">
+            <a:avLst/>
+          </a:prstGeom>
+          <a:noFill/>
+          <a:extLst>
+            <a:ext uri="{909E8E84-426E-40DD-AFC4-6F175D3DCCD1}">
+              <a14:hiddenFill xmlns:a14="http://schemas.microsoft.com/office/drawing/2010/main">
+                <a:solidFill>
+                  <a:srgbClr val="FFFFFF"/>
+                </a:solidFill>
+              </a14:hiddenFill>
+            </a:ext>
+          </a:extLst>
+        </p:spPr>
+      </p:pic>
+      <p:sp>
+        <p:nvSpPr>
+          <p:cNvPr id="5" name="Title 1"/>
           <p:cNvSpPr>
             <a:spLocks noGrp="1"/>
           </p:cNvSpPr>
@@ -4395,7 +4711,7 @@
                   <a:schemeClr val="tx1"/>
                 </a:solidFill>
               </a:rPr>
-              <a:t>Тестирование</a:t>
+              <a:t>Выбор инструментов и технологий</a:t>
             </a:r>
             <a:endParaRPr lang="en-US" dirty="0">
               <a:solidFill>
@@ -4405,40 +4721,384 @@
           </a:p>
         </p:txBody>
       </p:sp>
-      <p:sp>
-        <p:nvSpPr>
-          <p:cNvPr id="2" name="TextBox 1"/>
-          <p:cNvSpPr txBox="1"/>
+      <p:pic>
+        <p:nvPicPr>
+          <p:cNvPr id="2052" name="Picture 4" descr="Картинки по запросу MySQL"/>
+          <p:cNvPicPr>
+            <a:picLocks noChangeAspect="1" noChangeArrowheads="1"/>
+          </p:cNvPicPr>
           <p:nvPr/>
-        </p:nvSpPr>
-        <p:spPr>
-          <a:xfrm>
-            <a:off x="980661" y="2372139"/>
-            <a:ext cx="2107821" cy="369332"/>
+        </p:nvPicPr>
+        <p:blipFill>
+          <a:blip r:embed="rId3" cstate="print">
+            <a:extLst>
+              <a:ext uri="{28A0092B-C50C-407E-A947-70E740481C1C}">
+                <a14:useLocalDpi xmlns:a14="http://schemas.microsoft.com/office/drawing/2010/main" val="0"/>
+              </a:ext>
+            </a:extLst>
+          </a:blip>
+          <a:srcRect/>
+          <a:stretch>
+            <a:fillRect/>
+          </a:stretch>
+        </p:blipFill>
+        <p:spPr bwMode="auto">
+          <a:xfrm>
+            <a:off x="6057479" y="1057584"/>
+            <a:ext cx="2601248" cy="1346146"/>
           </a:xfrm>
           <a:prstGeom prst="rect">
             <a:avLst/>
           </a:prstGeom>
           <a:noFill/>
-        </p:spPr>
-        <p:txBody>
-          <a:bodyPr wrap="none" rtlCol="0">
+          <a:extLst>
+            <a:ext uri="{909E8E84-426E-40DD-AFC4-6F175D3DCCD1}">
+              <a14:hiddenFill xmlns:a14="http://schemas.microsoft.com/office/drawing/2010/main">
+                <a:solidFill>
+                  <a:srgbClr val="FFFFFF"/>
+                </a:solidFill>
+              </a14:hiddenFill>
+            </a:ext>
+          </a:extLst>
+        </p:spPr>
+      </p:pic>
+      <p:sp>
+        <p:nvSpPr>
+          <p:cNvPr id="3" name="TextBox 2"/>
+          <p:cNvSpPr txBox="1"/>
+          <p:nvPr/>
+        </p:nvSpPr>
+        <p:spPr>
+          <a:xfrm>
+            <a:off x="4087924" y="1541420"/>
+            <a:ext cx="1575405" cy="923330"/>
+          </a:xfrm>
+          <a:prstGeom prst="rect">
+            <a:avLst/>
+          </a:prstGeom>
+          <a:noFill/>
+        </p:spPr>
+        <p:txBody>
+          <a:bodyPr wrap="square" rtlCol="0">
             <a:spAutoFit/>
           </a:bodyPr>
           <a:lstStyle/>
           <a:p>
-            <a:r>
-              <a:rPr lang="ru-RU" dirty="0" smtClean="0"/>
-              <a:t>Виды тестирования</a:t>
-            </a:r>
-            <a:endParaRPr lang="ru-RU" dirty="0"/>
-          </a:p>
-        </p:txBody>
-      </p:sp>
+            <a:pPr algn="r"/>
+            <a:r>
+              <a:rPr lang="ru-RU" sz="5400" dirty="0" smtClean="0"/>
+              <a:t>БД:</a:t>
+            </a:r>
+            <a:endParaRPr lang="en-GB" sz="4400" dirty="0"/>
+          </a:p>
+        </p:txBody>
+      </p:sp>
+      <p:sp>
+        <p:nvSpPr>
+          <p:cNvPr id="8" name="TextBox 7"/>
+          <p:cNvSpPr txBox="1"/>
+          <p:nvPr/>
+        </p:nvSpPr>
+        <p:spPr>
+          <a:xfrm>
+            <a:off x="765175" y="3126983"/>
+            <a:ext cx="4825130" cy="830997"/>
+          </a:xfrm>
+          <a:prstGeom prst="rect">
+            <a:avLst/>
+          </a:prstGeom>
+          <a:noFill/>
+        </p:spPr>
+        <p:txBody>
+          <a:bodyPr wrap="square" rtlCol="0">
+            <a:spAutoFit/>
+          </a:bodyPr>
+          <a:lstStyle/>
+          <a:p>
+            <a:pPr algn="r"/>
+            <a:r>
+              <a:rPr lang="ru-RU" sz="4800" dirty="0" smtClean="0"/>
+              <a:t>Серверная часть:</a:t>
+            </a:r>
+            <a:endParaRPr lang="en-GB" sz="4000" dirty="0"/>
+          </a:p>
+        </p:txBody>
+      </p:sp>
+      <p:pic>
+        <p:nvPicPr>
+          <p:cNvPr id="2054" name="Picture 6" descr="Картинки по запросу PHP"/>
+          <p:cNvPicPr>
+            <a:picLocks noChangeAspect="1" noChangeArrowheads="1"/>
+          </p:cNvPicPr>
+          <p:nvPr/>
+        </p:nvPicPr>
+        <p:blipFill>
+          <a:blip r:embed="rId4" cstate="print">
+            <a:extLst>
+              <a:ext uri="{28A0092B-C50C-407E-A947-70E740481C1C}">
+                <a14:useLocalDpi xmlns:a14="http://schemas.microsoft.com/office/drawing/2010/main" val="0"/>
+              </a:ext>
+            </a:extLst>
+          </a:blip>
+          <a:srcRect/>
+          <a:stretch>
+            <a:fillRect/>
+          </a:stretch>
+        </p:blipFill>
+        <p:spPr bwMode="auto">
+          <a:xfrm>
+            <a:off x="5942581" y="2834582"/>
+            <a:ext cx="2443607" cy="1319548"/>
+          </a:xfrm>
+          <a:prstGeom prst="rect">
+            <a:avLst/>
+          </a:prstGeom>
+          <a:noFill/>
+          <a:extLst>
+            <a:ext uri="{909E8E84-426E-40DD-AFC4-6F175D3DCCD1}">
+              <a14:hiddenFill xmlns:a14="http://schemas.microsoft.com/office/drawing/2010/main">
+                <a:solidFill>
+                  <a:srgbClr val="FFFFFF"/>
+                </a:solidFill>
+              </a14:hiddenFill>
+            </a:ext>
+          </a:extLst>
+        </p:spPr>
+      </p:pic>
+      <p:pic>
+        <p:nvPicPr>
+          <p:cNvPr id="2056" name="Picture 8" descr="Картинки по запросу laravel"/>
+          <p:cNvPicPr>
+            <a:picLocks noChangeAspect="1" noChangeArrowheads="1"/>
+          </p:cNvPicPr>
+          <p:nvPr/>
+        </p:nvPicPr>
+        <p:blipFill>
+          <a:blip r:embed="rId5">
+            <a:extLst>
+              <a:ext uri="{28A0092B-C50C-407E-A947-70E740481C1C}">
+                <a14:useLocalDpi xmlns:a14="http://schemas.microsoft.com/office/drawing/2010/main" val="0"/>
+              </a:ext>
+            </a:extLst>
+          </a:blip>
+          <a:srcRect/>
+          <a:stretch>
+            <a:fillRect/>
+          </a:stretch>
+        </p:blipFill>
+        <p:spPr bwMode="auto">
+          <a:xfrm>
+            <a:off x="8759067" y="2304329"/>
+            <a:ext cx="2107250" cy="2107250"/>
+          </a:xfrm>
+          <a:prstGeom prst="rect">
+            <a:avLst/>
+          </a:prstGeom>
+          <a:noFill/>
+          <a:extLst>
+            <a:ext uri="{909E8E84-426E-40DD-AFC4-6F175D3DCCD1}">
+              <a14:hiddenFill xmlns:a14="http://schemas.microsoft.com/office/drawing/2010/main">
+                <a:solidFill>
+                  <a:srgbClr val="FFFFFF"/>
+                </a:solidFill>
+              </a14:hiddenFill>
+            </a:ext>
+          </a:extLst>
+        </p:spPr>
+      </p:pic>
+      <p:sp>
+        <p:nvSpPr>
+          <p:cNvPr id="11" name="TextBox 10"/>
+          <p:cNvSpPr txBox="1"/>
+          <p:nvPr/>
+        </p:nvSpPr>
+        <p:spPr>
+          <a:xfrm>
+            <a:off x="765175" y="4892886"/>
+            <a:ext cx="4825130" cy="830997"/>
+          </a:xfrm>
+          <a:prstGeom prst="rect">
+            <a:avLst/>
+          </a:prstGeom>
+          <a:noFill/>
+        </p:spPr>
+        <p:txBody>
+          <a:bodyPr wrap="square" rtlCol="0">
+            <a:spAutoFit/>
+          </a:bodyPr>
+          <a:lstStyle/>
+          <a:p>
+            <a:pPr algn="r"/>
+            <a:r>
+              <a:rPr lang="ru-RU" sz="4800" dirty="0" smtClean="0"/>
+              <a:t>Клиентская часть:</a:t>
+            </a:r>
+            <a:endParaRPr lang="en-GB" sz="4000" dirty="0"/>
+          </a:p>
+        </p:txBody>
+      </p:sp>
+      <p:sp>
+        <p:nvSpPr>
+          <p:cNvPr id="4" name="AutoShape 10" descr="Картинки по запросу html css js"/>
+          <p:cNvSpPr>
+            <a:spLocks noChangeAspect="1" noChangeArrowheads="1"/>
+          </p:cNvSpPr>
+          <p:nvPr/>
+        </p:nvSpPr>
+        <p:spPr bwMode="auto">
+          <a:xfrm>
+            <a:off x="155575" y="-144463"/>
+            <a:ext cx="304800" cy="304801"/>
+          </a:xfrm>
+          <a:prstGeom prst="rect">
+            <a:avLst/>
+          </a:prstGeom>
+          <a:noFill/>
+          <a:extLst>
+            <a:ext uri="{909E8E84-426E-40DD-AFC4-6F175D3DCCD1}">
+              <a14:hiddenFill xmlns:a14="http://schemas.microsoft.com/office/drawing/2010/main">
+                <a:solidFill>
+                  <a:srgbClr val="FFFFFF"/>
+                </a:solidFill>
+              </a14:hiddenFill>
+            </a:ext>
+          </a:extLst>
+        </p:spPr>
+        <p:txBody>
+          <a:bodyPr vert="horz" wrap="square" lIns="91440" tIns="45720" rIns="91440" bIns="45720" numCol="1" anchor="t" anchorCtr="0" compatLnSpc="1">
+            <a:prstTxWarp prst="textNoShape">
+              <a:avLst/>
+            </a:prstTxWarp>
+          </a:bodyPr>
+          <a:lstStyle/>
+          <a:p>
+            <a:endParaRPr lang="en-GB"/>
+          </a:p>
+        </p:txBody>
+      </p:sp>
+      <p:sp>
+        <p:nvSpPr>
+          <p:cNvPr id="9" name="AutoShape 16" descr="Картинки по запросу html css js"/>
+          <p:cNvSpPr>
+            <a:spLocks noChangeAspect="1" noChangeArrowheads="1"/>
+          </p:cNvSpPr>
+          <p:nvPr/>
+        </p:nvSpPr>
+        <p:spPr bwMode="auto">
+          <a:xfrm>
+            <a:off x="307975" y="7937"/>
+            <a:ext cx="304800" cy="304801"/>
+          </a:xfrm>
+          <a:prstGeom prst="rect">
+            <a:avLst/>
+          </a:prstGeom>
+          <a:noFill/>
+          <a:extLst>
+            <a:ext uri="{909E8E84-426E-40DD-AFC4-6F175D3DCCD1}">
+              <a14:hiddenFill xmlns:a14="http://schemas.microsoft.com/office/drawing/2010/main">
+                <a:solidFill>
+                  <a:srgbClr val="FFFFFF"/>
+                </a:solidFill>
+              </a14:hiddenFill>
+            </a:ext>
+          </a:extLst>
+        </p:spPr>
+        <p:txBody>
+          <a:bodyPr vert="horz" wrap="square" lIns="91440" tIns="45720" rIns="91440" bIns="45720" numCol="1" anchor="t" anchorCtr="0" compatLnSpc="1">
+            <a:prstTxWarp prst="textNoShape">
+              <a:avLst/>
+            </a:prstTxWarp>
+          </a:bodyPr>
+          <a:lstStyle/>
+          <a:p>
+            <a:endParaRPr lang="en-GB"/>
+          </a:p>
+        </p:txBody>
+      </p:sp>
+      <p:sp>
+        <p:nvSpPr>
+          <p:cNvPr id="10" name="AutoShape 18" descr="Картинки по запросу html css js"/>
+          <p:cNvSpPr>
+            <a:spLocks noChangeAspect="1" noChangeArrowheads="1"/>
+          </p:cNvSpPr>
+          <p:nvPr/>
+        </p:nvSpPr>
+        <p:spPr bwMode="auto">
+          <a:xfrm>
+            <a:off x="460375" y="160337"/>
+            <a:ext cx="304800" cy="304801"/>
+          </a:xfrm>
+          <a:prstGeom prst="rect">
+            <a:avLst/>
+          </a:prstGeom>
+          <a:noFill/>
+          <a:extLst>
+            <a:ext uri="{909E8E84-426E-40DD-AFC4-6F175D3DCCD1}">
+              <a14:hiddenFill xmlns:a14="http://schemas.microsoft.com/office/drawing/2010/main">
+                <a:solidFill>
+                  <a:srgbClr val="FFFFFF"/>
+                </a:solidFill>
+              </a14:hiddenFill>
+            </a:ext>
+          </a:extLst>
+        </p:spPr>
+        <p:txBody>
+          <a:bodyPr vert="horz" wrap="square" lIns="91440" tIns="45720" rIns="91440" bIns="45720" numCol="1" anchor="t" anchorCtr="0" compatLnSpc="1">
+            <a:prstTxWarp prst="textNoShape">
+              <a:avLst/>
+            </a:prstTxWarp>
+          </a:bodyPr>
+          <a:lstStyle/>
+          <a:p>
+            <a:endParaRPr lang="en-GB"/>
+          </a:p>
+        </p:txBody>
+      </p:sp>
+      <p:pic>
+        <p:nvPicPr>
+          <p:cNvPr id="2072" name="Picture 24" descr="Картинки по запросу html css js"/>
+          <p:cNvPicPr>
+            <a:picLocks noChangeAspect="1" noChangeArrowheads="1"/>
+          </p:cNvPicPr>
+          <p:nvPr/>
+        </p:nvPicPr>
+        <p:blipFill>
+          <a:blip r:embed="rId6" cstate="print">
+            <a:extLst>
+              <a:ext uri="{28A0092B-C50C-407E-A947-70E740481C1C}">
+                <a14:useLocalDpi xmlns:a14="http://schemas.microsoft.com/office/drawing/2010/main" val="0"/>
+              </a:ext>
+            </a:extLst>
+          </a:blip>
+          <a:srcRect/>
+          <a:stretch>
+            <a:fillRect/>
+          </a:stretch>
+        </p:blipFill>
+        <p:spPr bwMode="auto">
+          <a:xfrm>
+            <a:off x="5942581" y="4584982"/>
+            <a:ext cx="2657947" cy="1557391"/>
+          </a:xfrm>
+          <a:prstGeom prst="rect">
+            <a:avLst/>
+          </a:prstGeom>
+          <a:noFill/>
+          <a:extLst>
+            <a:ext uri="{909E8E84-426E-40DD-AFC4-6F175D3DCCD1}">
+              <a14:hiddenFill xmlns:a14="http://schemas.microsoft.com/office/drawing/2010/main">
+                <a:solidFill>
+                  <a:srgbClr val="FFFFFF"/>
+                </a:solidFill>
+              </a14:hiddenFill>
+            </a:ext>
+          </a:extLst>
+        </p:spPr>
+      </p:pic>
     </p:spTree>
     <p:extLst>
       <p:ext uri="{BB962C8B-B14F-4D97-AF65-F5344CB8AC3E}">
-        <p14:creationId xmlns:p14="http://schemas.microsoft.com/office/powerpoint/2010/main" val="3000845947"/>
+        <p14:creationId xmlns:p14="http://schemas.microsoft.com/office/powerpoint/2010/main" val="2461264661"/>
       </p:ext>
     </p:extLst>
   </p:cSld>
@@ -4474,7 +5134,7 @@
       </p:grpSpPr>
       <p:sp>
         <p:nvSpPr>
-          <p:cNvPr id="2" name="Заголовок 1"/>
+          <p:cNvPr id="7" name="Title 1"/>
           <p:cNvSpPr>
             <a:spLocks noGrp="1"/>
           </p:cNvSpPr>
@@ -4482,51 +5142,319 @@
             <p:ph type="title"/>
           </p:nvPr>
         </p:nvSpPr>
-        <p:spPr/>
-        <p:txBody>
-          <a:bodyPr/>
-          <a:lstStyle/>
-          <a:p>
-            <a:r>
-              <a:rPr lang="ru-RU" dirty="0" smtClean="0"/>
-              <a:t>Скриншот</a:t>
-            </a:r>
-            <a:endParaRPr lang="en-GB" dirty="0"/>
-          </a:p>
-        </p:txBody>
-      </p:sp>
-      <p:sp>
-        <p:nvSpPr>
-          <p:cNvPr id="3" name="Объект 2"/>
-          <p:cNvSpPr>
-            <a:spLocks noGrp="1"/>
-          </p:cNvSpPr>
-          <p:nvPr>
-            <p:ph idx="1"/>
-          </p:nvPr>
-        </p:nvSpPr>
-        <p:spPr/>
-        <p:txBody>
-          <a:bodyPr/>
-          <a:lstStyle/>
-          <a:p>
-            <a:pPr marL="0" indent="0">
-              <a:buNone/>
-            </a:pPr>
-            <a:endParaRPr lang="en-GB"/>
-          </a:p>
-        </p:txBody>
-      </p:sp>
+        <p:spPr>
+          <a:xfrm>
+            <a:off x="838200" y="244371"/>
+            <a:ext cx="10515600" cy="874233"/>
+          </a:xfrm>
+        </p:spPr>
+        <p:txBody>
+          <a:bodyPr>
+            <a:normAutofit/>
+          </a:bodyPr>
+          <a:lstStyle/>
+          <a:p>
+            <a:r>
+              <a:rPr lang="ru-RU" dirty="0" smtClean="0">
+                <a:solidFill>
+                  <a:schemeClr val="tx1"/>
+                </a:solidFill>
+              </a:rPr>
+              <a:t>Тестирование</a:t>
+            </a:r>
+            <a:endParaRPr lang="en-US" dirty="0">
+              <a:solidFill>
+                <a:schemeClr val="tx1"/>
+              </a:solidFill>
+            </a:endParaRPr>
+          </a:p>
+        </p:txBody>
+      </p:sp>
+      <p:sp>
+        <p:nvSpPr>
+          <p:cNvPr id="3" name="TextBox 2"/>
+          <p:cNvSpPr txBox="1"/>
+          <p:nvPr/>
+        </p:nvSpPr>
+        <p:spPr>
+          <a:xfrm>
+            <a:off x="838200" y="3459750"/>
+            <a:ext cx="3926305" cy="1323439"/>
+          </a:xfrm>
+          <a:prstGeom prst="rect">
+            <a:avLst/>
+          </a:prstGeom>
+          <a:noFill/>
+        </p:spPr>
+        <p:txBody>
+          <a:bodyPr wrap="square" rtlCol="0">
+            <a:spAutoFit/>
+          </a:bodyPr>
+          <a:lstStyle/>
+          <a:p>
+            <a:r>
+              <a:rPr lang="ru-RU" sz="4000" dirty="0" smtClean="0">
+                <a:latin typeface="Consolas" panose="020B0609020204030204" pitchFamily="49" charset="0"/>
+              </a:rPr>
+              <a:t>РУЧНОЕ </a:t>
+            </a:r>
+          </a:p>
+          <a:p>
+            <a:r>
+              <a:rPr lang="ru-RU" sz="4000" dirty="0" smtClean="0">
+                <a:latin typeface="Consolas" panose="020B0609020204030204" pitchFamily="49" charset="0"/>
+              </a:rPr>
+              <a:t>ТЕСТИРОВАНИЕ</a:t>
+            </a:r>
+            <a:endParaRPr lang="en-GB" sz="4000" dirty="0">
+              <a:latin typeface="Consolas" panose="020B0609020204030204" pitchFamily="49" charset="0"/>
+            </a:endParaRPr>
+          </a:p>
+        </p:txBody>
+      </p:sp>
+      <p:sp>
+        <p:nvSpPr>
+          <p:cNvPr id="2" name="TextBox 1"/>
+          <p:cNvSpPr txBox="1"/>
+          <p:nvPr/>
+        </p:nvSpPr>
+        <p:spPr>
+          <a:xfrm>
+            <a:off x="7501463" y="2965034"/>
+            <a:ext cx="3852337" cy="1323439"/>
+          </a:xfrm>
+          <a:prstGeom prst="rect">
+            <a:avLst/>
+          </a:prstGeom>
+          <a:noFill/>
+        </p:spPr>
+        <p:txBody>
+          <a:bodyPr wrap="none" rtlCol="0">
+            <a:spAutoFit/>
+          </a:bodyPr>
+          <a:lstStyle/>
+          <a:p>
+            <a:r>
+              <a:rPr lang="ru-RU" sz="4000" dirty="0" smtClean="0">
+                <a:latin typeface="Consolas" panose="020B0609020204030204" pitchFamily="49" charset="0"/>
+              </a:rPr>
+              <a:t>АЛЬФА И БЕТА </a:t>
+            </a:r>
+          </a:p>
+          <a:p>
+            <a:r>
+              <a:rPr lang="ru-RU" sz="4000" dirty="0" smtClean="0">
+                <a:latin typeface="Consolas" panose="020B0609020204030204" pitchFamily="49" charset="0"/>
+              </a:rPr>
+              <a:t>ТЕСТИРОВАНИЕ</a:t>
+            </a:r>
+            <a:endParaRPr lang="en-GB" sz="4000" dirty="0">
+              <a:latin typeface="Consolas" panose="020B0609020204030204" pitchFamily="49" charset="0"/>
+            </a:endParaRPr>
+          </a:p>
+        </p:txBody>
+      </p:sp>
+      <p:pic>
+        <p:nvPicPr>
+          <p:cNvPr id="1028" name="Picture 4" descr="Картинки по запросу альфа"/>
+          <p:cNvPicPr>
+            <a:picLocks noChangeAspect="1" noChangeArrowheads="1"/>
+          </p:cNvPicPr>
+          <p:nvPr/>
+        </p:nvPicPr>
+        <p:blipFill>
+          <a:blip r:embed="rId2">
+            <a:extLst>
+              <a:ext uri="{28A0092B-C50C-407E-A947-70E740481C1C}">
+                <a14:useLocalDpi xmlns:a14="http://schemas.microsoft.com/office/drawing/2010/main" val="0"/>
+              </a:ext>
+            </a:extLst>
+          </a:blip>
+          <a:srcRect/>
+          <a:stretch>
+            <a:fillRect/>
+          </a:stretch>
+        </p:blipFill>
+        <p:spPr bwMode="auto">
+          <a:xfrm>
+            <a:off x="7254666" y="1509883"/>
+            <a:ext cx="1823485" cy="1455151"/>
+          </a:xfrm>
+          <a:prstGeom prst="rect">
+            <a:avLst/>
+          </a:prstGeom>
+          <a:noFill/>
+          <a:extLst>
+            <a:ext uri="{909E8E84-426E-40DD-AFC4-6F175D3DCCD1}">
+              <a14:hiddenFill xmlns:a14="http://schemas.microsoft.com/office/drawing/2010/main">
+                <a:solidFill>
+                  <a:srgbClr val="FFFFFF"/>
+                </a:solidFill>
+              </a14:hiddenFill>
+            </a:ext>
+          </a:extLst>
+        </p:spPr>
+      </p:pic>
+      <p:pic>
+        <p:nvPicPr>
+          <p:cNvPr id="1030" name="Picture 6" descr="Картинки по запросу бета"/>
+          <p:cNvPicPr>
+            <a:picLocks noChangeAspect="1" noChangeArrowheads="1"/>
+          </p:cNvPicPr>
+          <p:nvPr/>
+        </p:nvPicPr>
+        <p:blipFill>
+          <a:blip r:embed="rId3" cstate="print">
+            <a:extLst>
+              <a:ext uri="{28A0092B-C50C-407E-A947-70E740481C1C}">
+                <a14:useLocalDpi xmlns:a14="http://schemas.microsoft.com/office/drawing/2010/main" val="0"/>
+              </a:ext>
+            </a:extLst>
+          </a:blip>
+          <a:srcRect/>
+          <a:stretch>
+            <a:fillRect/>
+          </a:stretch>
+        </p:blipFill>
+        <p:spPr bwMode="auto">
+          <a:xfrm>
+            <a:off x="7583195" y="3831736"/>
+            <a:ext cx="962269" cy="2145724"/>
+          </a:xfrm>
+          <a:prstGeom prst="rect">
+            <a:avLst/>
+          </a:prstGeom>
+          <a:noFill/>
+          <a:extLst>
+            <a:ext uri="{909E8E84-426E-40DD-AFC4-6F175D3DCCD1}">
+              <a14:hiddenFill xmlns:a14="http://schemas.microsoft.com/office/drawing/2010/main">
+                <a:solidFill>
+                  <a:srgbClr val="FFFFFF"/>
+                </a:solidFill>
+              </a14:hiddenFill>
+            </a:ext>
+          </a:extLst>
+        </p:spPr>
+      </p:pic>
+      <p:pic>
+        <p:nvPicPr>
+          <p:cNvPr id="1032" name="Picture 8" descr="Картинки по запросу hand"/>
+          <p:cNvPicPr>
+            <a:picLocks noChangeAspect="1" noChangeArrowheads="1"/>
+          </p:cNvPicPr>
+          <p:nvPr/>
+        </p:nvPicPr>
+        <p:blipFill>
+          <a:blip r:embed="rId4" cstate="print">
+            <a:extLst>
+              <a:ext uri="{28A0092B-C50C-407E-A947-70E740481C1C}">
+                <a14:useLocalDpi xmlns:a14="http://schemas.microsoft.com/office/drawing/2010/main" val="0"/>
+              </a:ext>
+            </a:extLst>
+          </a:blip>
+          <a:srcRect/>
+          <a:stretch>
+            <a:fillRect/>
+          </a:stretch>
+        </p:blipFill>
+        <p:spPr bwMode="auto">
+          <a:xfrm>
+            <a:off x="2732188" y="2237458"/>
+            <a:ext cx="1785520" cy="1785521"/>
+          </a:xfrm>
+          <a:prstGeom prst="rect">
+            <a:avLst/>
+          </a:prstGeom>
+          <a:noFill/>
+          <a:extLst>
+            <a:ext uri="{909E8E84-426E-40DD-AFC4-6F175D3DCCD1}">
+              <a14:hiddenFill xmlns:a14="http://schemas.microsoft.com/office/drawing/2010/main">
+                <a:solidFill>
+                  <a:srgbClr val="FFFFFF"/>
+                </a:solidFill>
+              </a14:hiddenFill>
+            </a:ext>
+          </a:extLst>
+        </p:spPr>
+      </p:pic>
     </p:spTree>
     <p:extLst>
       <p:ext uri="{BB962C8B-B14F-4D97-AF65-F5344CB8AC3E}">
-        <p14:creationId xmlns:p14="http://schemas.microsoft.com/office/powerpoint/2010/main" val="3850005002"/>
+        <p14:creationId xmlns:p14="http://schemas.microsoft.com/office/powerpoint/2010/main" val="3000845947"/>
       </p:ext>
     </p:extLst>
   </p:cSld>
   <p:clrMapOvr>
     <a:masterClrMapping/>
   </p:clrMapOvr>
+  <p:timing>
+    <p:tnLst>
+      <p:par>
+        <p:cTn id="1" dur="indefinite" restart="never" nodeType="tmRoot"/>
+      </p:par>
+    </p:tnLst>
+  </p:timing>
+</p:sld>
+</file>
+
+<file path=ppt/slides/slide14.xml><?xml version="1.0" encoding="utf-8"?>
+<p:sld xmlns:a="http://schemas.openxmlformats.org/drawingml/2006/main" xmlns:r="http://schemas.openxmlformats.org/officeDocument/2006/relationships" xmlns:p="http://schemas.openxmlformats.org/presentationml/2006/main">
+  <p:cSld>
+    <p:spTree>
+      <p:nvGrpSpPr>
+        <p:cNvPr id="1" name=""/>
+        <p:cNvGrpSpPr/>
+        <p:nvPr/>
+      </p:nvGrpSpPr>
+      <p:grpSpPr>
+        <a:xfrm>
+          <a:off x="0" y="0"/>
+          <a:ext cx="0" cy="0"/>
+          <a:chOff x="0" y="0"/>
+          <a:chExt cx="0" cy="0"/>
+        </a:xfrm>
+      </p:grpSpPr>
+      <p:pic>
+        <p:nvPicPr>
+          <p:cNvPr id="6" name="Рисунок 5"/>
+          <p:cNvPicPr>
+            <a:picLocks noChangeAspect="1"/>
+          </p:cNvPicPr>
+          <p:nvPr/>
+        </p:nvPicPr>
+        <p:blipFill>
+          <a:blip r:embed="rId2"/>
+          <a:stretch>
+            <a:fillRect/>
+          </a:stretch>
+        </p:blipFill>
+        <p:spPr>
+          <a:xfrm>
+            <a:off x="-88900" y="0"/>
+            <a:ext cx="12480224" cy="6858000"/>
+          </a:xfrm>
+          <a:prstGeom prst="rect">
+            <a:avLst/>
+          </a:prstGeom>
+        </p:spPr>
+      </p:pic>
+    </p:spTree>
+    <p:extLst>
+      <p:ext uri="{BB962C8B-B14F-4D97-AF65-F5344CB8AC3E}">
+        <p14:creationId xmlns:p14="http://schemas.microsoft.com/office/powerpoint/2010/main" val="2960100215"/>
+      </p:ext>
+    </p:extLst>
+  </p:cSld>
+  <p:clrMapOvr>
+    <a:masterClrMapping/>
+  </p:clrMapOvr>
+  <p:timing>
+    <p:tnLst>
+      <p:par>
+        <p:cTn id="1" dur="indefinite" restart="never" nodeType="tmRoot"/>
+      </p:par>
+    </p:tnLst>
+  </p:timing>
 </p:sld>
 </file>
 
@@ -4585,21 +5513,210 @@
               </a:rPr>
               <a:t>задачи</a:t>
             </a:r>
-            <a:r>
-              <a:rPr lang="en-US" dirty="0" smtClean="0">
-                <a:solidFill>
-                  <a:schemeClr val="tx1"/>
-                </a:solidFill>
-              </a:rPr>
-              <a:t> (</a:t>
-            </a:r>
+            <a:endParaRPr lang="en-US" dirty="0">
+              <a:solidFill>
+                <a:schemeClr val="tx1"/>
+              </a:solidFill>
+            </a:endParaRPr>
+          </a:p>
+        </p:txBody>
+      </p:sp>
+      <p:sp>
+        <p:nvSpPr>
+          <p:cNvPr id="6" name="TextBox 5"/>
+          <p:cNvSpPr txBox="1"/>
+          <p:nvPr/>
+        </p:nvSpPr>
+        <p:spPr>
+          <a:xfrm>
+            <a:off x="838200" y="1409549"/>
+            <a:ext cx="5969904" cy="4585871"/>
+          </a:xfrm>
+          <a:prstGeom prst="rect">
+            <a:avLst/>
+          </a:prstGeom>
+          <a:noFill/>
+        </p:spPr>
+        <p:txBody>
+          <a:bodyPr wrap="none" rtlCol="0">
+            <a:spAutoFit/>
+          </a:bodyPr>
+          <a:lstStyle/>
+          <a:p>
+            <a:r>
+              <a:rPr lang="ru-RU" sz="2400" b="1" dirty="0" smtClean="0"/>
+              <a:t>Тест</a:t>
+            </a:r>
+            <a:r>
+              <a:rPr lang="ru-RU" sz="2400" dirty="0" smtClean="0"/>
+              <a:t> – инструмент проверки знаний</a:t>
+            </a:r>
+            <a:endParaRPr lang="ru-RU" sz="2400" dirty="0"/>
+          </a:p>
+          <a:p>
+            <a:endParaRPr lang="ru-RU" sz="2400" b="1" dirty="0" smtClean="0"/>
+          </a:p>
+          <a:p>
+            <a:r>
+              <a:rPr lang="ru-RU" sz="2400" b="1" dirty="0" smtClean="0"/>
+              <a:t>Преимущества тестов над устным опросом</a:t>
+            </a:r>
+          </a:p>
+          <a:p>
+            <a:endParaRPr lang="ru-RU" sz="1400" dirty="0" smtClean="0"/>
+          </a:p>
+          <a:p>
+            <a:pPr marL="342900" indent="-342900">
+              <a:buFont typeface="Arial" panose="020B0604020202020204" pitchFamily="34" charset="0"/>
+              <a:buChar char="•"/>
+            </a:pPr>
+            <a:r>
+              <a:rPr lang="ru-RU" sz="2400" dirty="0" smtClean="0"/>
+              <a:t>занимают меньше времени</a:t>
+            </a:r>
+          </a:p>
+          <a:p>
+            <a:pPr marL="342900" indent="-342900">
+              <a:buFont typeface="Arial" panose="020B0604020202020204" pitchFamily="34" charset="0"/>
+              <a:buChar char="•"/>
+            </a:pPr>
+            <a:r>
+              <a:rPr lang="ru-RU" sz="2400" dirty="0" smtClean="0"/>
+              <a:t>охватывают весь материал по теме</a:t>
+            </a:r>
+          </a:p>
+          <a:p>
+            <a:pPr marL="342900" indent="-342900">
+              <a:buFont typeface="Arial" panose="020B0604020202020204" pitchFamily="34" charset="0"/>
+              <a:buChar char="•"/>
+            </a:pPr>
+            <a:r>
+              <a:rPr lang="ru-RU" sz="2400" dirty="0" smtClean="0"/>
+              <a:t>отсутствие психологического фактора</a:t>
+            </a:r>
+          </a:p>
+          <a:p>
+            <a:pPr marL="342900" indent="-342900">
+              <a:buFont typeface="Arial" panose="020B0604020202020204" pitchFamily="34" charset="0"/>
+              <a:buChar char="•"/>
+            </a:pPr>
+            <a:r>
+              <a:rPr lang="ru-RU" sz="2400" dirty="0" smtClean="0"/>
+              <a:t>четкое оценивание знаний</a:t>
+            </a:r>
+          </a:p>
+          <a:p>
+            <a:pPr marL="342900" indent="-342900">
+              <a:buFont typeface="Arial" panose="020B0604020202020204" pitchFamily="34" charset="0"/>
+              <a:buChar char="•"/>
+            </a:pPr>
+            <a:endParaRPr lang="ru-RU" sz="2400" dirty="0"/>
+          </a:p>
+          <a:p>
+            <a:r>
+              <a:rPr lang="ru-RU" sz="2400" b="1" dirty="0" smtClean="0"/>
+              <a:t>Недостатки тестов</a:t>
+            </a:r>
+          </a:p>
+          <a:p>
+            <a:endParaRPr lang="ru-RU" sz="1400" b="1" dirty="0" smtClean="0"/>
+          </a:p>
+          <a:p>
+            <a:pPr marL="342900" indent="-342900">
+              <a:buFont typeface="Arial" panose="020B0604020202020204" pitchFamily="34" charset="0"/>
+              <a:buChar char="•"/>
+            </a:pPr>
+            <a:r>
+              <a:rPr lang="ru-RU" sz="2400" dirty="0" smtClean="0"/>
+              <a:t>возможность списать</a:t>
+            </a:r>
+          </a:p>
+          <a:p>
+            <a:pPr marL="342900" indent="-342900">
+              <a:buFont typeface="Arial" panose="020B0604020202020204" pitchFamily="34" charset="0"/>
+              <a:buChar char="•"/>
+            </a:pPr>
+            <a:r>
+              <a:rPr lang="ru-RU" sz="2400" dirty="0" smtClean="0"/>
+              <a:t>возможность угадать</a:t>
+            </a:r>
+          </a:p>
+        </p:txBody>
+      </p:sp>
+    </p:spTree>
+    <p:extLst>
+      <p:ext uri="{BB962C8B-B14F-4D97-AF65-F5344CB8AC3E}">
+        <p14:creationId xmlns:p14="http://schemas.microsoft.com/office/powerpoint/2010/main" val="1231229592"/>
+      </p:ext>
+    </p:extLst>
+  </p:cSld>
+  <p:clrMapOvr>
+    <a:masterClrMapping/>
+  </p:clrMapOvr>
+  <p:timing>
+    <p:tnLst>
+      <p:par>
+        <p:cTn id="1" dur="indefinite" restart="never" nodeType="tmRoot"/>
+      </p:par>
+    </p:tnLst>
+  </p:timing>
+</p:sld>
+</file>
+
+<file path=ppt/slides/slide3.xml><?xml version="1.0" encoding="utf-8"?>
+<p:sld xmlns:a="http://schemas.openxmlformats.org/drawingml/2006/main" xmlns:r="http://schemas.openxmlformats.org/officeDocument/2006/relationships" xmlns:p="http://schemas.openxmlformats.org/presentationml/2006/main" showMasterSp="0">
+  <p:cSld>
+    <p:spTree>
+      <p:nvGrpSpPr>
+        <p:cNvPr id="1" name=""/>
+        <p:cNvGrpSpPr/>
+        <p:nvPr/>
+      </p:nvGrpSpPr>
+      <p:grpSpPr>
+        <a:xfrm>
+          <a:off x="0" y="0"/>
+          <a:ext cx="0" cy="0"/>
+          <a:chOff x="0" y="0"/>
+          <a:chExt cx="0" cy="0"/>
+        </a:xfrm>
+      </p:grpSpPr>
+      <p:sp>
+        <p:nvSpPr>
+          <p:cNvPr id="2" name="Title 1"/>
+          <p:cNvSpPr>
+            <a:spLocks noGrp="1"/>
+          </p:cNvSpPr>
+          <p:nvPr>
+            <p:ph type="title"/>
+          </p:nvPr>
+        </p:nvSpPr>
+        <p:spPr>
+          <a:xfrm>
+            <a:off x="838200" y="244371"/>
+            <a:ext cx="10515600" cy="874233"/>
+          </a:xfrm>
+        </p:spPr>
+        <p:txBody>
+          <a:bodyPr>
+            <a:normAutofit/>
+          </a:bodyPr>
+          <a:lstStyle/>
+          <a:p>
             <a:r>
               <a:rPr lang="ru-RU" dirty="0" smtClean="0">
                 <a:solidFill>
                   <a:schemeClr val="tx1"/>
                 </a:solidFill>
               </a:rPr>
-              <a:t>из 1.1)</a:t>
+              <a:t>Постановка </a:t>
+            </a:r>
+            <a:r>
+              <a:rPr lang="ru-RU" dirty="0" smtClean="0">
+                <a:solidFill>
+                  <a:schemeClr val="tx1"/>
+                </a:solidFill>
+              </a:rPr>
+              <a:t>задачи</a:t>
             </a:r>
             <a:endParaRPr lang="en-US" dirty="0">
               <a:solidFill>
@@ -5414,10 +6531,176 @@
           </a:p>
         </p:txBody>
       </p:sp>
+      <p:sp>
+        <p:nvSpPr>
+          <p:cNvPr id="3" name="TextBox 2"/>
+          <p:cNvSpPr txBox="1"/>
+          <p:nvPr/>
+        </p:nvSpPr>
+        <p:spPr>
+          <a:xfrm>
+            <a:off x="434448" y="4760984"/>
+            <a:ext cx="2261838" cy="646331"/>
+          </a:xfrm>
+          <a:prstGeom prst="rect">
+            <a:avLst/>
+          </a:prstGeom>
+          <a:noFill/>
+        </p:spPr>
+        <p:txBody>
+          <a:bodyPr wrap="none" rtlCol="0">
+            <a:spAutoFit/>
+          </a:bodyPr>
+          <a:lstStyle/>
+          <a:p>
+            <a:r>
+              <a:rPr lang="ru-RU" dirty="0" smtClean="0">
+                <a:solidFill>
+                  <a:srgbClr val="0070C0"/>
+                </a:solidFill>
+              </a:rPr>
+              <a:t>Классические</a:t>
+            </a:r>
+          </a:p>
+          <a:p>
+            <a:r>
+              <a:rPr lang="ru-RU" dirty="0" smtClean="0">
+                <a:solidFill>
+                  <a:srgbClr val="0070C0"/>
+                </a:solidFill>
+              </a:rPr>
+              <a:t>Тесты-сопоставления</a:t>
+            </a:r>
+            <a:endParaRPr lang="en-GB" dirty="0">
+              <a:solidFill>
+                <a:srgbClr val="0070C0"/>
+              </a:solidFill>
+            </a:endParaRPr>
+          </a:p>
+        </p:txBody>
+      </p:sp>
+      <p:sp>
+        <p:nvSpPr>
+          <p:cNvPr id="4" name="TextBox 3"/>
+          <p:cNvSpPr txBox="1"/>
+          <p:nvPr/>
+        </p:nvSpPr>
+        <p:spPr>
+          <a:xfrm>
+            <a:off x="4596007" y="4760984"/>
+            <a:ext cx="3174780" cy="646331"/>
+          </a:xfrm>
+          <a:prstGeom prst="rect">
+            <a:avLst/>
+          </a:prstGeom>
+          <a:noFill/>
+        </p:spPr>
+        <p:txBody>
+          <a:bodyPr wrap="none" rtlCol="0">
+            <a:spAutoFit/>
+          </a:bodyPr>
+          <a:lstStyle/>
+          <a:p>
+            <a:r>
+              <a:rPr lang="ru-RU" dirty="0" smtClean="0">
+                <a:solidFill>
+                  <a:schemeClr val="accent2">
+                    <a:lumMod val="75000"/>
+                  </a:schemeClr>
+                </a:solidFill>
+              </a:rPr>
+              <a:t>Студентами групп, </a:t>
+            </a:r>
+          </a:p>
+          <a:p>
+            <a:r>
+              <a:rPr lang="ru-RU" dirty="0">
+                <a:solidFill>
+                  <a:schemeClr val="accent2">
+                    <a:lumMod val="75000"/>
+                  </a:schemeClr>
+                </a:solidFill>
+              </a:rPr>
+              <a:t>д</a:t>
+            </a:r>
+            <a:r>
+              <a:rPr lang="ru-RU" dirty="0" smtClean="0">
+                <a:solidFill>
+                  <a:schemeClr val="accent2">
+                    <a:lumMod val="75000"/>
+                  </a:schemeClr>
+                </a:solidFill>
+              </a:rPr>
+              <a:t>ля которых тест опубликован</a:t>
+            </a:r>
+            <a:endParaRPr lang="en-GB" dirty="0">
+              <a:solidFill>
+                <a:schemeClr val="accent2">
+                  <a:lumMod val="75000"/>
+                </a:schemeClr>
+              </a:solidFill>
+            </a:endParaRPr>
+          </a:p>
+        </p:txBody>
+      </p:sp>
+      <p:sp>
+        <p:nvSpPr>
+          <p:cNvPr id="27" name="TextBox 26"/>
+          <p:cNvSpPr txBox="1"/>
+          <p:nvPr/>
+        </p:nvSpPr>
+        <p:spPr>
+          <a:xfrm>
+            <a:off x="8775942" y="4758525"/>
+            <a:ext cx="2826415" cy="646331"/>
+          </a:xfrm>
+          <a:prstGeom prst="rect">
+            <a:avLst/>
+          </a:prstGeom>
+          <a:noFill/>
+        </p:spPr>
+        <p:txBody>
+          <a:bodyPr wrap="none" rtlCol="0">
+            <a:spAutoFit/>
+          </a:bodyPr>
+          <a:lstStyle/>
+          <a:p>
+            <a:r>
+              <a:rPr lang="ru-RU" dirty="0" smtClean="0">
+                <a:solidFill>
+                  <a:schemeClr val="bg1">
+                    <a:lumMod val="50000"/>
+                  </a:schemeClr>
+                </a:solidFill>
+              </a:rPr>
+              <a:t>Результаты получают</a:t>
+            </a:r>
+          </a:p>
+          <a:p>
+            <a:r>
+              <a:rPr lang="ru-RU" dirty="0" smtClean="0">
+                <a:solidFill>
+                  <a:schemeClr val="bg1">
+                    <a:lumMod val="50000"/>
+                  </a:schemeClr>
+                </a:solidFill>
+              </a:rPr>
+              <a:t>студенты и преподаватели</a:t>
+            </a:r>
+            <a:endParaRPr lang="en-GB" dirty="0">
+              <a:solidFill>
+                <a:schemeClr val="bg1">
+                  <a:lumMod val="50000"/>
+                </a:schemeClr>
+              </a:solidFill>
+            </a:endParaRPr>
+          </a:p>
+        </p:txBody>
+      </p:sp>
     </p:spTree>
     <p:extLst>
       <p:ext uri="{BB962C8B-B14F-4D97-AF65-F5344CB8AC3E}">
-        <p14:creationId xmlns:p14="http://schemas.microsoft.com/office/powerpoint/2010/main" val="1231229592"/>
+        <p14:creationId xmlns:p14="http://schemas.microsoft.com/office/powerpoint/2010/main" val="1062299880"/>
       </p:ext>
     </p:extLst>
   </p:cSld>
@@ -5434,7 +6717,7 @@
 </p:sld>
 </file>
 
-<file path=ppt/slides/slide3.xml><?xml version="1.0" encoding="utf-8"?>
+<file path=ppt/slides/slide4.xml><?xml version="1.0" encoding="utf-8"?>
 <p:sld xmlns:a="http://schemas.openxmlformats.org/drawingml/2006/main" xmlns:r="http://schemas.openxmlformats.org/officeDocument/2006/relationships" xmlns:p="http://schemas.openxmlformats.org/presentationml/2006/main">
   <p:cSld>
     <p:spTree>
@@ -5750,6 +7033,36 @@
           <a:prstGeom prst="rect">
             <a:avLst/>
           </a:prstGeom>
+          <a:solidFill>
+            <a:srgbClr val="FFFFFF">
+              <a:shade val="85000"/>
+            </a:srgbClr>
+          </a:solidFill>
+          <a:ln w="88900" cap="sq">
+            <a:solidFill>
+              <a:srgbClr val="FFFFFF"/>
+            </a:solidFill>
+            <a:miter lim="800000"/>
+          </a:ln>
+          <a:effectLst>
+            <a:outerShdw blurRad="55000" dist="18000" dir="5400000" algn="tl" rotWithShape="0">
+              <a:srgbClr val="000000">
+                <a:alpha val="40000"/>
+              </a:srgbClr>
+            </a:outerShdw>
+          </a:effectLst>
+          <a:scene3d>
+            <a:camera prst="orthographicFront"/>
+            <a:lightRig rig="twoPt" dir="t">
+              <a:rot lat="0" lon="0" rev="7200000"/>
+            </a:lightRig>
+          </a:scene3d>
+          <a:sp3d>
+            <a:bevelT w="25400" h="19050"/>
+            <a:contourClr>
+              <a:srgbClr val="FFFFFF"/>
+            </a:contourClr>
+          </a:sp3d>
         </p:spPr>
       </p:pic>
       <p:pic>
@@ -5810,6 +7123,36 @@
           <a:prstGeom prst="rect">
             <a:avLst/>
           </a:prstGeom>
+          <a:solidFill>
+            <a:srgbClr val="FFFFFF">
+              <a:shade val="85000"/>
+            </a:srgbClr>
+          </a:solidFill>
+          <a:ln w="88900" cap="sq">
+            <a:solidFill>
+              <a:srgbClr val="FFFFFF"/>
+            </a:solidFill>
+            <a:miter lim="800000"/>
+          </a:ln>
+          <a:effectLst>
+            <a:outerShdw blurRad="55000" dist="18000" dir="5400000" algn="tl" rotWithShape="0">
+              <a:srgbClr val="000000">
+                <a:alpha val="40000"/>
+              </a:srgbClr>
+            </a:outerShdw>
+          </a:effectLst>
+          <a:scene3d>
+            <a:camera prst="orthographicFront"/>
+            <a:lightRig rig="twoPt" dir="t">
+              <a:rot lat="0" lon="0" rev="7200000"/>
+            </a:lightRig>
+          </a:scene3d>
+          <a:sp3d>
+            <a:bevelT w="25400" h="19050"/>
+            <a:contourClr>
+              <a:srgbClr val="FFFFFF"/>
+            </a:contourClr>
+          </a:sp3d>
         </p:spPr>
       </p:pic>
       <p:sp>
@@ -6030,7 +7373,7 @@
 </p:sld>
 </file>
 
-<file path=ppt/slides/slide4.xml><?xml version="1.0" encoding="utf-8"?>
+<file path=ppt/slides/slide5.xml><?xml version="1.0" encoding="utf-8"?>
 <p:sld xmlns:a="http://schemas.openxmlformats.org/drawingml/2006/main" xmlns:r="http://schemas.openxmlformats.org/officeDocument/2006/relationships" xmlns:p="http://schemas.openxmlformats.org/presentationml/2006/main">
   <p:cSld>
     <p:spTree>
@@ -6117,6 +7460,36 @@
           <a:prstGeom prst="rect">
             <a:avLst/>
           </a:prstGeom>
+          <a:solidFill>
+            <a:srgbClr val="FFFFFF">
+              <a:shade val="85000"/>
+            </a:srgbClr>
+          </a:solidFill>
+          <a:ln w="88900" cap="sq">
+            <a:solidFill>
+              <a:srgbClr val="FFFFFF"/>
+            </a:solidFill>
+            <a:miter lim="800000"/>
+          </a:ln>
+          <a:effectLst>
+            <a:outerShdw blurRad="55000" dist="18000" dir="5400000" algn="tl" rotWithShape="0">
+              <a:srgbClr val="000000">
+                <a:alpha val="40000"/>
+              </a:srgbClr>
+            </a:outerShdw>
+          </a:effectLst>
+          <a:scene3d>
+            <a:camera prst="orthographicFront"/>
+            <a:lightRig rig="twoPt" dir="t">
+              <a:rot lat="0" lon="0" rev="7200000"/>
+            </a:lightRig>
+          </a:scene3d>
+          <a:sp3d>
+            <a:bevelT w="25400" h="19050"/>
+            <a:contourClr>
+              <a:srgbClr val="FFFFFF"/>
+            </a:contourClr>
+          </a:sp3d>
         </p:spPr>
       </p:pic>
       <p:sp>
@@ -6258,337 +7631,6 @@
     <p:extLst>
       <p:ext uri="{BB962C8B-B14F-4D97-AF65-F5344CB8AC3E}">
         <p14:creationId xmlns:p14="http://schemas.microsoft.com/office/powerpoint/2010/main" val="3637710206"/>
-      </p:ext>
-    </p:extLst>
-  </p:cSld>
-  <p:clrMapOvr>
-    <a:masterClrMapping/>
-  </p:clrMapOvr>
-  <p:timing>
-    <p:tnLst>
-      <p:par>
-        <p:cTn id="1" dur="indefinite" restart="never" nodeType="tmRoot"/>
-      </p:par>
-    </p:tnLst>
-  </p:timing>
-</p:sld>
-</file>
-
-<file path=ppt/slides/slide5.xml><?xml version="1.0" encoding="utf-8"?>
-<p:sld xmlns:a="http://schemas.openxmlformats.org/drawingml/2006/main" xmlns:r="http://schemas.openxmlformats.org/officeDocument/2006/relationships" xmlns:p="http://schemas.openxmlformats.org/presentationml/2006/main">
-  <p:cSld>
-    <p:spTree>
-      <p:nvGrpSpPr>
-        <p:cNvPr id="1" name=""/>
-        <p:cNvGrpSpPr/>
-        <p:nvPr/>
-      </p:nvGrpSpPr>
-      <p:grpSpPr>
-        <a:xfrm>
-          <a:off x="0" y="0"/>
-          <a:ext cx="0" cy="0"/>
-          <a:chOff x="0" y="0"/>
-          <a:chExt cx="0" cy="0"/>
-        </a:xfrm>
-      </p:grpSpPr>
-      <p:sp>
-        <p:nvSpPr>
-          <p:cNvPr id="7" name="Объект 2"/>
-          <p:cNvSpPr>
-            <a:spLocks noGrp="1"/>
-          </p:cNvSpPr>
-          <p:nvPr>
-            <p:ph idx="1"/>
-          </p:nvPr>
-        </p:nvSpPr>
-        <p:spPr>
-          <a:xfrm>
-            <a:off x="838200" y="1690688"/>
-            <a:ext cx="10445318" cy="4351338"/>
-          </a:xfrm>
-        </p:spPr>
-        <p:txBody>
-          <a:bodyPr/>
-          <a:lstStyle/>
-          <a:p>
-            <a:pPr marL="0" indent="0">
-              <a:buNone/>
-            </a:pPr>
-            <a:r>
-              <a:rPr lang="ru-RU" dirty="0" smtClean="0"/>
-              <a:t>Тесты-сопоставления</a:t>
-            </a:r>
-          </a:p>
-          <a:p>
-            <a:pPr marL="0" indent="0">
-              <a:buNone/>
-            </a:pPr>
-            <a:endParaRPr lang="en-US" dirty="0"/>
-          </a:p>
-          <a:p>
-            <a:pPr marL="0" indent="0">
-              <a:buNone/>
-            </a:pPr>
-            <a:endParaRPr lang="en-US" dirty="0" smtClean="0"/>
-          </a:p>
-          <a:p>
-            <a:pPr marL="0" indent="0">
-              <a:buNone/>
-            </a:pPr>
-            <a:endParaRPr lang="ru-RU" dirty="0"/>
-          </a:p>
-        </p:txBody>
-      </p:sp>
-      <p:pic>
-        <p:nvPicPr>
-          <p:cNvPr id="8" name="Рисунок 7"/>
-          <p:cNvPicPr>
-            <a:picLocks noChangeAspect="1"/>
-          </p:cNvPicPr>
-          <p:nvPr/>
-        </p:nvPicPr>
-        <p:blipFill>
-          <a:blip r:embed="rId2"/>
-          <a:stretch>
-            <a:fillRect/>
-          </a:stretch>
-        </p:blipFill>
-        <p:spPr>
-          <a:xfrm>
-            <a:off x="838198" y="2334088"/>
-            <a:ext cx="4276725" cy="609600"/>
-          </a:xfrm>
-          <a:prstGeom prst="rect">
-            <a:avLst/>
-          </a:prstGeom>
-        </p:spPr>
-      </p:pic>
-      <p:pic>
-        <p:nvPicPr>
-          <p:cNvPr id="9" name="Рисунок 8"/>
-          <p:cNvPicPr>
-            <a:picLocks noChangeAspect="1"/>
-          </p:cNvPicPr>
-          <p:nvPr/>
-        </p:nvPicPr>
-        <p:blipFill>
-          <a:blip r:embed="rId3"/>
-          <a:stretch>
-            <a:fillRect/>
-          </a:stretch>
-        </p:blipFill>
-        <p:spPr>
-          <a:xfrm>
-            <a:off x="838198" y="3035403"/>
-            <a:ext cx="2024749" cy="681501"/>
-          </a:xfrm>
-          <a:prstGeom prst="rect">
-            <a:avLst/>
-          </a:prstGeom>
-        </p:spPr>
-      </p:pic>
-      <p:pic>
-        <p:nvPicPr>
-          <p:cNvPr id="10" name="Рисунок 9"/>
-          <p:cNvPicPr>
-            <a:picLocks noChangeAspect="1"/>
-          </p:cNvPicPr>
-          <p:nvPr/>
-        </p:nvPicPr>
-        <p:blipFill>
-          <a:blip r:embed="rId4"/>
-          <a:stretch>
-            <a:fillRect/>
-          </a:stretch>
-        </p:blipFill>
-        <p:spPr>
-          <a:xfrm>
-            <a:off x="931411" y="3808619"/>
-            <a:ext cx="1838325" cy="819150"/>
-          </a:xfrm>
-          <a:prstGeom prst="rect">
-            <a:avLst/>
-          </a:prstGeom>
-        </p:spPr>
-      </p:pic>
-      <p:sp>
-        <p:nvSpPr>
-          <p:cNvPr id="12" name="TextBox 11"/>
-          <p:cNvSpPr txBox="1"/>
-          <p:nvPr/>
-        </p:nvSpPr>
-        <p:spPr>
-          <a:xfrm>
-            <a:off x="6596283" y="2334088"/>
-            <a:ext cx="4687235" cy="2862322"/>
-          </a:xfrm>
-          <a:prstGeom prst="rect">
-            <a:avLst/>
-          </a:prstGeom>
-          <a:noFill/>
-        </p:spPr>
-        <p:txBody>
-          <a:bodyPr wrap="square" rtlCol="0">
-            <a:spAutoFit/>
-          </a:bodyPr>
-          <a:lstStyle/>
-          <a:p>
-            <a:r>
-              <a:rPr lang="en-US" sz="2400" i="1" dirty="0"/>
-              <a:t>T</a:t>
-            </a:r>
-            <a:r>
-              <a:rPr lang="en-US" sz="2400" i="1" baseline="-25000" dirty="0"/>
-              <a:t>one</a:t>
-            </a:r>
-            <a:r>
-              <a:rPr lang="ru-RU" dirty="0"/>
-              <a:t> – оценка за вопросы, на которые дано хотя бы по одному правильному ответу, </a:t>
-            </a:r>
-            <a:endParaRPr lang="ru-RU" dirty="0" smtClean="0"/>
-          </a:p>
-          <a:p>
-            <a:r>
-              <a:rPr lang="en-US" sz="2400" i="1" dirty="0" err="1" smtClean="0"/>
-              <a:t>T</a:t>
-            </a:r>
-            <a:r>
-              <a:rPr lang="en-US" sz="2400" i="1" baseline="-25000" dirty="0" err="1" smtClean="0"/>
-              <a:t>true</a:t>
-            </a:r>
-            <a:r>
-              <a:rPr lang="ru-RU" dirty="0" smtClean="0"/>
-              <a:t> </a:t>
-            </a:r>
-            <a:r>
-              <a:rPr lang="ru-RU" dirty="0"/>
-              <a:t>– оценка за правильные ответы, </a:t>
-            </a:r>
-            <a:endParaRPr lang="ru-RU" dirty="0" smtClean="0"/>
-          </a:p>
-          <a:p>
-            <a:r>
-              <a:rPr lang="en-US" sz="2400" i="1" dirty="0" err="1" smtClean="0"/>
-              <a:t>T</a:t>
-            </a:r>
-            <a:r>
-              <a:rPr lang="en-US" sz="2400" i="1" baseline="-25000" dirty="0" err="1" smtClean="0"/>
-              <a:t>false</a:t>
-            </a:r>
-            <a:r>
-              <a:rPr lang="ru-RU" dirty="0" smtClean="0"/>
-              <a:t> </a:t>
-            </a:r>
-            <a:r>
-              <a:rPr lang="ru-RU" dirty="0"/>
-              <a:t>– оценка за неправильные </a:t>
-            </a:r>
-            <a:r>
-              <a:rPr lang="ru-RU" dirty="0" smtClean="0"/>
-              <a:t>ответы</a:t>
-            </a:r>
-          </a:p>
-          <a:p>
-            <a:r>
-              <a:rPr lang="en-US" sz="2400" i="1" dirty="0" err="1" smtClean="0"/>
-              <a:t>P</a:t>
-            </a:r>
-            <a:r>
-              <a:rPr lang="en-US" sz="2400" i="1" baseline="-25000" dirty="0" err="1" smtClean="0"/>
-              <a:t>max</a:t>
-            </a:r>
-            <a:r>
-              <a:rPr lang="ru-RU" sz="2400" dirty="0" smtClean="0"/>
-              <a:t> </a:t>
-            </a:r>
-            <a:r>
-              <a:rPr lang="ru-RU" dirty="0" smtClean="0"/>
-              <a:t>– общий вес всех вопросов в тесте,</a:t>
-            </a:r>
-          </a:p>
-          <a:p>
-            <a:r>
-              <a:rPr lang="en-US" sz="2400" i="1" dirty="0" err="1" smtClean="0"/>
-              <a:t>T</a:t>
-            </a:r>
-            <a:r>
-              <a:rPr lang="en-US" sz="2400" i="1" baseline="-25000" dirty="0" err="1" smtClean="0"/>
-              <a:t>max</a:t>
-            </a:r>
-            <a:r>
-              <a:rPr lang="en-US" sz="2400" baseline="-25000" dirty="0" smtClean="0"/>
-              <a:t> </a:t>
-            </a:r>
-            <a:r>
-              <a:rPr lang="ru-RU" dirty="0" smtClean="0"/>
-              <a:t>– максимальный балл за прохождение</a:t>
-            </a:r>
-          </a:p>
-          <a:p>
-            <a:r>
-              <a:rPr lang="en-US" sz="2400" i="1" dirty="0"/>
-              <a:t>k</a:t>
-            </a:r>
-            <a:r>
-              <a:rPr lang="ru-RU" dirty="0"/>
-              <a:t> – количество баллов за единицу веса вопроса</a:t>
-            </a:r>
-          </a:p>
-        </p:txBody>
-      </p:sp>
-      <p:sp>
-        <p:nvSpPr>
-          <p:cNvPr id="14" name="Title 1"/>
-          <p:cNvSpPr txBox="1">
-            <a:spLocks/>
-          </p:cNvSpPr>
-          <p:nvPr/>
-        </p:nvSpPr>
-        <p:spPr>
-          <a:xfrm>
-            <a:off x="838200" y="244371"/>
-            <a:ext cx="10515600" cy="874233"/>
-          </a:xfrm>
-          <a:prstGeom prst="rect">
-            <a:avLst/>
-          </a:prstGeom>
-        </p:spPr>
-        <p:txBody>
-          <a:bodyPr vert="horz" lIns="91440" tIns="45720" rIns="91440" bIns="45720" rtlCol="0" anchor="ctr">
-            <a:normAutofit/>
-          </a:bodyPr>
-          <a:lstStyle>
-            <a:lvl1pPr algn="l" defTabSz="914400" rtl="0" eaLnBrk="1" latinLnBrk="0" hangingPunct="1">
-              <a:lnSpc>
-                <a:spcPct val="90000"/>
-              </a:lnSpc>
-              <a:spcBef>
-                <a:spcPct val="0"/>
-              </a:spcBef>
-              <a:buNone/>
-              <a:defRPr sz="4400" kern="1200">
-                <a:solidFill>
-                  <a:schemeClr val="tx1"/>
-                </a:solidFill>
-                <a:latin typeface="+mj-lt"/>
-                <a:ea typeface="+mj-ea"/>
-                <a:cs typeface="+mj-cs"/>
-              </a:defRPr>
-            </a:lvl1pPr>
-          </a:lstStyle>
-          <a:p>
-            <a:r>
-              <a:rPr lang="ru-RU" dirty="0" smtClean="0"/>
-              <a:t>Подсчет результатов</a:t>
-            </a:r>
-            <a:endParaRPr lang="en-US" dirty="0"/>
-          </a:p>
-        </p:txBody>
-      </p:sp>
-    </p:spTree>
-    <p:extLst>
-      <p:ext uri="{BB962C8B-B14F-4D97-AF65-F5344CB8AC3E}">
-        <p14:creationId xmlns:p14="http://schemas.microsoft.com/office/powerpoint/2010/main" val="3430572465"/>
       </p:ext>
     </p:extLst>
   </p:cSld>
@@ -6622,91 +7664,344 @@
           <a:chExt cx="0" cy="0"/>
         </a:xfrm>
       </p:grpSpPr>
+      <p:sp>
+        <p:nvSpPr>
+          <p:cNvPr id="7" name="Объект 2"/>
+          <p:cNvSpPr>
+            <a:spLocks noGrp="1"/>
+          </p:cNvSpPr>
+          <p:nvPr>
+            <p:ph idx="1"/>
+          </p:nvPr>
+        </p:nvSpPr>
+        <p:spPr>
+          <a:xfrm>
+            <a:off x="838200" y="1690688"/>
+            <a:ext cx="10445318" cy="4351338"/>
+          </a:xfrm>
+        </p:spPr>
+        <p:txBody>
+          <a:bodyPr/>
+          <a:lstStyle/>
+          <a:p>
+            <a:pPr marL="0" indent="0">
+              <a:buNone/>
+            </a:pPr>
+            <a:r>
+              <a:rPr lang="ru-RU" dirty="0" smtClean="0"/>
+              <a:t>Тесты-сопоставления</a:t>
+            </a:r>
+          </a:p>
+          <a:p>
+            <a:pPr marL="0" indent="0">
+              <a:buNone/>
+            </a:pPr>
+            <a:endParaRPr lang="en-US" dirty="0"/>
+          </a:p>
+          <a:p>
+            <a:pPr marL="0" indent="0">
+              <a:buNone/>
+            </a:pPr>
+            <a:endParaRPr lang="en-US" dirty="0" smtClean="0"/>
+          </a:p>
+          <a:p>
+            <a:pPr marL="0" indent="0">
+              <a:buNone/>
+            </a:pPr>
+            <a:endParaRPr lang="ru-RU" dirty="0"/>
+          </a:p>
+        </p:txBody>
+      </p:sp>
       <p:pic>
         <p:nvPicPr>
-          <p:cNvPr id="15" name="Picture 8" descr="Картинки по запросу WEB"/>
+          <p:cNvPr id="8" name="Рисунок 7"/>
           <p:cNvPicPr>
-            <a:picLocks noChangeAspect="1" noChangeArrowheads="1"/>
+            <a:picLocks noChangeAspect="1"/>
           </p:cNvPicPr>
           <p:nvPr/>
         </p:nvPicPr>
         <p:blipFill>
-          <a:blip r:embed="rId2">
-            <a:extLst>
-              <a:ext uri="{28A0092B-C50C-407E-A947-70E740481C1C}">
-                <a14:useLocalDpi xmlns:a14="http://schemas.microsoft.com/office/drawing/2010/main" val="0"/>
-              </a:ext>
-            </a:extLst>
-          </a:blip>
-          <a:srcRect/>
+          <a:blip r:embed="rId2"/>
           <a:stretch>
             <a:fillRect/>
           </a:stretch>
         </p:blipFill>
-        <p:spPr bwMode="auto">
-          <a:xfrm>
-            <a:off x="838200" y="2798659"/>
-            <a:ext cx="3790783" cy="2511395"/>
+        <p:spPr>
+          <a:xfrm>
+            <a:off x="838198" y="2334088"/>
+            <a:ext cx="4276725" cy="609600"/>
+          </a:xfrm>
+          <a:prstGeom prst="rect">
+            <a:avLst/>
+          </a:prstGeom>
+          <a:solidFill>
+            <a:srgbClr val="FFFFFF">
+              <a:shade val="85000"/>
+            </a:srgbClr>
+          </a:solidFill>
+          <a:ln w="88900" cap="sq">
+            <a:solidFill>
+              <a:srgbClr val="FFFFFF"/>
+            </a:solidFill>
+            <a:miter lim="800000"/>
+          </a:ln>
+          <a:effectLst>
+            <a:outerShdw blurRad="55000" dist="18000" dir="5400000" algn="tl" rotWithShape="0">
+              <a:srgbClr val="000000">
+                <a:alpha val="40000"/>
+              </a:srgbClr>
+            </a:outerShdw>
+          </a:effectLst>
+          <a:scene3d>
+            <a:camera prst="orthographicFront"/>
+            <a:lightRig rig="twoPt" dir="t">
+              <a:rot lat="0" lon="0" rev="7200000"/>
+            </a:lightRig>
+          </a:scene3d>
+          <a:sp3d>
+            <a:bevelT w="25400" h="19050"/>
+            <a:contourClr>
+              <a:srgbClr val="FFFFFF"/>
+            </a:contourClr>
+          </a:sp3d>
+        </p:spPr>
+      </p:pic>
+      <p:pic>
+        <p:nvPicPr>
+          <p:cNvPr id="9" name="Рисунок 8"/>
+          <p:cNvPicPr>
+            <a:picLocks noChangeAspect="1"/>
+          </p:cNvPicPr>
+          <p:nvPr/>
+        </p:nvPicPr>
+        <p:blipFill>
+          <a:blip r:embed="rId3"/>
+          <a:stretch>
+            <a:fillRect/>
+          </a:stretch>
+        </p:blipFill>
+        <p:spPr>
+          <a:xfrm>
+            <a:off x="838196" y="3161251"/>
+            <a:ext cx="2024749" cy="681501"/>
+          </a:xfrm>
+          <a:prstGeom prst="rect">
+            <a:avLst/>
+          </a:prstGeom>
+          <a:solidFill>
+            <a:srgbClr val="FFFFFF">
+              <a:shade val="85000"/>
+            </a:srgbClr>
+          </a:solidFill>
+          <a:ln w="88900" cap="sq">
+            <a:solidFill>
+              <a:srgbClr val="FFFFFF"/>
+            </a:solidFill>
+            <a:miter lim="800000"/>
+          </a:ln>
+          <a:effectLst>
+            <a:outerShdw blurRad="55000" dist="18000" dir="5400000" algn="tl" rotWithShape="0">
+              <a:srgbClr val="000000">
+                <a:alpha val="40000"/>
+              </a:srgbClr>
+            </a:outerShdw>
+          </a:effectLst>
+          <a:scene3d>
+            <a:camera prst="orthographicFront"/>
+            <a:lightRig rig="twoPt" dir="t">
+              <a:rot lat="0" lon="0" rev="7200000"/>
+            </a:lightRig>
+          </a:scene3d>
+          <a:sp3d>
+            <a:bevelT w="25400" h="19050"/>
+            <a:contourClr>
+              <a:srgbClr val="FFFFFF"/>
+            </a:contourClr>
+          </a:sp3d>
+        </p:spPr>
+      </p:pic>
+      <p:pic>
+        <p:nvPicPr>
+          <p:cNvPr id="10" name="Рисунок 9"/>
+          <p:cNvPicPr>
+            <a:picLocks noChangeAspect="1"/>
+          </p:cNvPicPr>
+          <p:nvPr/>
+        </p:nvPicPr>
+        <p:blipFill>
+          <a:blip r:embed="rId4"/>
+          <a:stretch>
+            <a:fillRect/>
+          </a:stretch>
+        </p:blipFill>
+        <p:spPr>
+          <a:xfrm>
+            <a:off x="838197" y="4060315"/>
+            <a:ext cx="2024749" cy="819150"/>
+          </a:xfrm>
+          <a:prstGeom prst="rect">
+            <a:avLst/>
+          </a:prstGeom>
+          <a:solidFill>
+            <a:srgbClr val="FFFFFF">
+              <a:shade val="85000"/>
+            </a:srgbClr>
+          </a:solidFill>
+          <a:ln w="88900" cap="sq">
+            <a:solidFill>
+              <a:srgbClr val="FFFFFF"/>
+            </a:solidFill>
+            <a:miter lim="800000"/>
+          </a:ln>
+          <a:effectLst>
+            <a:outerShdw blurRad="55000" dist="18000" dir="5400000" algn="tl" rotWithShape="0">
+              <a:srgbClr val="000000">
+                <a:alpha val="40000"/>
+              </a:srgbClr>
+            </a:outerShdw>
+          </a:effectLst>
+          <a:scene3d>
+            <a:camera prst="orthographicFront"/>
+            <a:lightRig rig="twoPt" dir="t">
+              <a:rot lat="0" lon="0" rev="7200000"/>
+            </a:lightRig>
+          </a:scene3d>
+          <a:sp3d>
+            <a:bevelT w="25400" h="19050"/>
+            <a:contourClr>
+              <a:srgbClr val="FFFFFF"/>
+            </a:contourClr>
+          </a:sp3d>
+        </p:spPr>
+      </p:pic>
+      <p:sp>
+        <p:nvSpPr>
+          <p:cNvPr id="12" name="TextBox 11"/>
+          <p:cNvSpPr txBox="1"/>
+          <p:nvPr/>
+        </p:nvSpPr>
+        <p:spPr>
+          <a:xfrm>
+            <a:off x="6596283" y="2334088"/>
+            <a:ext cx="4687235" cy="2862322"/>
           </a:xfrm>
           <a:prstGeom prst="rect">
             <a:avLst/>
           </a:prstGeom>
           <a:noFill/>
-          <a:extLst>
-            <a:ext uri="{909E8E84-426E-40DD-AFC4-6F175D3DCCD1}">
-              <a14:hiddenFill xmlns:a14="http://schemas.microsoft.com/office/drawing/2010/main">
-                <a:solidFill>
-                  <a:srgbClr val="FFFFFF"/>
-                </a:solidFill>
-              </a14:hiddenFill>
-            </a:ext>
-          </a:extLst>
-        </p:spPr>
-      </p:pic>
-      <p:pic>
-        <p:nvPicPr>
-          <p:cNvPr id="17" name="Picture 14" descr="Картинки по запросу vs"/>
-          <p:cNvPicPr>
-            <a:picLocks noChangeAspect="1" noChangeArrowheads="1"/>
-          </p:cNvPicPr>
-          <p:nvPr/>
-        </p:nvPicPr>
-        <p:blipFill>
-          <a:blip r:embed="rId3">
-            <a:extLst>
-              <a:ext uri="{28A0092B-C50C-407E-A947-70E740481C1C}">
-                <a14:useLocalDpi xmlns:a14="http://schemas.microsoft.com/office/drawing/2010/main" val="0"/>
-              </a:ext>
-            </a:extLst>
-          </a:blip>
-          <a:srcRect/>
-          <a:stretch>
-            <a:fillRect/>
-          </a:stretch>
-        </p:blipFill>
-        <p:spPr bwMode="auto">
-          <a:xfrm>
-            <a:off x="4628983" y="2798659"/>
-            <a:ext cx="2497182" cy="1323558"/>
-          </a:xfrm>
-          <a:prstGeom prst="rect">
-            <a:avLst/>
-          </a:prstGeom>
-          <a:noFill/>
-          <a:extLst>
-            <a:ext uri="{909E8E84-426E-40DD-AFC4-6F175D3DCCD1}">
-              <a14:hiddenFill xmlns:a14="http://schemas.microsoft.com/office/drawing/2010/main">
-                <a:solidFill>
-                  <a:srgbClr val="FFFFFF"/>
-                </a:solidFill>
-              </a14:hiddenFill>
-            </a:ext>
-          </a:extLst>
-        </p:spPr>
-      </p:pic>
-      <p:sp>
-        <p:nvSpPr>
-          <p:cNvPr id="18" name="Title 1"/>
+        </p:spPr>
+        <p:txBody>
+          <a:bodyPr wrap="square" rtlCol="0">
+            <a:spAutoFit/>
+          </a:bodyPr>
+          <a:lstStyle/>
+          <a:p>
+            <a:r>
+              <a:rPr lang="en-US" sz="2400" i="1" dirty="0"/>
+              <a:t>T</a:t>
+            </a:r>
+            <a:r>
+              <a:rPr lang="en-US" sz="2400" i="1" baseline="-25000" dirty="0"/>
+              <a:t>one</a:t>
+            </a:r>
+            <a:r>
+              <a:rPr lang="ru-RU" dirty="0"/>
+              <a:t> – оценка за вопросы, на которые дано хотя бы по одному правильному ответу, </a:t>
+            </a:r>
+            <a:endParaRPr lang="ru-RU" dirty="0" smtClean="0"/>
+          </a:p>
+          <a:p>
+            <a:r>
+              <a:rPr lang="en-US" sz="2400" i="1" dirty="0" err="1" smtClean="0"/>
+              <a:t>T</a:t>
+            </a:r>
+            <a:r>
+              <a:rPr lang="en-US" sz="2400" i="1" baseline="-25000" dirty="0" err="1" smtClean="0"/>
+              <a:t>true</a:t>
+            </a:r>
+            <a:r>
+              <a:rPr lang="ru-RU" dirty="0" smtClean="0"/>
+              <a:t> </a:t>
+            </a:r>
+            <a:r>
+              <a:rPr lang="ru-RU" dirty="0"/>
+              <a:t>– оценка за правильные ответы, </a:t>
+            </a:r>
+            <a:endParaRPr lang="ru-RU" dirty="0" smtClean="0"/>
+          </a:p>
+          <a:p>
+            <a:r>
+              <a:rPr lang="en-US" sz="2400" i="1" dirty="0" err="1" smtClean="0"/>
+              <a:t>T</a:t>
+            </a:r>
+            <a:r>
+              <a:rPr lang="en-US" sz="2400" i="1" baseline="-25000" dirty="0" err="1" smtClean="0"/>
+              <a:t>false</a:t>
+            </a:r>
+            <a:r>
+              <a:rPr lang="ru-RU" dirty="0" smtClean="0"/>
+              <a:t> </a:t>
+            </a:r>
+            <a:r>
+              <a:rPr lang="ru-RU" dirty="0"/>
+              <a:t>– оценка за неправильные </a:t>
+            </a:r>
+            <a:r>
+              <a:rPr lang="ru-RU" dirty="0" smtClean="0"/>
+              <a:t>ответы</a:t>
+            </a:r>
+          </a:p>
+          <a:p>
+            <a:r>
+              <a:rPr lang="en-US" sz="2400" i="1" dirty="0" err="1" smtClean="0"/>
+              <a:t>P</a:t>
+            </a:r>
+            <a:r>
+              <a:rPr lang="en-US" sz="2400" i="1" baseline="-25000" dirty="0" err="1" smtClean="0"/>
+              <a:t>max</a:t>
+            </a:r>
+            <a:r>
+              <a:rPr lang="ru-RU" sz="2400" dirty="0" smtClean="0"/>
+              <a:t> </a:t>
+            </a:r>
+            <a:r>
+              <a:rPr lang="ru-RU" dirty="0" smtClean="0"/>
+              <a:t>– общий вес всех вопросов в тесте,</a:t>
+            </a:r>
+          </a:p>
+          <a:p>
+            <a:r>
+              <a:rPr lang="en-US" sz="2400" i="1" dirty="0" err="1" smtClean="0"/>
+              <a:t>T</a:t>
+            </a:r>
+            <a:r>
+              <a:rPr lang="en-US" sz="2400" i="1" baseline="-25000" dirty="0" err="1" smtClean="0"/>
+              <a:t>max</a:t>
+            </a:r>
+            <a:r>
+              <a:rPr lang="en-US" sz="2400" baseline="-25000" dirty="0" smtClean="0"/>
+              <a:t> </a:t>
+            </a:r>
+            <a:r>
+              <a:rPr lang="ru-RU" dirty="0" smtClean="0"/>
+              <a:t>– максимальный балл за прохождение</a:t>
+            </a:r>
+          </a:p>
+          <a:p>
+            <a:r>
+              <a:rPr lang="en-US" sz="2400" i="1" dirty="0"/>
+              <a:t>k</a:t>
+            </a:r>
+            <a:r>
+              <a:rPr lang="ru-RU" dirty="0"/>
+              <a:t> – количество баллов за единицу веса вопроса</a:t>
+            </a:r>
+          </a:p>
+        </p:txBody>
+      </p:sp>
+      <p:sp>
+        <p:nvSpPr>
+          <p:cNvPr id="14" name="Title 1"/>
           <p:cNvSpPr txBox="1">
             <a:spLocks/>
           </p:cNvSpPr>
@@ -6747,108 +8042,16 @@
           <a:p>
             <a:r>
               <a:rPr lang="ru-RU" dirty="0" smtClean="0"/>
-              <a:t>Выбор ???</a:t>
+              <a:t>Подсчет результатов</a:t>
             </a:r>
             <a:endParaRPr lang="en-US" dirty="0"/>
           </a:p>
         </p:txBody>
       </p:sp>
-      <p:sp>
-        <p:nvSpPr>
-          <p:cNvPr id="4" name="TextBox 3"/>
-          <p:cNvSpPr txBox="1"/>
-          <p:nvPr/>
-        </p:nvSpPr>
-        <p:spPr>
-          <a:xfrm>
-            <a:off x="1851779" y="1616069"/>
-            <a:ext cx="1763624" cy="923330"/>
-          </a:xfrm>
-          <a:prstGeom prst="rect">
-            <a:avLst/>
-          </a:prstGeom>
-          <a:noFill/>
-        </p:spPr>
-        <p:txBody>
-          <a:bodyPr wrap="none" rtlCol="0">
-            <a:spAutoFit/>
-          </a:bodyPr>
-          <a:lstStyle/>
-          <a:p>
-            <a:r>
-              <a:rPr lang="en-US" sz="5400" dirty="0">
-                <a:latin typeface="Bitter" panose="00000500000000000000" pitchFamily="2" charset="-52"/>
-              </a:rPr>
-              <a:t>WEB</a:t>
-            </a:r>
-            <a:endParaRPr lang="en-GB" sz="5400" dirty="0">
-              <a:latin typeface="Bitter" panose="00000500000000000000" pitchFamily="2" charset="-52"/>
-            </a:endParaRPr>
-          </a:p>
-        </p:txBody>
-      </p:sp>
-      <p:sp>
-        <p:nvSpPr>
-          <p:cNvPr id="19" name="TextBox 18"/>
-          <p:cNvSpPr txBox="1"/>
-          <p:nvPr/>
-        </p:nvSpPr>
-        <p:spPr>
-          <a:xfrm>
-            <a:off x="7126165" y="1616069"/>
-            <a:ext cx="3829895" cy="923330"/>
-          </a:xfrm>
-          <a:prstGeom prst="rect">
-            <a:avLst/>
-          </a:prstGeom>
-          <a:noFill/>
-        </p:spPr>
-        <p:txBody>
-          <a:bodyPr wrap="none" rtlCol="0">
-            <a:spAutoFit/>
-          </a:bodyPr>
-          <a:lstStyle/>
-          <a:p>
-            <a:r>
-              <a:rPr lang="en-US" sz="5400" dirty="0" smtClean="0">
-                <a:latin typeface="Bitter" panose="00000500000000000000" pitchFamily="2" charset="-52"/>
-              </a:rPr>
-              <a:t>WINDOWS</a:t>
-            </a:r>
-            <a:endParaRPr lang="en-GB" sz="5400" dirty="0">
-              <a:latin typeface="Bitter" panose="00000500000000000000" pitchFamily="2" charset="-52"/>
-            </a:endParaRPr>
-          </a:p>
-        </p:txBody>
-      </p:sp>
-      <p:pic>
-        <p:nvPicPr>
-          <p:cNvPr id="5" name="Рисунок 4"/>
-          <p:cNvPicPr>
-            <a:picLocks noChangeAspect="1"/>
-          </p:cNvPicPr>
-          <p:nvPr/>
-        </p:nvPicPr>
-        <p:blipFill>
-          <a:blip r:embed="rId4"/>
-          <a:stretch>
-            <a:fillRect/>
-          </a:stretch>
-        </p:blipFill>
-        <p:spPr>
-          <a:xfrm>
-            <a:off x="7641504" y="2539399"/>
-            <a:ext cx="2799215" cy="2735355"/>
-          </a:xfrm>
-          <a:prstGeom prst="rect">
-            <a:avLst/>
-          </a:prstGeom>
-        </p:spPr>
-      </p:pic>
     </p:spTree>
     <p:extLst>
       <p:ext uri="{BB962C8B-B14F-4D97-AF65-F5344CB8AC3E}">
-        <p14:creationId xmlns:p14="http://schemas.microsoft.com/office/powerpoint/2010/main" val="2452121757"/>
+        <p14:creationId xmlns:p14="http://schemas.microsoft.com/office/powerpoint/2010/main" val="3430572465"/>
       </p:ext>
     </p:extLst>
   </p:cSld>
@@ -6884,43 +8087,26 @@
       </p:grpSpPr>
       <p:pic>
         <p:nvPicPr>
-          <p:cNvPr id="2074" name="Picture 26" descr="Картинки по запросу vuejs"/>
+          <p:cNvPr id="7" name="Рисунок 6"/>
           <p:cNvPicPr>
-            <a:picLocks noChangeAspect="1" noChangeArrowheads="1"/>
+            <a:picLocks noChangeAspect="1"/>
           </p:cNvPicPr>
           <p:nvPr/>
         </p:nvPicPr>
         <p:blipFill>
-          <a:blip r:embed="rId2" cstate="print">
-            <a:extLst>
-              <a:ext uri="{28A0092B-C50C-407E-A947-70E740481C1C}">
-                <a14:useLocalDpi xmlns:a14="http://schemas.microsoft.com/office/drawing/2010/main" val="0"/>
-              </a:ext>
-            </a:extLst>
-          </a:blip>
-          <a:srcRect/>
+          <a:blip r:embed="rId2"/>
           <a:stretch>
             <a:fillRect/>
           </a:stretch>
         </p:blipFill>
-        <p:spPr bwMode="auto">
-          <a:xfrm>
-            <a:off x="8637456" y="4687369"/>
-            <a:ext cx="2380916" cy="1455004"/>
+        <p:spPr>
+          <a:xfrm>
+            <a:off x="2274117" y="1527005"/>
+            <a:ext cx="7643765" cy="4858637"/>
           </a:xfrm>
           <a:prstGeom prst="rect">
             <a:avLst/>
           </a:prstGeom>
-          <a:noFill/>
-          <a:extLst>
-            <a:ext uri="{909E8E84-426E-40DD-AFC4-6F175D3DCCD1}">
-              <a14:hiddenFill xmlns:a14="http://schemas.microsoft.com/office/drawing/2010/main">
-                <a:solidFill>
-                  <a:srgbClr val="FFFFFF"/>
-                </a:solidFill>
-              </a14:hiddenFill>
-            </a:ext>
-          </a:extLst>
         </p:spPr>
       </p:pic>
       <p:sp>
@@ -6946,12 +8132,8 @@
           <a:lstStyle/>
           <a:p>
             <a:r>
-              <a:rPr lang="ru-RU" dirty="0" smtClean="0">
-                <a:solidFill>
-                  <a:schemeClr val="tx1"/>
-                </a:solidFill>
-              </a:rPr>
-              <a:t>Выбор инструментов и технологий</a:t>
+              <a:rPr lang="ru-RU" dirty="0" smtClean="0"/>
+              <a:t>Логическая структура программы</a:t>
             </a:r>
             <a:endParaRPr lang="en-US" dirty="0">
               <a:solidFill>
@@ -6961,384 +8143,10 @@
           </a:p>
         </p:txBody>
       </p:sp>
-      <p:pic>
-        <p:nvPicPr>
-          <p:cNvPr id="2052" name="Picture 4" descr="Картинки по запросу MySQL"/>
-          <p:cNvPicPr>
-            <a:picLocks noChangeAspect="1" noChangeArrowheads="1"/>
-          </p:cNvPicPr>
-          <p:nvPr/>
-        </p:nvPicPr>
-        <p:blipFill>
-          <a:blip r:embed="rId3" cstate="print">
-            <a:extLst>
-              <a:ext uri="{28A0092B-C50C-407E-A947-70E740481C1C}">
-                <a14:useLocalDpi xmlns:a14="http://schemas.microsoft.com/office/drawing/2010/main" val="0"/>
-              </a:ext>
-            </a:extLst>
-          </a:blip>
-          <a:srcRect/>
-          <a:stretch>
-            <a:fillRect/>
-          </a:stretch>
-        </p:blipFill>
-        <p:spPr bwMode="auto">
-          <a:xfrm>
-            <a:off x="6057479" y="1057584"/>
-            <a:ext cx="2601248" cy="1346146"/>
-          </a:xfrm>
-          <a:prstGeom prst="rect">
-            <a:avLst/>
-          </a:prstGeom>
-          <a:noFill/>
-          <a:extLst>
-            <a:ext uri="{909E8E84-426E-40DD-AFC4-6F175D3DCCD1}">
-              <a14:hiddenFill xmlns:a14="http://schemas.microsoft.com/office/drawing/2010/main">
-                <a:solidFill>
-                  <a:srgbClr val="FFFFFF"/>
-                </a:solidFill>
-              </a14:hiddenFill>
-            </a:ext>
-          </a:extLst>
-        </p:spPr>
-      </p:pic>
-      <p:sp>
-        <p:nvSpPr>
-          <p:cNvPr id="3" name="TextBox 2"/>
-          <p:cNvSpPr txBox="1"/>
-          <p:nvPr/>
-        </p:nvSpPr>
-        <p:spPr>
-          <a:xfrm>
-            <a:off x="4087924" y="1541420"/>
-            <a:ext cx="1575405" cy="923330"/>
-          </a:xfrm>
-          <a:prstGeom prst="rect">
-            <a:avLst/>
-          </a:prstGeom>
-          <a:noFill/>
-        </p:spPr>
-        <p:txBody>
-          <a:bodyPr wrap="square" rtlCol="0">
-            <a:spAutoFit/>
-          </a:bodyPr>
-          <a:lstStyle/>
-          <a:p>
-            <a:pPr algn="r"/>
-            <a:r>
-              <a:rPr lang="ru-RU" sz="5400" dirty="0" smtClean="0"/>
-              <a:t>БД:</a:t>
-            </a:r>
-            <a:endParaRPr lang="en-GB" sz="4400" dirty="0"/>
-          </a:p>
-        </p:txBody>
-      </p:sp>
-      <p:sp>
-        <p:nvSpPr>
-          <p:cNvPr id="8" name="TextBox 7"/>
-          <p:cNvSpPr txBox="1"/>
-          <p:nvPr/>
-        </p:nvSpPr>
-        <p:spPr>
-          <a:xfrm>
-            <a:off x="765175" y="3126983"/>
-            <a:ext cx="4825130" cy="830997"/>
-          </a:xfrm>
-          <a:prstGeom prst="rect">
-            <a:avLst/>
-          </a:prstGeom>
-          <a:noFill/>
-        </p:spPr>
-        <p:txBody>
-          <a:bodyPr wrap="square" rtlCol="0">
-            <a:spAutoFit/>
-          </a:bodyPr>
-          <a:lstStyle/>
-          <a:p>
-            <a:pPr algn="r"/>
-            <a:r>
-              <a:rPr lang="ru-RU" sz="4800" dirty="0" smtClean="0"/>
-              <a:t>Серверная часть:</a:t>
-            </a:r>
-            <a:endParaRPr lang="en-GB" sz="4000" dirty="0"/>
-          </a:p>
-        </p:txBody>
-      </p:sp>
-      <p:pic>
-        <p:nvPicPr>
-          <p:cNvPr id="2054" name="Picture 6" descr="Картинки по запросу PHP"/>
-          <p:cNvPicPr>
-            <a:picLocks noChangeAspect="1" noChangeArrowheads="1"/>
-          </p:cNvPicPr>
-          <p:nvPr/>
-        </p:nvPicPr>
-        <p:blipFill>
-          <a:blip r:embed="rId4" cstate="print">
-            <a:extLst>
-              <a:ext uri="{28A0092B-C50C-407E-A947-70E740481C1C}">
-                <a14:useLocalDpi xmlns:a14="http://schemas.microsoft.com/office/drawing/2010/main" val="0"/>
-              </a:ext>
-            </a:extLst>
-          </a:blip>
-          <a:srcRect/>
-          <a:stretch>
-            <a:fillRect/>
-          </a:stretch>
-        </p:blipFill>
-        <p:spPr bwMode="auto">
-          <a:xfrm>
-            <a:off x="5942581" y="2834582"/>
-            <a:ext cx="2443607" cy="1319548"/>
-          </a:xfrm>
-          <a:prstGeom prst="rect">
-            <a:avLst/>
-          </a:prstGeom>
-          <a:noFill/>
-          <a:extLst>
-            <a:ext uri="{909E8E84-426E-40DD-AFC4-6F175D3DCCD1}">
-              <a14:hiddenFill xmlns:a14="http://schemas.microsoft.com/office/drawing/2010/main">
-                <a:solidFill>
-                  <a:srgbClr val="FFFFFF"/>
-                </a:solidFill>
-              </a14:hiddenFill>
-            </a:ext>
-          </a:extLst>
-        </p:spPr>
-      </p:pic>
-      <p:pic>
-        <p:nvPicPr>
-          <p:cNvPr id="2056" name="Picture 8" descr="Картинки по запросу laravel"/>
-          <p:cNvPicPr>
-            <a:picLocks noChangeAspect="1" noChangeArrowheads="1"/>
-          </p:cNvPicPr>
-          <p:nvPr/>
-        </p:nvPicPr>
-        <p:blipFill>
-          <a:blip r:embed="rId5">
-            <a:extLst>
-              <a:ext uri="{28A0092B-C50C-407E-A947-70E740481C1C}">
-                <a14:useLocalDpi xmlns:a14="http://schemas.microsoft.com/office/drawing/2010/main" val="0"/>
-              </a:ext>
-            </a:extLst>
-          </a:blip>
-          <a:srcRect/>
-          <a:stretch>
-            <a:fillRect/>
-          </a:stretch>
-        </p:blipFill>
-        <p:spPr bwMode="auto">
-          <a:xfrm>
-            <a:off x="8759067" y="2304329"/>
-            <a:ext cx="2107250" cy="2107250"/>
-          </a:xfrm>
-          <a:prstGeom prst="rect">
-            <a:avLst/>
-          </a:prstGeom>
-          <a:noFill/>
-          <a:extLst>
-            <a:ext uri="{909E8E84-426E-40DD-AFC4-6F175D3DCCD1}">
-              <a14:hiddenFill xmlns:a14="http://schemas.microsoft.com/office/drawing/2010/main">
-                <a:solidFill>
-                  <a:srgbClr val="FFFFFF"/>
-                </a:solidFill>
-              </a14:hiddenFill>
-            </a:ext>
-          </a:extLst>
-        </p:spPr>
-      </p:pic>
-      <p:sp>
-        <p:nvSpPr>
-          <p:cNvPr id="11" name="TextBox 10"/>
-          <p:cNvSpPr txBox="1"/>
-          <p:nvPr/>
-        </p:nvSpPr>
-        <p:spPr>
-          <a:xfrm>
-            <a:off x="765175" y="4892886"/>
-            <a:ext cx="4825130" cy="830997"/>
-          </a:xfrm>
-          <a:prstGeom prst="rect">
-            <a:avLst/>
-          </a:prstGeom>
-          <a:noFill/>
-        </p:spPr>
-        <p:txBody>
-          <a:bodyPr wrap="square" rtlCol="0">
-            <a:spAutoFit/>
-          </a:bodyPr>
-          <a:lstStyle/>
-          <a:p>
-            <a:pPr algn="r"/>
-            <a:r>
-              <a:rPr lang="ru-RU" sz="4800" dirty="0" smtClean="0"/>
-              <a:t>Клиентская часть:</a:t>
-            </a:r>
-            <a:endParaRPr lang="en-GB" sz="4000" dirty="0"/>
-          </a:p>
-        </p:txBody>
-      </p:sp>
-      <p:sp>
-        <p:nvSpPr>
-          <p:cNvPr id="4" name="AutoShape 10" descr="Картинки по запросу html css js"/>
-          <p:cNvSpPr>
-            <a:spLocks noChangeAspect="1" noChangeArrowheads="1"/>
-          </p:cNvSpPr>
-          <p:nvPr/>
-        </p:nvSpPr>
-        <p:spPr bwMode="auto">
-          <a:xfrm>
-            <a:off x="155575" y="-144463"/>
-            <a:ext cx="304800" cy="304801"/>
-          </a:xfrm>
-          <a:prstGeom prst="rect">
-            <a:avLst/>
-          </a:prstGeom>
-          <a:noFill/>
-          <a:extLst>
-            <a:ext uri="{909E8E84-426E-40DD-AFC4-6F175D3DCCD1}">
-              <a14:hiddenFill xmlns:a14="http://schemas.microsoft.com/office/drawing/2010/main">
-                <a:solidFill>
-                  <a:srgbClr val="FFFFFF"/>
-                </a:solidFill>
-              </a14:hiddenFill>
-            </a:ext>
-          </a:extLst>
-        </p:spPr>
-        <p:txBody>
-          <a:bodyPr vert="horz" wrap="square" lIns="91440" tIns="45720" rIns="91440" bIns="45720" numCol="1" anchor="t" anchorCtr="0" compatLnSpc="1">
-            <a:prstTxWarp prst="textNoShape">
-              <a:avLst/>
-            </a:prstTxWarp>
-          </a:bodyPr>
-          <a:lstStyle/>
-          <a:p>
-            <a:endParaRPr lang="en-GB"/>
-          </a:p>
-        </p:txBody>
-      </p:sp>
-      <p:sp>
-        <p:nvSpPr>
-          <p:cNvPr id="9" name="AutoShape 16" descr="Картинки по запросу html css js"/>
-          <p:cNvSpPr>
-            <a:spLocks noChangeAspect="1" noChangeArrowheads="1"/>
-          </p:cNvSpPr>
-          <p:nvPr/>
-        </p:nvSpPr>
-        <p:spPr bwMode="auto">
-          <a:xfrm>
-            <a:off x="307975" y="7937"/>
-            <a:ext cx="304800" cy="304801"/>
-          </a:xfrm>
-          <a:prstGeom prst="rect">
-            <a:avLst/>
-          </a:prstGeom>
-          <a:noFill/>
-          <a:extLst>
-            <a:ext uri="{909E8E84-426E-40DD-AFC4-6F175D3DCCD1}">
-              <a14:hiddenFill xmlns:a14="http://schemas.microsoft.com/office/drawing/2010/main">
-                <a:solidFill>
-                  <a:srgbClr val="FFFFFF"/>
-                </a:solidFill>
-              </a14:hiddenFill>
-            </a:ext>
-          </a:extLst>
-        </p:spPr>
-        <p:txBody>
-          <a:bodyPr vert="horz" wrap="square" lIns="91440" tIns="45720" rIns="91440" bIns="45720" numCol="1" anchor="t" anchorCtr="0" compatLnSpc="1">
-            <a:prstTxWarp prst="textNoShape">
-              <a:avLst/>
-            </a:prstTxWarp>
-          </a:bodyPr>
-          <a:lstStyle/>
-          <a:p>
-            <a:endParaRPr lang="en-GB"/>
-          </a:p>
-        </p:txBody>
-      </p:sp>
-      <p:sp>
-        <p:nvSpPr>
-          <p:cNvPr id="10" name="AutoShape 18" descr="Картинки по запросу html css js"/>
-          <p:cNvSpPr>
-            <a:spLocks noChangeAspect="1" noChangeArrowheads="1"/>
-          </p:cNvSpPr>
-          <p:nvPr/>
-        </p:nvSpPr>
-        <p:spPr bwMode="auto">
-          <a:xfrm>
-            <a:off x="460375" y="160337"/>
-            <a:ext cx="304800" cy="304801"/>
-          </a:xfrm>
-          <a:prstGeom prst="rect">
-            <a:avLst/>
-          </a:prstGeom>
-          <a:noFill/>
-          <a:extLst>
-            <a:ext uri="{909E8E84-426E-40DD-AFC4-6F175D3DCCD1}">
-              <a14:hiddenFill xmlns:a14="http://schemas.microsoft.com/office/drawing/2010/main">
-                <a:solidFill>
-                  <a:srgbClr val="FFFFFF"/>
-                </a:solidFill>
-              </a14:hiddenFill>
-            </a:ext>
-          </a:extLst>
-        </p:spPr>
-        <p:txBody>
-          <a:bodyPr vert="horz" wrap="square" lIns="91440" tIns="45720" rIns="91440" bIns="45720" numCol="1" anchor="t" anchorCtr="0" compatLnSpc="1">
-            <a:prstTxWarp prst="textNoShape">
-              <a:avLst/>
-            </a:prstTxWarp>
-          </a:bodyPr>
-          <a:lstStyle/>
-          <a:p>
-            <a:endParaRPr lang="en-GB"/>
-          </a:p>
-        </p:txBody>
-      </p:sp>
-      <p:pic>
-        <p:nvPicPr>
-          <p:cNvPr id="2072" name="Picture 24" descr="Картинки по запросу html css js"/>
-          <p:cNvPicPr>
-            <a:picLocks noChangeAspect="1" noChangeArrowheads="1"/>
-          </p:cNvPicPr>
-          <p:nvPr/>
-        </p:nvPicPr>
-        <p:blipFill>
-          <a:blip r:embed="rId6" cstate="print">
-            <a:extLst>
-              <a:ext uri="{28A0092B-C50C-407E-A947-70E740481C1C}">
-                <a14:useLocalDpi xmlns:a14="http://schemas.microsoft.com/office/drawing/2010/main" val="0"/>
-              </a:ext>
-            </a:extLst>
-          </a:blip>
-          <a:srcRect/>
-          <a:stretch>
-            <a:fillRect/>
-          </a:stretch>
-        </p:blipFill>
-        <p:spPr bwMode="auto">
-          <a:xfrm>
-            <a:off x="5942581" y="4584982"/>
-            <a:ext cx="2657947" cy="1557391"/>
-          </a:xfrm>
-          <a:prstGeom prst="rect">
-            <a:avLst/>
-          </a:prstGeom>
-          <a:noFill/>
-          <a:extLst>
-            <a:ext uri="{909E8E84-426E-40DD-AFC4-6F175D3DCCD1}">
-              <a14:hiddenFill xmlns:a14="http://schemas.microsoft.com/office/drawing/2010/main">
-                <a:solidFill>
-                  <a:srgbClr val="FFFFFF"/>
-                </a:solidFill>
-              </a14:hiddenFill>
-            </a:ext>
-          </a:extLst>
-        </p:spPr>
-      </p:pic>
     </p:spTree>
     <p:extLst>
       <p:ext uri="{BB962C8B-B14F-4D97-AF65-F5344CB8AC3E}">
-        <p14:creationId xmlns:p14="http://schemas.microsoft.com/office/powerpoint/2010/main" val="2461264661"/>
+        <p14:creationId xmlns:p14="http://schemas.microsoft.com/office/powerpoint/2010/main" val="876964668"/>
       </p:ext>
     </p:extLst>
   </p:cSld>
@@ -7372,9 +8180,47 @@
           <a:chExt cx="0" cy="0"/>
         </a:xfrm>
       </p:grpSpPr>
+      <p:sp>
+        <p:nvSpPr>
+          <p:cNvPr id="7" name="Title 1"/>
+          <p:cNvSpPr>
+            <a:spLocks noGrp="1"/>
+          </p:cNvSpPr>
+          <p:nvPr>
+            <p:ph type="title"/>
+          </p:nvPr>
+        </p:nvSpPr>
+        <p:spPr>
+          <a:xfrm>
+            <a:off x="838200" y="244371"/>
+            <a:ext cx="10515600" cy="874233"/>
+          </a:xfrm>
+        </p:spPr>
+        <p:txBody>
+          <a:bodyPr>
+            <a:normAutofit/>
+          </a:bodyPr>
+          <a:lstStyle/>
+          <a:p>
+            <a:r>
+              <a:rPr lang="ru-RU" dirty="0" smtClean="0">
+                <a:solidFill>
+                  <a:schemeClr val="tx1"/>
+                </a:solidFill>
+              </a:rPr>
+              <a:t>Действия администратора</a:t>
+            </a:r>
+            <a:endParaRPr lang="en-US" dirty="0">
+              <a:solidFill>
+                <a:schemeClr val="tx1"/>
+              </a:solidFill>
+            </a:endParaRPr>
+          </a:p>
+        </p:txBody>
+      </p:sp>
       <p:pic>
         <p:nvPicPr>
-          <p:cNvPr id="7" name="Рисунок 6"/>
+          <p:cNvPr id="4" name="Рисунок 3"/>
           <p:cNvPicPr>
             <a:picLocks noChangeAspect="1"/>
           </p:cNvPicPr>
@@ -7388,52 +8234,18 @@
         </p:blipFill>
         <p:spPr>
           <a:xfrm>
-            <a:off x="2274117" y="1527005"/>
-            <a:ext cx="7643765" cy="4858637"/>
+            <a:off x="2656973" y="1648327"/>
+            <a:ext cx="6878053" cy="4232648"/>
           </a:xfrm>
           <a:prstGeom prst="rect">
             <a:avLst/>
           </a:prstGeom>
         </p:spPr>
       </p:pic>
-      <p:sp>
-        <p:nvSpPr>
-          <p:cNvPr id="5" name="Title 1"/>
-          <p:cNvSpPr>
-            <a:spLocks noGrp="1"/>
-          </p:cNvSpPr>
-          <p:nvPr>
-            <p:ph type="title"/>
-          </p:nvPr>
-        </p:nvSpPr>
-        <p:spPr>
-          <a:xfrm>
-            <a:off x="838200" y="244371"/>
-            <a:ext cx="10515600" cy="874233"/>
-          </a:xfrm>
-        </p:spPr>
-        <p:txBody>
-          <a:bodyPr>
-            <a:normAutofit/>
-          </a:bodyPr>
-          <a:lstStyle/>
-          <a:p>
-            <a:r>
-              <a:rPr lang="ru-RU" dirty="0" smtClean="0"/>
-              <a:t>Логическая структура программы</a:t>
-            </a:r>
-            <a:endParaRPr lang="en-US" dirty="0">
-              <a:solidFill>
-                <a:schemeClr val="tx1"/>
-              </a:solidFill>
-            </a:endParaRPr>
-          </a:p>
-        </p:txBody>
-      </p:sp>
     </p:spTree>
     <p:extLst>
       <p:ext uri="{BB962C8B-B14F-4D97-AF65-F5344CB8AC3E}">
-        <p14:creationId xmlns:p14="http://schemas.microsoft.com/office/powerpoint/2010/main" val="876964668"/>
+        <p14:creationId xmlns:p14="http://schemas.microsoft.com/office/powerpoint/2010/main" val="1539838779"/>
       </p:ext>
     </p:extLst>
   </p:cSld>
@@ -7469,7 +8281,7 @@
       </p:grpSpPr>
       <p:sp>
         <p:nvSpPr>
-          <p:cNvPr id="7" name="Title 1"/>
+          <p:cNvPr id="9" name="Title 1"/>
           <p:cNvSpPr>
             <a:spLocks noGrp="1"/>
           </p:cNvSpPr>
@@ -7495,7 +8307,7 @@
                   <a:schemeClr val="tx1"/>
                 </a:solidFill>
               </a:rPr>
-              <a:t>Действия администратора</a:t>
+              <a:t>Действия редактора тестов</a:t>
             </a:r>
             <a:endParaRPr lang="en-US" dirty="0">
               <a:solidFill>
@@ -7507,7 +8319,7 @@
       </p:sp>
       <p:pic>
         <p:nvPicPr>
-          <p:cNvPr id="4" name="Рисунок 3"/>
+          <p:cNvPr id="11" name="Рисунок 10"/>
           <p:cNvPicPr>
             <a:picLocks noChangeAspect="1"/>
           </p:cNvPicPr>
@@ -7521,8 +8333,8 @@
         </p:blipFill>
         <p:spPr>
           <a:xfrm>
-            <a:off x="2656973" y="1648327"/>
-            <a:ext cx="6878053" cy="4232648"/>
+            <a:off x="1321122" y="1118604"/>
+            <a:ext cx="9549755" cy="5458658"/>
           </a:xfrm>
           <a:prstGeom prst="rect">
             <a:avLst/>
@@ -7532,7 +8344,7 @@
     </p:spTree>
     <p:extLst>
       <p:ext uri="{BB962C8B-B14F-4D97-AF65-F5344CB8AC3E}">
-        <p14:creationId xmlns:p14="http://schemas.microsoft.com/office/powerpoint/2010/main" val="1539838779"/>
+        <p14:creationId xmlns:p14="http://schemas.microsoft.com/office/powerpoint/2010/main" val="206478856"/>
       </p:ext>
     </p:extLst>
   </p:cSld>

--- a/Диплом/ДИПЛОМ.pptx
+++ b/Диплом/ДИПЛОМ.pptx
@@ -1,6 +1,6 @@
 
 <file path=ppt/presentation.xml><?xml version="1.0" encoding="utf-8"?>
-<p:presentation xmlns:a="http://schemas.openxmlformats.org/drawingml/2006/main" xmlns:r="http://schemas.openxmlformats.org/officeDocument/2006/relationships" xmlns:p="http://schemas.openxmlformats.org/presentationml/2006/main" saveSubsetFonts="1">
+<p:presentation xmlns:a="http://schemas.openxmlformats.org/drawingml/2006/main" xmlns:r="http://schemas.openxmlformats.org/officeDocument/2006/relationships" xmlns:p="http://schemas.openxmlformats.org/presentationml/2006/main" showSpecialPlsOnTitleSld="0" saveSubsetFonts="1">
   <p:sldMasterIdLst>
     <p:sldMasterId id="2147483757" r:id="rId1"/>
   </p:sldMasterIdLst>
@@ -210,7 +210,7 @@
           <a:p>
             <a:fld id="{B404D439-6979-4C47-8933-653EA3DBF387}" type="datetimeFigureOut">
               <a:rPr lang="ru-RU" smtClean="0"/>
-              <a:t>14.06.2017</a:t>
+              <a:t>15.06.2017</a:t>
             </a:fld>
             <a:endParaRPr lang="ru-RU"/>
           </a:p>
@@ -497,7 +497,7 @@
       </p:grpSpPr>
       <p:sp>
         <p:nvSpPr>
-          <p:cNvPr id="2" name="Slide Image Placeholder 1"/>
+          <p:cNvPr id="2" name="Образ слайда 1"/>
           <p:cNvSpPr>
             <a:spLocks noGrp="1" noRot="1" noChangeAspect="1"/>
           </p:cNvSpPr>
@@ -509,7 +509,7 @@
       </p:sp>
       <p:sp>
         <p:nvSpPr>
-          <p:cNvPr id="3" name="Notes Placeholder 2"/>
+          <p:cNvPr id="3" name="Заметки 2"/>
           <p:cNvSpPr>
             <a:spLocks noGrp="1"/>
           </p:cNvSpPr>
@@ -522,42 +522,13 @@
           <a:bodyPr/>
           <a:lstStyle/>
           <a:p>
-            <a:pPr marL="0" marR="0" indent="0" algn="l" defTabSz="914400" rtl="0" eaLnBrk="1" fontAlgn="auto" latinLnBrk="0" hangingPunct="1">
-              <a:lnSpc>
-                <a:spcPct val="100000"/>
-              </a:lnSpc>
-              <a:spcBef>
-                <a:spcPts val="0"/>
-              </a:spcBef>
-              <a:spcAft>
-                <a:spcPts val="0"/>
-              </a:spcAft>
-              <a:buClrTx/>
-              <a:buSzTx/>
-              <a:buFontTx/>
-              <a:buNone/>
-              <a:tabLst/>
-              <a:defRPr/>
-            </a:pPr>
-            <a:r>
-              <a:rPr lang="en-US" sz="1200">
-                <a:solidFill>
-                  <a:prstClr val="black"/>
-                </a:solidFill>
-              </a:rPr>
-              <a:t>© Copyright Showeet.com – Free PowerPoint Templates</a:t>
-            </a:r>
-            <a:endParaRPr lang="en-US" sz="1200" dirty="0">
-              <a:solidFill>
-                <a:prstClr val="black"/>
-              </a:solidFill>
-            </a:endParaRPr>
-          </a:p>
-        </p:txBody>
-      </p:sp>
-      <p:sp>
-        <p:nvSpPr>
-          <p:cNvPr id="4" name="Slide Number Placeholder 3"/>
+            <a:endParaRPr lang="ru-RU"/>
+          </a:p>
+        </p:txBody>
+      </p:sp>
+      <p:sp>
+        <p:nvSpPr>
+          <p:cNvPr id="4" name="Номер слайда 3"/>
           <p:cNvSpPr>
             <a:spLocks noGrp="1"/>
           </p:cNvSpPr>
@@ -570,18 +541,18 @@
           <a:bodyPr/>
           <a:lstStyle/>
           <a:p>
-            <a:fld id="{1492863F-2181-40AA-9D10-26C0A01C7A52}" type="slidenum">
-              <a:rPr lang="en-US" smtClean="0"/>
-              <a:t>2</a:t>
+            <a:fld id="{64FC84E0-29A6-465E-8FC3-5D56C5127BB0}" type="slidenum">
+              <a:rPr lang="ru-RU" smtClean="0"/>
+              <a:t>1</a:t>
             </a:fld>
-            <a:endParaRPr lang="en-US"/>
+            <a:endParaRPr lang="ru-RU"/>
           </a:p>
         </p:txBody>
       </p:sp>
     </p:spTree>
     <p:extLst>
       <p:ext uri="{BB962C8B-B14F-4D97-AF65-F5344CB8AC3E}">
-        <p14:creationId xmlns:p14="http://schemas.microsoft.com/office/powerpoint/2010/main" val="732960435"/>
+        <p14:creationId xmlns:p14="http://schemas.microsoft.com/office/powerpoint/2010/main" val="4032463119"/>
       </p:ext>
     </p:extLst>
   </p:cSld>
@@ -685,6 +656,119 @@
           <a:p>
             <a:fld id="{1492863F-2181-40AA-9D10-26C0A01C7A52}" type="slidenum">
               <a:rPr lang="en-US" smtClean="0"/>
+              <a:t>2</a:t>
+            </a:fld>
+            <a:endParaRPr lang="en-US"/>
+          </a:p>
+        </p:txBody>
+      </p:sp>
+    </p:spTree>
+    <p:extLst>
+      <p:ext uri="{BB962C8B-B14F-4D97-AF65-F5344CB8AC3E}">
+        <p14:creationId xmlns:p14="http://schemas.microsoft.com/office/powerpoint/2010/main" val="732960435"/>
+      </p:ext>
+    </p:extLst>
+  </p:cSld>
+  <p:clrMapOvr>
+    <a:masterClrMapping/>
+  </p:clrMapOvr>
+</p:notes>
+</file>
+
+<file path=ppt/notesSlides/notesSlide3.xml><?xml version="1.0" encoding="utf-8"?>
+<p:notes xmlns:a="http://schemas.openxmlformats.org/drawingml/2006/main" xmlns:r="http://schemas.openxmlformats.org/officeDocument/2006/relationships" xmlns:p="http://schemas.openxmlformats.org/presentationml/2006/main">
+  <p:cSld>
+    <p:spTree>
+      <p:nvGrpSpPr>
+        <p:cNvPr id="1" name=""/>
+        <p:cNvGrpSpPr/>
+        <p:nvPr/>
+      </p:nvGrpSpPr>
+      <p:grpSpPr>
+        <a:xfrm>
+          <a:off x="0" y="0"/>
+          <a:ext cx="0" cy="0"/>
+          <a:chOff x="0" y="0"/>
+          <a:chExt cx="0" cy="0"/>
+        </a:xfrm>
+      </p:grpSpPr>
+      <p:sp>
+        <p:nvSpPr>
+          <p:cNvPr id="2" name="Slide Image Placeholder 1"/>
+          <p:cNvSpPr>
+            <a:spLocks noGrp="1" noRot="1" noChangeAspect="1"/>
+          </p:cNvSpPr>
+          <p:nvPr>
+            <p:ph type="sldImg"/>
+          </p:nvPr>
+        </p:nvSpPr>
+        <p:spPr/>
+      </p:sp>
+      <p:sp>
+        <p:nvSpPr>
+          <p:cNvPr id="3" name="Notes Placeholder 2"/>
+          <p:cNvSpPr>
+            <a:spLocks noGrp="1"/>
+          </p:cNvSpPr>
+          <p:nvPr>
+            <p:ph type="body" idx="1"/>
+          </p:nvPr>
+        </p:nvSpPr>
+        <p:spPr/>
+        <p:txBody>
+          <a:bodyPr/>
+          <a:lstStyle/>
+          <a:p>
+            <a:pPr marL="0" marR="0" indent="0" algn="l" defTabSz="914400" rtl="0" eaLnBrk="1" fontAlgn="auto" latinLnBrk="0" hangingPunct="1">
+              <a:lnSpc>
+                <a:spcPct val="100000"/>
+              </a:lnSpc>
+              <a:spcBef>
+                <a:spcPts val="0"/>
+              </a:spcBef>
+              <a:spcAft>
+                <a:spcPts val="0"/>
+              </a:spcAft>
+              <a:buClrTx/>
+              <a:buSzTx/>
+              <a:buFontTx/>
+              <a:buNone/>
+              <a:tabLst/>
+              <a:defRPr/>
+            </a:pPr>
+            <a:r>
+              <a:rPr lang="en-US" sz="1200">
+                <a:solidFill>
+                  <a:prstClr val="black"/>
+                </a:solidFill>
+              </a:rPr>
+              <a:t>© Copyright Showeet.com – Free PowerPoint Templates</a:t>
+            </a:r>
+            <a:endParaRPr lang="en-US" sz="1200" dirty="0">
+              <a:solidFill>
+                <a:prstClr val="black"/>
+              </a:solidFill>
+            </a:endParaRPr>
+          </a:p>
+        </p:txBody>
+      </p:sp>
+      <p:sp>
+        <p:nvSpPr>
+          <p:cNvPr id="4" name="Slide Number Placeholder 3"/>
+          <p:cNvSpPr>
+            <a:spLocks noGrp="1"/>
+          </p:cNvSpPr>
+          <p:nvPr>
+            <p:ph type="sldNum" sz="quarter" idx="10"/>
+          </p:nvPr>
+        </p:nvSpPr>
+        <p:spPr/>
+        <p:txBody>
+          <a:bodyPr/>
+          <a:lstStyle/>
+          <a:p>
+            <a:fld id="{1492863F-2181-40AA-9D10-26C0A01C7A52}" type="slidenum">
+              <a:rPr lang="en-US" smtClean="0"/>
               <a:t>3</a:t>
             </a:fld>
             <a:endParaRPr lang="en-US"/>
@@ -695,6 +779,90 @@
     <p:extLst>
       <p:ext uri="{BB962C8B-B14F-4D97-AF65-F5344CB8AC3E}">
         <p14:creationId xmlns:p14="http://schemas.microsoft.com/office/powerpoint/2010/main" val="1500671134"/>
+      </p:ext>
+    </p:extLst>
+  </p:cSld>
+  <p:clrMapOvr>
+    <a:masterClrMapping/>
+  </p:clrMapOvr>
+</p:notes>
+</file>
+
+<file path=ppt/notesSlides/notesSlide4.xml><?xml version="1.0" encoding="utf-8"?>
+<p:notes xmlns:a="http://schemas.openxmlformats.org/drawingml/2006/main" xmlns:r="http://schemas.openxmlformats.org/officeDocument/2006/relationships" xmlns:p="http://schemas.openxmlformats.org/presentationml/2006/main">
+  <p:cSld>
+    <p:spTree>
+      <p:nvGrpSpPr>
+        <p:cNvPr id="1" name=""/>
+        <p:cNvGrpSpPr/>
+        <p:nvPr/>
+      </p:nvGrpSpPr>
+      <p:grpSpPr>
+        <a:xfrm>
+          <a:off x="0" y="0"/>
+          <a:ext cx="0" cy="0"/>
+          <a:chOff x="0" y="0"/>
+          <a:chExt cx="0" cy="0"/>
+        </a:xfrm>
+      </p:grpSpPr>
+      <p:sp>
+        <p:nvSpPr>
+          <p:cNvPr id="2" name="Образ слайда 1"/>
+          <p:cNvSpPr>
+            <a:spLocks noGrp="1" noRot="1" noChangeAspect="1"/>
+          </p:cNvSpPr>
+          <p:nvPr>
+            <p:ph type="sldImg"/>
+          </p:nvPr>
+        </p:nvSpPr>
+        <p:spPr/>
+      </p:sp>
+      <p:sp>
+        <p:nvSpPr>
+          <p:cNvPr id="3" name="Заметки 2"/>
+          <p:cNvSpPr>
+            <a:spLocks noGrp="1"/>
+          </p:cNvSpPr>
+          <p:nvPr>
+            <p:ph type="body" idx="1"/>
+          </p:nvPr>
+        </p:nvSpPr>
+        <p:spPr/>
+        <p:txBody>
+          <a:bodyPr/>
+          <a:lstStyle/>
+          <a:p>
+            <a:endParaRPr lang="ru-RU"/>
+          </a:p>
+        </p:txBody>
+      </p:sp>
+      <p:sp>
+        <p:nvSpPr>
+          <p:cNvPr id="4" name="Номер слайда 3"/>
+          <p:cNvSpPr>
+            <a:spLocks noGrp="1"/>
+          </p:cNvSpPr>
+          <p:nvPr>
+            <p:ph type="sldNum" sz="quarter" idx="10"/>
+          </p:nvPr>
+        </p:nvSpPr>
+        <p:spPr/>
+        <p:txBody>
+          <a:bodyPr/>
+          <a:lstStyle/>
+          <a:p>
+            <a:fld id="{64FC84E0-29A6-465E-8FC3-5D56C5127BB0}" type="slidenum">
+              <a:rPr lang="ru-RU" smtClean="0"/>
+              <a:t>4</a:t>
+            </a:fld>
+            <a:endParaRPr lang="ru-RU"/>
+          </a:p>
+        </p:txBody>
+      </p:sp>
+    </p:spTree>
+    <p:extLst>
+      <p:ext uri="{BB962C8B-B14F-4D97-AF65-F5344CB8AC3E}">
+        <p14:creationId xmlns:p14="http://schemas.microsoft.com/office/powerpoint/2010/main" val="3074513480"/>
       </p:ext>
     </p:extLst>
   </p:cSld>
@@ -833,10 +1001,10 @@
           <a:bodyPr/>
           <a:lstStyle/>
           <a:p>
-            <a:fld id="{446B8952-0178-45A7-83AF-F001A43CB726}" type="datetimeFigureOut">
-              <a:rPr lang="ru-RU" smtClean="0"/>
-              <a:t>14.06.2017</a:t>
-            </a:fld>
+            <a:r>
+              <a:rPr lang="ru-RU" smtClean="0"/>
+              <a:t>your date here</a:t>
+            </a:r>
             <a:endParaRPr lang="ru-RU"/>
           </a:p>
         </p:txBody>
@@ -856,6 +1024,10 @@
           <a:bodyPr/>
           <a:lstStyle/>
           <a:p>
+            <a:r>
+              <a:rPr lang="en-US" smtClean="0"/>
+              <a:t>större - a multipurpose PowerPoint template</a:t>
+            </a:r>
             <a:endParaRPr lang="ru-RU"/>
           </a:p>
         </p:txBody>
@@ -1003,10 +1175,10 @@
           <a:bodyPr/>
           <a:lstStyle/>
           <a:p>
-            <a:fld id="{446B8952-0178-45A7-83AF-F001A43CB726}" type="datetimeFigureOut">
-              <a:rPr lang="ru-RU" smtClean="0"/>
-              <a:t>14.06.2017</a:t>
-            </a:fld>
+            <a:r>
+              <a:rPr lang="ru-RU" smtClean="0"/>
+              <a:t>your date here</a:t>
+            </a:r>
             <a:endParaRPr lang="ru-RU"/>
           </a:p>
         </p:txBody>
@@ -1026,6 +1198,10 @@
           <a:bodyPr/>
           <a:lstStyle/>
           <a:p>
+            <a:r>
+              <a:rPr lang="en-US" smtClean="0"/>
+              <a:t>större - a multipurpose PowerPoint template</a:t>
+            </a:r>
             <a:endParaRPr lang="ru-RU"/>
           </a:p>
         </p:txBody>
@@ -1183,10 +1359,10 @@
           <a:bodyPr/>
           <a:lstStyle/>
           <a:p>
-            <a:fld id="{446B8952-0178-45A7-83AF-F001A43CB726}" type="datetimeFigureOut">
-              <a:rPr lang="ru-RU" smtClean="0"/>
-              <a:t>14.06.2017</a:t>
-            </a:fld>
+            <a:r>
+              <a:rPr lang="ru-RU" smtClean="0"/>
+              <a:t>your date here</a:t>
+            </a:r>
             <a:endParaRPr lang="ru-RU"/>
           </a:p>
         </p:txBody>
@@ -1206,6 +1382,10 @@
           <a:bodyPr/>
           <a:lstStyle/>
           <a:p>
+            <a:r>
+              <a:rPr lang="en-US" smtClean="0"/>
+              <a:t>större - a multipurpose PowerPoint template</a:t>
+            </a:r>
             <a:endParaRPr lang="ru-RU"/>
           </a:p>
         </p:txBody>
@@ -1373,9 +1553,10 @@
           </a:lstStyle>
           <a:p>
             <a:r>
-              <a:rPr lang="en-US"/>
+              <a:rPr lang="ru-RU" smtClean="0"/>
               <a:t>your date here</a:t>
             </a:r>
+            <a:endParaRPr lang="en-US"/>
           </a:p>
         </p:txBody>
       </p:sp>
@@ -1816,10 +1997,10 @@
           <a:bodyPr/>
           <a:lstStyle/>
           <a:p>
-            <a:fld id="{446B8952-0178-45A7-83AF-F001A43CB726}" type="datetimeFigureOut">
-              <a:rPr lang="ru-RU" smtClean="0"/>
-              <a:t>14.06.2017</a:t>
-            </a:fld>
+            <a:r>
+              <a:rPr lang="ru-RU" smtClean="0"/>
+              <a:t>your date here</a:t>
+            </a:r>
             <a:endParaRPr lang="ru-RU"/>
           </a:p>
         </p:txBody>
@@ -1839,6 +2020,10 @@
           <a:bodyPr/>
           <a:lstStyle/>
           <a:p>
+            <a:r>
+              <a:rPr lang="en-US" smtClean="0"/>
+              <a:t>större - a multipurpose PowerPoint template</a:t>
+            </a:r>
             <a:endParaRPr lang="ru-RU"/>
           </a:p>
         </p:txBody>
@@ -2062,10 +2247,10 @@
           <a:bodyPr/>
           <a:lstStyle/>
           <a:p>
-            <a:fld id="{446B8952-0178-45A7-83AF-F001A43CB726}" type="datetimeFigureOut">
-              <a:rPr lang="ru-RU" smtClean="0"/>
-              <a:t>14.06.2017</a:t>
-            </a:fld>
+            <a:r>
+              <a:rPr lang="ru-RU" smtClean="0"/>
+              <a:t>your date here</a:t>
+            </a:r>
             <a:endParaRPr lang="ru-RU"/>
           </a:p>
         </p:txBody>
@@ -2085,6 +2270,10 @@
           <a:bodyPr/>
           <a:lstStyle/>
           <a:p>
+            <a:r>
+              <a:rPr lang="en-US" smtClean="0"/>
+              <a:t>större - a multipurpose PowerPoint template</a:t>
+            </a:r>
             <a:endParaRPr lang="ru-RU"/>
           </a:p>
         </p:txBody>
@@ -2294,10 +2483,10 @@
           <a:bodyPr/>
           <a:lstStyle/>
           <a:p>
-            <a:fld id="{446B8952-0178-45A7-83AF-F001A43CB726}" type="datetimeFigureOut">
-              <a:rPr lang="ru-RU" smtClean="0"/>
-              <a:t>14.06.2017</a:t>
-            </a:fld>
+            <a:r>
+              <a:rPr lang="ru-RU" smtClean="0"/>
+              <a:t>your date here</a:t>
+            </a:r>
             <a:endParaRPr lang="ru-RU"/>
           </a:p>
         </p:txBody>
@@ -2317,6 +2506,10 @@
           <a:bodyPr/>
           <a:lstStyle/>
           <a:p>
+            <a:r>
+              <a:rPr lang="en-US" smtClean="0"/>
+              <a:t>större - a multipurpose PowerPoint template</a:t>
+            </a:r>
             <a:endParaRPr lang="ru-RU"/>
           </a:p>
         </p:txBody>
@@ -2661,10 +2854,10 @@
           <a:bodyPr/>
           <a:lstStyle/>
           <a:p>
-            <a:fld id="{446B8952-0178-45A7-83AF-F001A43CB726}" type="datetimeFigureOut">
-              <a:rPr lang="ru-RU" smtClean="0"/>
-              <a:t>14.06.2017</a:t>
-            </a:fld>
+            <a:r>
+              <a:rPr lang="ru-RU" smtClean="0"/>
+              <a:t>your date here</a:t>
+            </a:r>
             <a:endParaRPr lang="ru-RU"/>
           </a:p>
         </p:txBody>
@@ -2684,6 +2877,10 @@
           <a:bodyPr/>
           <a:lstStyle/>
           <a:p>
+            <a:r>
+              <a:rPr lang="en-US" smtClean="0"/>
+              <a:t>större - a multipurpose PowerPoint template</a:t>
+            </a:r>
             <a:endParaRPr lang="ru-RU"/>
           </a:p>
         </p:txBody>
@@ -2779,10 +2976,10 @@
           <a:bodyPr/>
           <a:lstStyle/>
           <a:p>
-            <a:fld id="{446B8952-0178-45A7-83AF-F001A43CB726}" type="datetimeFigureOut">
-              <a:rPr lang="ru-RU" smtClean="0"/>
-              <a:t>14.06.2017</a:t>
-            </a:fld>
+            <a:r>
+              <a:rPr lang="ru-RU" smtClean="0"/>
+              <a:t>your date here</a:t>
+            </a:r>
             <a:endParaRPr lang="ru-RU"/>
           </a:p>
         </p:txBody>
@@ -2802,6 +2999,10 @@
           <a:bodyPr/>
           <a:lstStyle/>
           <a:p>
+            <a:r>
+              <a:rPr lang="en-US" smtClean="0"/>
+              <a:t>större - a multipurpose PowerPoint template</a:t>
+            </a:r>
             <a:endParaRPr lang="ru-RU"/>
           </a:p>
         </p:txBody>
@@ -2874,10 +3075,10 @@
           <a:bodyPr/>
           <a:lstStyle/>
           <a:p>
-            <a:fld id="{446B8952-0178-45A7-83AF-F001A43CB726}" type="datetimeFigureOut">
-              <a:rPr lang="ru-RU" smtClean="0"/>
-              <a:t>14.06.2017</a:t>
-            </a:fld>
+            <a:r>
+              <a:rPr lang="ru-RU" smtClean="0"/>
+              <a:t>your date here</a:t>
+            </a:r>
             <a:endParaRPr lang="ru-RU"/>
           </a:p>
         </p:txBody>
@@ -2897,6 +3098,10 @@
           <a:bodyPr/>
           <a:lstStyle/>
           <a:p>
+            <a:r>
+              <a:rPr lang="en-US" smtClean="0"/>
+              <a:t>större - a multipurpose PowerPoint template</a:t>
+            </a:r>
             <a:endParaRPr lang="ru-RU"/>
           </a:p>
         </p:txBody>
@@ -3151,10 +3356,10 @@
           <a:bodyPr/>
           <a:lstStyle/>
           <a:p>
-            <a:fld id="{446B8952-0178-45A7-83AF-F001A43CB726}" type="datetimeFigureOut">
-              <a:rPr lang="ru-RU" smtClean="0"/>
-              <a:t>14.06.2017</a:t>
-            </a:fld>
+            <a:r>
+              <a:rPr lang="ru-RU" smtClean="0"/>
+              <a:t>your date here</a:t>
+            </a:r>
             <a:endParaRPr lang="ru-RU"/>
           </a:p>
         </p:txBody>
@@ -3174,6 +3379,10 @@
           <a:bodyPr/>
           <a:lstStyle/>
           <a:p>
+            <a:r>
+              <a:rPr lang="en-US" smtClean="0"/>
+              <a:t>större - a multipurpose PowerPoint template</a:t>
+            </a:r>
             <a:endParaRPr lang="ru-RU"/>
           </a:p>
         </p:txBody>
@@ -3404,10 +3613,10 @@
           <a:bodyPr/>
           <a:lstStyle/>
           <a:p>
-            <a:fld id="{446B8952-0178-45A7-83AF-F001A43CB726}" type="datetimeFigureOut">
-              <a:rPr lang="ru-RU" smtClean="0"/>
-              <a:t>14.06.2017</a:t>
-            </a:fld>
+            <a:r>
+              <a:rPr lang="ru-RU" smtClean="0"/>
+              <a:t>your date here</a:t>
+            </a:r>
             <a:endParaRPr lang="ru-RU"/>
           </a:p>
         </p:txBody>
@@ -3427,6 +3636,10 @@
           <a:bodyPr/>
           <a:lstStyle/>
           <a:p>
+            <a:r>
+              <a:rPr lang="en-US" smtClean="0"/>
+              <a:t>större - a multipurpose PowerPoint template</a:t>
+            </a:r>
             <a:endParaRPr lang="ru-RU"/>
           </a:p>
         </p:txBody>
@@ -3617,10 +3830,10 @@
             </a:lvl1pPr>
           </a:lstStyle>
           <a:p>
-            <a:fld id="{446B8952-0178-45A7-83AF-F001A43CB726}" type="datetimeFigureOut">
-              <a:rPr lang="ru-RU" smtClean="0"/>
-              <a:t>14.06.2017</a:t>
-            </a:fld>
+            <a:r>
+              <a:rPr lang="ru-RU" smtClean="0"/>
+              <a:t>your date here</a:t>
+            </a:r>
             <a:endParaRPr lang="ru-RU"/>
           </a:p>
         </p:txBody>
@@ -3658,6 +3871,10 @@
             </a:lvl1pPr>
           </a:lstStyle>
           <a:p>
+            <a:r>
+              <a:rPr lang="en-US" smtClean="0"/>
+              <a:t>större - a multipurpose PowerPoint template</a:t>
+            </a:r>
             <a:endParaRPr lang="ru-RU"/>
           </a:p>
         </p:txBody>
@@ -3725,6 +3942,7 @@
     <p:sldLayoutId id="2147483768" r:id="rId11"/>
     <p:sldLayoutId id="2147483769" r:id="rId12"/>
   </p:sldLayoutIdLst>
+  <p:hf hdr="0" ftr="0" dt="0"/>
   <p:txStyles>
     <p:titleStyle>
       <a:lvl1pPr algn="l" defTabSz="914400" rtl="0" eaLnBrk="1" latinLnBrk="0" hangingPunct="1">
@@ -4345,6 +4563,29 @@
           </a:p>
         </p:txBody>
       </p:sp>
+      <p:sp>
+        <p:nvSpPr>
+          <p:cNvPr id="4" name="Номер слайда 3"/>
+          <p:cNvSpPr>
+            <a:spLocks noGrp="1"/>
+          </p:cNvSpPr>
+          <p:nvPr>
+            <p:ph type="sldNum" sz="quarter" idx="12"/>
+          </p:nvPr>
+        </p:nvSpPr>
+        <p:spPr/>
+        <p:txBody>
+          <a:bodyPr/>
+          <a:lstStyle/>
+          <a:p>
+            <a:fld id="{C30A9A54-2EB7-4FB5-A0AB-23DA81119AE4}" type="slidenum">
+              <a:rPr lang="ru-RU" smtClean="0"/>
+              <a:t>10</a:t>
+            </a:fld>
+            <a:endParaRPr lang="ru-RU"/>
+          </a:p>
+        </p:txBody>
+      </p:sp>
     </p:spTree>
     <p:extLst>
       <p:ext uri="{BB962C8B-B14F-4D97-AF65-F5344CB8AC3E}">
@@ -4522,7 +4763,7 @@
         <p:spPr>
           <a:xfrm>
             <a:off x="1851779" y="1616069"/>
-            <a:ext cx="1763624" cy="923330"/>
+            <a:ext cx="1515158" cy="923330"/>
           </a:xfrm>
           <a:prstGeom prst="rect">
             <a:avLst/>
@@ -4536,14 +4777,10 @@
           <a:lstStyle/>
           <a:p>
             <a:r>
-              <a:rPr lang="en-US" sz="5400" dirty="0">
-                <a:latin typeface="Bitter" panose="00000500000000000000" pitchFamily="2" charset="-52"/>
-              </a:rPr>
+              <a:rPr lang="en-US" sz="5400" dirty="0"/>
               <a:t>WEB</a:t>
             </a:r>
-            <a:endParaRPr lang="en-GB" sz="5400" dirty="0">
-              <a:latin typeface="Bitter" panose="00000500000000000000" pitchFamily="2" charset="-52"/>
-            </a:endParaRPr>
+            <a:endParaRPr lang="en-GB" sz="5400" dirty="0"/>
           </a:p>
         </p:txBody>
       </p:sp>
@@ -4555,8 +4792,8 @@
         </p:nvSpPr>
         <p:spPr>
           <a:xfrm>
-            <a:off x="7233043" y="1616069"/>
-            <a:ext cx="3829895" cy="923330"/>
+            <a:off x="7533413" y="1616069"/>
+            <a:ext cx="3229154" cy="923330"/>
           </a:xfrm>
           <a:prstGeom prst="rect">
             <a:avLst/>
@@ -4570,14 +4807,10 @@
           <a:lstStyle/>
           <a:p>
             <a:r>
-              <a:rPr lang="en-US" sz="5400" dirty="0" smtClean="0">
-                <a:latin typeface="Bitter" panose="00000500000000000000" pitchFamily="2" charset="-52"/>
-              </a:rPr>
+              <a:rPr lang="en-US" sz="5400" dirty="0" smtClean="0"/>
               <a:t>WINDOWS</a:t>
             </a:r>
-            <a:endParaRPr lang="en-GB" sz="5400" dirty="0">
-              <a:latin typeface="Bitter" panose="00000500000000000000" pitchFamily="2" charset="-52"/>
-            </a:endParaRPr>
+            <a:endParaRPr lang="en-GB" sz="5400" dirty="0"/>
           </a:p>
         </p:txBody>
       </p:sp>
@@ -4605,6 +4838,29 @@
           </a:prstGeom>
         </p:spPr>
       </p:pic>
+      <p:sp>
+        <p:nvSpPr>
+          <p:cNvPr id="3" name="Номер слайда 2"/>
+          <p:cNvSpPr>
+            <a:spLocks noGrp="1"/>
+          </p:cNvSpPr>
+          <p:nvPr>
+            <p:ph type="sldNum" sz="quarter" idx="12"/>
+          </p:nvPr>
+        </p:nvSpPr>
+        <p:spPr/>
+        <p:txBody>
+          <a:bodyPr/>
+          <a:lstStyle/>
+          <a:p>
+            <a:fld id="{C30A9A54-2EB7-4FB5-A0AB-23DA81119AE4}" type="slidenum">
+              <a:rPr lang="ru-RU" smtClean="0"/>
+              <a:t>11</a:t>
+            </a:fld>
+            <a:endParaRPr lang="ru-RU"/>
+          </a:p>
+        </p:txBody>
+      </p:sp>
     </p:spTree>
     <p:extLst>
       <p:ext uri="{BB962C8B-B14F-4D97-AF65-F5344CB8AC3E}">
@@ -5095,6 +5351,29 @@
           </a:extLst>
         </p:spPr>
       </p:pic>
+      <p:sp>
+        <p:nvSpPr>
+          <p:cNvPr id="6" name="Номер слайда 5"/>
+          <p:cNvSpPr>
+            <a:spLocks noGrp="1"/>
+          </p:cNvSpPr>
+          <p:nvPr>
+            <p:ph type="sldNum" sz="quarter" idx="12"/>
+          </p:nvPr>
+        </p:nvSpPr>
+        <p:spPr/>
+        <p:txBody>
+          <a:bodyPr/>
+          <a:lstStyle/>
+          <a:p>
+            <a:fld id="{C30A9A54-2EB7-4FB5-A0AB-23DA81119AE4}" type="slidenum">
+              <a:rPr lang="ru-RU" smtClean="0"/>
+              <a:t>12</a:t>
+            </a:fld>
+            <a:endParaRPr lang="ru-RU"/>
+          </a:p>
+        </p:txBody>
+      </p:sp>
     </p:spTree>
     <p:extLst>
       <p:ext uri="{BB962C8B-B14F-4D97-AF65-F5344CB8AC3E}">
@@ -5178,7 +5457,7 @@
         </p:nvSpPr>
         <p:spPr>
           <a:xfrm>
-            <a:off x="838200" y="3459750"/>
+            <a:off x="1130267" y="3632101"/>
             <a:ext cx="3926305" cy="1323439"/>
           </a:xfrm>
           <a:prstGeom prst="rect">
@@ -5192,14 +5471,19 @@
           </a:bodyPr>
           <a:lstStyle/>
           <a:p>
+            <a:pPr algn="ctr"/>
             <a:r>
               <a:rPr lang="ru-RU" sz="4000" dirty="0" smtClean="0">
                 <a:latin typeface="Consolas" panose="020B0609020204030204" pitchFamily="49" charset="0"/>
               </a:rPr>
-              <a:t>РУЧНОЕ </a:t>
-            </a:r>
-          </a:p>
-          <a:p>
+              <a:t>РУЧНОЕ</a:t>
+            </a:r>
+            <a:endParaRPr lang="en-US" sz="4000" dirty="0">
+              <a:latin typeface="Consolas" panose="020B0609020204030204" pitchFamily="49" charset="0"/>
+            </a:endParaRPr>
+          </a:p>
+          <a:p>
+            <a:pPr algn="ctr"/>
             <a:r>
               <a:rPr lang="ru-RU" sz="4000" dirty="0" smtClean="0">
                 <a:latin typeface="Consolas" panose="020B0609020204030204" pitchFamily="49" charset="0"/>
@@ -5220,8 +5504,8 @@
         </p:nvSpPr>
         <p:spPr>
           <a:xfrm>
-            <a:off x="7501463" y="2965034"/>
-            <a:ext cx="3852337" cy="1323439"/>
+            <a:off x="6739743" y="3632101"/>
+            <a:ext cx="3570208" cy="1323439"/>
           </a:xfrm>
           <a:prstGeom prst="rect">
             <a:avLst/>
@@ -5234,14 +5518,25 @@
           </a:bodyPr>
           <a:lstStyle/>
           <a:p>
+            <a:pPr algn="ctr"/>
             <a:r>
               <a:rPr lang="ru-RU" sz="4000" dirty="0" smtClean="0">
                 <a:latin typeface="Consolas" panose="020B0609020204030204" pitchFamily="49" charset="0"/>
               </a:rPr>
-              <a:t>АЛЬФА И БЕТА </a:t>
-            </a:r>
-          </a:p>
-          <a:p>
+              <a:t>АЛЬФА И </a:t>
+            </a:r>
+            <a:r>
+              <a:rPr lang="ru-RU" sz="4000" dirty="0" smtClean="0">
+                <a:latin typeface="Consolas" panose="020B0609020204030204" pitchFamily="49" charset="0"/>
+              </a:rPr>
+              <a:t>БЕТА</a:t>
+            </a:r>
+            <a:endParaRPr lang="ru-RU" sz="4000" dirty="0" smtClean="0">
+              <a:latin typeface="Consolas" panose="020B0609020204030204" pitchFamily="49" charset="0"/>
+            </a:endParaRPr>
+          </a:p>
+          <a:p>
+            <a:pPr algn="ctr"/>
             <a:r>
               <a:rPr lang="ru-RU" sz="4000" dirty="0" smtClean="0">
                 <a:latin typeface="Consolas" panose="020B0609020204030204" pitchFamily="49" charset="0"/>
@@ -5277,7 +5572,7 @@
         </p:blipFill>
         <p:spPr bwMode="auto">
           <a:xfrm>
-            <a:off x="7254666" y="1509883"/>
+            <a:off x="6899066" y="1659530"/>
             <a:ext cx="1823485" cy="1455151"/>
           </a:xfrm>
           <a:prstGeom prst="rect">
@@ -5318,7 +5613,7 @@
         </p:blipFill>
         <p:spPr bwMode="auto">
           <a:xfrm>
-            <a:off x="7583195" y="3831736"/>
+            <a:off x="8969348" y="1118604"/>
             <a:ext cx="962269" cy="2145724"/>
           </a:xfrm>
           <a:prstGeom prst="rect">
@@ -5359,7 +5654,7 @@
         </p:blipFill>
         <p:spPr bwMode="auto">
           <a:xfrm>
-            <a:off x="2732188" y="2237458"/>
+            <a:off x="2200660" y="1631366"/>
             <a:ext cx="1785520" cy="1785521"/>
           </a:xfrm>
           <a:prstGeom prst="rect">
@@ -5377,6 +5672,29 @@
           </a:extLst>
         </p:spPr>
       </p:pic>
+      <p:sp>
+        <p:nvSpPr>
+          <p:cNvPr id="5" name="Номер слайда 4"/>
+          <p:cNvSpPr>
+            <a:spLocks noGrp="1"/>
+          </p:cNvSpPr>
+          <p:nvPr>
+            <p:ph type="sldNum" sz="quarter" idx="12"/>
+          </p:nvPr>
+        </p:nvSpPr>
+        <p:spPr/>
+        <p:txBody>
+          <a:bodyPr/>
+          <a:lstStyle/>
+          <a:p>
+            <a:fld id="{C30A9A54-2EB7-4FB5-A0AB-23DA81119AE4}" type="slidenum">
+              <a:rPr lang="ru-RU" smtClean="0"/>
+              <a:t>13</a:t>
+            </a:fld>
+            <a:endParaRPr lang="ru-RU"/>
+          </a:p>
+        </p:txBody>
+      </p:sp>
     </p:spTree>
     <p:extLst>
       <p:ext uri="{BB962C8B-B14F-4D97-AF65-F5344CB8AC3E}">
@@ -5503,15 +5821,7 @@
                   <a:schemeClr val="tx1"/>
                 </a:solidFill>
               </a:rPr>
-              <a:t>Постановка </a:t>
-            </a:r>
-            <a:r>
-              <a:rPr lang="ru-RU" dirty="0" smtClean="0">
-                <a:solidFill>
-                  <a:schemeClr val="tx1"/>
-                </a:solidFill>
-              </a:rPr>
-              <a:t>задачи</a:t>
+              <a:t>Постановка задачи</a:t>
             </a:r>
             <a:endParaRPr lang="en-US" dirty="0">
               <a:solidFill>
@@ -5640,6 +5950,30 @@
               <a:rPr lang="ru-RU" sz="2400" dirty="0" smtClean="0"/>
               <a:t>возможность угадать</a:t>
             </a:r>
+          </a:p>
+        </p:txBody>
+      </p:sp>
+      <p:sp>
+        <p:nvSpPr>
+          <p:cNvPr id="5" name="Номер слайда 4"/>
+          <p:cNvSpPr>
+            <a:spLocks noGrp="1"/>
+          </p:cNvSpPr>
+          <p:nvPr>
+            <p:ph type="sldNum" sz="quarter" idx="12"/>
+          </p:nvPr>
+        </p:nvSpPr>
+        <p:spPr/>
+        <p:txBody>
+          <a:bodyPr/>
+          <a:lstStyle/>
+          <a:p>
+            <a:fld id="{6E18DBF4-37B7-4C4F-9728-A1C100B177EE}" type="slidenum">
+              <a:rPr lang="en-US" smtClean="0"/>
+              <a:pPr/>
+              <a:t>2</a:t>
+            </a:fld>
+            <a:endParaRPr lang="en-US"/>
           </a:p>
         </p:txBody>
       </p:sp>
@@ -5708,15 +6042,7 @@
                   <a:schemeClr val="tx1"/>
                 </a:solidFill>
               </a:rPr>
-              <a:t>Постановка </a:t>
-            </a:r>
-            <a:r>
-              <a:rPr lang="ru-RU" dirty="0" smtClean="0">
-                <a:solidFill>
-                  <a:schemeClr val="tx1"/>
-                </a:solidFill>
-              </a:rPr>
-              <a:t>задачи</a:t>
+              <a:t>Постановка задачи</a:t>
             </a:r>
             <a:endParaRPr lang="en-US" dirty="0">
               <a:solidFill>
@@ -6694,6 +7020,30 @@
                 </a:schemeClr>
               </a:solidFill>
             </a:endParaRPr>
+          </a:p>
+        </p:txBody>
+      </p:sp>
+      <p:sp>
+        <p:nvSpPr>
+          <p:cNvPr id="6" name="Номер слайда 5"/>
+          <p:cNvSpPr>
+            <a:spLocks noGrp="1"/>
+          </p:cNvSpPr>
+          <p:nvPr>
+            <p:ph type="sldNum" sz="quarter" idx="12"/>
+          </p:nvPr>
+        </p:nvSpPr>
+        <p:spPr/>
+        <p:txBody>
+          <a:bodyPr/>
+          <a:lstStyle/>
+          <a:p>
+            <a:fld id="{6E18DBF4-37B7-4C4F-9728-A1C100B177EE}" type="slidenum">
+              <a:rPr lang="en-US" smtClean="0"/>
+              <a:pPr/>
+              <a:t>3</a:t>
+            </a:fld>
+            <a:endParaRPr lang="en-US"/>
           </a:p>
         </p:txBody>
       </p:sp>
@@ -6984,11 +7334,11 @@
           <p:nvPr/>
         </p:nvPicPr>
         <p:blipFill>
-          <a:blip r:embed="rId2">
+          <a:blip r:embed="rId3">
             <a:extLst>
               <a:ext uri="{BEBA8EAE-BF5A-486C-A8C5-ECC9F3942E4B}">
                 <a14:imgProps xmlns:a14="http://schemas.microsoft.com/office/drawing/2010/main">
-                  <a14:imgLayer r:embed="rId3">
+                  <a14:imgLayer r:embed="rId4">
                     <a14:imgEffect>
                       <a14:artisticBlur/>
                     </a14:imgEffect>
@@ -7020,7 +7370,7 @@
           <p:nvPr/>
         </p:nvPicPr>
         <p:blipFill>
-          <a:blip r:embed="rId4"/>
+          <a:blip r:embed="rId5"/>
           <a:stretch>
             <a:fillRect/>
           </a:stretch>
@@ -7074,11 +7424,11 @@
           <p:nvPr/>
         </p:nvPicPr>
         <p:blipFill>
-          <a:blip r:embed="rId5">
+          <a:blip r:embed="rId6">
             <a:extLst>
               <a:ext uri="{BEBA8EAE-BF5A-486C-A8C5-ECC9F3942E4B}">
                 <a14:imgProps xmlns:a14="http://schemas.microsoft.com/office/drawing/2010/main">
-                  <a14:imgLayer r:embed="rId6">
+                  <a14:imgLayer r:embed="rId7">
                     <a14:imgEffect>
                       <a14:artisticBlur/>
                     </a14:imgEffect>
@@ -7110,7 +7460,7 @@
           <p:nvPr/>
         </p:nvPicPr>
         <p:blipFill>
-          <a:blip r:embed="rId7"/>
+          <a:blip r:embed="rId8"/>
           <a:stretch>
             <a:fillRect/>
           </a:stretch>
@@ -7186,6 +7536,29 @@
                 <a:schemeClr val="tx1"/>
               </a:solidFill>
             </a:endParaRPr>
+          </a:p>
+        </p:txBody>
+      </p:sp>
+      <p:sp>
+        <p:nvSpPr>
+          <p:cNvPr id="5" name="Номер слайда 4"/>
+          <p:cNvSpPr>
+            <a:spLocks noGrp="1"/>
+          </p:cNvSpPr>
+          <p:nvPr>
+            <p:ph type="sldNum" sz="quarter" idx="12"/>
+          </p:nvPr>
+        </p:nvSpPr>
+        <p:spPr/>
+        <p:txBody>
+          <a:bodyPr/>
+          <a:lstStyle/>
+          <a:p>
+            <a:fld id="{C30A9A54-2EB7-4FB5-A0AB-23DA81119AE4}" type="slidenum">
+              <a:rPr lang="ru-RU" smtClean="0"/>
+              <a:t>4</a:t>
+            </a:fld>
+            <a:endParaRPr lang="ru-RU"/>
           </a:p>
         </p:txBody>
       </p:sp>
@@ -7627,6 +8000,29 @@
           </a:p>
         </p:txBody>
       </p:sp>
+      <p:sp>
+        <p:nvSpPr>
+          <p:cNvPr id="3" name="Номер слайда 2"/>
+          <p:cNvSpPr>
+            <a:spLocks noGrp="1"/>
+          </p:cNvSpPr>
+          <p:nvPr>
+            <p:ph type="sldNum" sz="quarter" idx="12"/>
+          </p:nvPr>
+        </p:nvSpPr>
+        <p:spPr/>
+        <p:txBody>
+          <a:bodyPr/>
+          <a:lstStyle/>
+          <a:p>
+            <a:fld id="{C30A9A54-2EB7-4FB5-A0AB-23DA81119AE4}" type="slidenum">
+              <a:rPr lang="ru-RU" smtClean="0"/>
+              <a:t>5</a:t>
+            </a:fld>
+            <a:endParaRPr lang="ru-RU"/>
+          </a:p>
+        </p:txBody>
+      </p:sp>
     </p:spTree>
     <p:extLst>
       <p:ext uri="{BB962C8B-B14F-4D97-AF65-F5344CB8AC3E}">
@@ -8045,6 +8441,29 @@
               <a:t>Подсчет результатов</a:t>
             </a:r>
             <a:endParaRPr lang="en-US" dirty="0"/>
+          </a:p>
+        </p:txBody>
+      </p:sp>
+      <p:sp>
+        <p:nvSpPr>
+          <p:cNvPr id="3" name="Номер слайда 2"/>
+          <p:cNvSpPr>
+            <a:spLocks noGrp="1"/>
+          </p:cNvSpPr>
+          <p:nvPr>
+            <p:ph type="sldNum" sz="quarter" idx="12"/>
+          </p:nvPr>
+        </p:nvSpPr>
+        <p:spPr/>
+        <p:txBody>
+          <a:bodyPr/>
+          <a:lstStyle/>
+          <a:p>
+            <a:fld id="{C30A9A54-2EB7-4FB5-A0AB-23DA81119AE4}" type="slidenum">
+              <a:rPr lang="ru-RU" smtClean="0"/>
+              <a:t>6</a:t>
+            </a:fld>
+            <a:endParaRPr lang="ru-RU"/>
           </a:p>
         </p:txBody>
       </p:sp>
@@ -8143,6 +8562,29 @@
           </a:p>
         </p:txBody>
       </p:sp>
+      <p:sp>
+        <p:nvSpPr>
+          <p:cNvPr id="3" name="Номер слайда 2"/>
+          <p:cNvSpPr>
+            <a:spLocks noGrp="1"/>
+          </p:cNvSpPr>
+          <p:nvPr>
+            <p:ph type="sldNum" sz="quarter" idx="12"/>
+          </p:nvPr>
+        </p:nvSpPr>
+        <p:spPr/>
+        <p:txBody>
+          <a:bodyPr/>
+          <a:lstStyle/>
+          <a:p>
+            <a:fld id="{C30A9A54-2EB7-4FB5-A0AB-23DA81119AE4}" type="slidenum">
+              <a:rPr lang="ru-RU" smtClean="0"/>
+              <a:t>7</a:t>
+            </a:fld>
+            <a:endParaRPr lang="ru-RU"/>
+          </a:p>
+        </p:txBody>
+      </p:sp>
     </p:spTree>
     <p:extLst>
       <p:ext uri="{BB962C8B-B14F-4D97-AF65-F5344CB8AC3E}">
@@ -8242,6 +8684,29 @@
           </a:prstGeom>
         </p:spPr>
       </p:pic>
+      <p:sp>
+        <p:nvSpPr>
+          <p:cNvPr id="3" name="Номер слайда 2"/>
+          <p:cNvSpPr>
+            <a:spLocks noGrp="1"/>
+          </p:cNvSpPr>
+          <p:nvPr>
+            <p:ph type="sldNum" sz="quarter" idx="12"/>
+          </p:nvPr>
+        </p:nvSpPr>
+        <p:spPr/>
+        <p:txBody>
+          <a:bodyPr/>
+          <a:lstStyle/>
+          <a:p>
+            <a:fld id="{C30A9A54-2EB7-4FB5-A0AB-23DA81119AE4}" type="slidenum">
+              <a:rPr lang="ru-RU" smtClean="0"/>
+              <a:t>8</a:t>
+            </a:fld>
+            <a:endParaRPr lang="ru-RU"/>
+          </a:p>
+        </p:txBody>
+      </p:sp>
     </p:spTree>
     <p:extLst>
       <p:ext uri="{BB962C8B-B14F-4D97-AF65-F5344CB8AC3E}">
@@ -8341,6 +8806,29 @@
           </a:prstGeom>
         </p:spPr>
       </p:pic>
+      <p:sp>
+        <p:nvSpPr>
+          <p:cNvPr id="3" name="Номер слайда 2"/>
+          <p:cNvSpPr>
+            <a:spLocks noGrp="1"/>
+          </p:cNvSpPr>
+          <p:nvPr>
+            <p:ph type="sldNum" sz="quarter" idx="12"/>
+          </p:nvPr>
+        </p:nvSpPr>
+        <p:spPr/>
+        <p:txBody>
+          <a:bodyPr/>
+          <a:lstStyle/>
+          <a:p>
+            <a:fld id="{C30A9A54-2EB7-4FB5-A0AB-23DA81119AE4}" type="slidenum">
+              <a:rPr lang="ru-RU" smtClean="0"/>
+              <a:t>9</a:t>
+            </a:fld>
+            <a:endParaRPr lang="ru-RU"/>
+          </a:p>
+        </p:txBody>
+      </p:sp>
     </p:spTree>
     <p:extLst>
       <p:ext uri="{BB962C8B-B14F-4D97-AF65-F5344CB8AC3E}">
